--- a/indices.pptx
+++ b/indices.pptx
@@ -12,26 +12,29 @@
     <p:sldId id="261" r:id="rId6"/>
     <p:sldId id="262" r:id="rId7"/>
     <p:sldId id="263" r:id="rId8"/>
-    <p:sldId id="265" r:id="rId9"/>
-    <p:sldId id="264" r:id="rId10"/>
-    <p:sldId id="266" r:id="rId11"/>
-    <p:sldId id="267" r:id="rId12"/>
-    <p:sldId id="257" r:id="rId13"/>
-    <p:sldId id="258" r:id="rId14"/>
-    <p:sldId id="268" r:id="rId15"/>
-    <p:sldId id="269" r:id="rId16"/>
-    <p:sldId id="270" r:id="rId17"/>
-    <p:sldId id="271" r:id="rId18"/>
-    <p:sldId id="272" r:id="rId19"/>
-    <p:sldId id="273" r:id="rId20"/>
-    <p:sldId id="274" r:id="rId21"/>
-    <p:sldId id="275" r:id="rId22"/>
-    <p:sldId id="276" r:id="rId23"/>
-    <p:sldId id="277" r:id="rId24"/>
-    <p:sldId id="278" r:id="rId25"/>
-    <p:sldId id="279" r:id="rId26"/>
-    <p:sldId id="280" r:id="rId27"/>
-    <p:sldId id="281" r:id="rId28"/>
+    <p:sldId id="283" r:id="rId9"/>
+    <p:sldId id="284" r:id="rId10"/>
+    <p:sldId id="285" r:id="rId11"/>
+    <p:sldId id="265" r:id="rId12"/>
+    <p:sldId id="264" r:id="rId13"/>
+    <p:sldId id="266" r:id="rId14"/>
+    <p:sldId id="267" r:id="rId15"/>
+    <p:sldId id="257" r:id="rId16"/>
+    <p:sldId id="258" r:id="rId17"/>
+    <p:sldId id="268" r:id="rId18"/>
+    <p:sldId id="269" r:id="rId19"/>
+    <p:sldId id="270" r:id="rId20"/>
+    <p:sldId id="271" r:id="rId21"/>
+    <p:sldId id="272" r:id="rId22"/>
+    <p:sldId id="273" r:id="rId23"/>
+    <p:sldId id="274" r:id="rId24"/>
+    <p:sldId id="275" r:id="rId25"/>
+    <p:sldId id="276" r:id="rId26"/>
+    <p:sldId id="277" r:id="rId27"/>
+    <p:sldId id="278" r:id="rId28"/>
+    <p:sldId id="279" r:id="rId29"/>
+    <p:sldId id="280" r:id="rId30"/>
+    <p:sldId id="281" r:id="rId31"/>
   </p:sldIdLst>
   <p:sldSz cx="12192000" cy="6858000"/>
   <p:notesSz cx="6858000" cy="9144000"/>
@@ -150,6 +153,43 @@
 </p:cmAuthorLst>
 </file>
 
+<file path=ppt/revisionInfo.xml><?xml version="1.0" encoding="utf-8"?>
+<p1510:revInfo xmlns:a="http://schemas.openxmlformats.org/drawingml/2006/main" xmlns:r="http://schemas.openxmlformats.org/officeDocument/2006/relationships" xmlns:p1510="http://schemas.microsoft.com/office/powerpoint/2015/10/main">
+  <p1510:revLst>
+    <p1510:client id="{A7F3FE7C-0D60-41F7-8CFD-C454D6F1E9A8}" v="3" dt="2021-10-26T14:17:34.876"/>
+  </p1510:revLst>
+</p1510:revInfo>
+</file>
+
+<file path=ppt/changesInfos/changesInfo1.xml><?xml version="1.0" encoding="utf-8"?>
+<pc:chgInfo xmlns:a="http://schemas.openxmlformats.org/drawingml/2006/main" xmlns:r="http://schemas.openxmlformats.org/officeDocument/2006/relationships" xmlns:ac="http://schemas.microsoft.com/office/drawing/2013/main/command" xmlns:pc="http://schemas.microsoft.com/office/powerpoint/2013/main/command">
+  <pc:docChgLst>
+    <pc:chgData name="Christian Castro" userId="a9937f86877348e7" providerId="LiveId" clId="{A7F3FE7C-0D60-41F7-8CFD-C454D6F1E9A8}"/>
+    <pc:docChg chg="custSel modSld">
+      <pc:chgData name="Christian Castro" userId="a9937f86877348e7" providerId="LiveId" clId="{A7F3FE7C-0D60-41F7-8CFD-C454D6F1E9A8}" dt="2021-10-26T14:19:53.902" v="124" actId="27636"/>
+      <pc:docMkLst>
+        <pc:docMk/>
+      </pc:docMkLst>
+      <pc:sldChg chg="modSp mod">
+        <pc:chgData name="Christian Castro" userId="a9937f86877348e7" providerId="LiveId" clId="{A7F3FE7C-0D60-41F7-8CFD-C454D6F1E9A8}" dt="2021-10-26T14:19:53.902" v="124" actId="27636"/>
+        <pc:sldMkLst>
+          <pc:docMk/>
+          <pc:sldMk cId="396414759" sldId="283"/>
+        </pc:sldMkLst>
+        <pc:spChg chg="mod">
+          <ac:chgData name="Christian Castro" userId="a9937f86877348e7" providerId="LiveId" clId="{A7F3FE7C-0D60-41F7-8CFD-C454D6F1E9A8}" dt="2021-10-26T14:19:53.902" v="124" actId="27636"/>
+          <ac:spMkLst>
+            <pc:docMk/>
+            <pc:sldMk cId="396414759" sldId="283"/>
+            <ac:spMk id="2" creationId="{AD7B9F15-1377-4E02-8384-19B05C64F917}"/>
+          </ac:spMkLst>
+        </pc:spChg>
+      </pc:sldChg>
+    </pc:docChg>
+  </pc:docChgLst>
+</pc:chgInfo>
+</file>
+
 <file path=ppt/comments/comment1.xml><?xml version="1.0" encoding="utf-8"?>
 <p:cmLst xmlns:a="http://schemas.openxmlformats.org/drawingml/2006/main" xmlns:r="http://schemas.openxmlformats.org/officeDocument/2006/relationships" xmlns:p="http://schemas.openxmlformats.org/presentationml/2006/main">
   <p:cm authorId="1" dt="2021-10-22T12:58:25.458" idx="1">
@@ -326,7 +366,7 @@
           <a:p>
             <a:fld id="{ECD19FB2-3AAB-4D03-B13A-2960828C78E3}" type="datetimeFigureOut">
               <a:rPr lang="en-US" dirty="0"/>
-              <a:t>10/25/2021</a:t>
+              <a:t>10/26/2021</a:t>
             </a:fld>
             <a:endParaRPr lang="en-US" dirty="0"/>
           </a:p>
@@ -603,7 +643,7 @@
           <a:p>
             <a:fld id="{1B80C674-7DFC-42FE-B9CD-82963CDB1557}" type="datetimeFigureOut">
               <a:rPr lang="en-US" dirty="0"/>
-              <a:t>10/25/2021</a:t>
+              <a:t>10/26/2021</a:t>
             </a:fld>
             <a:endParaRPr lang="en-US" dirty="0"/>
           </a:p>
@@ -790,7 +830,7 @@
           <a:p>
             <a:fld id="{2076456F-F47D-4F25-8053-2A695DA0CA7D}" type="datetimeFigureOut">
               <a:rPr lang="en-US" dirty="0"/>
-              <a:t>10/25/2021</a:t>
+              <a:t>10/26/2021</a:t>
             </a:fld>
             <a:endParaRPr lang="en-US" dirty="0"/>
           </a:p>
@@ -1046,7 +1086,7 @@
           <a:p>
             <a:fld id="{5D6C7379-69CC-4837-9905-BEBA22830C8A}" type="datetimeFigureOut">
               <a:rPr lang="en-US" dirty="0"/>
-              <a:t>10/25/2021</a:t>
+              <a:t>10/26/2021</a:t>
             </a:fld>
             <a:endParaRPr lang="en-US" dirty="0"/>
           </a:p>
@@ -1467,7 +1507,7 @@
           <a:p>
             <a:fld id="{49EB8B7E-8AEE-4F10-BFEE-C999AD004D36}" type="datetimeFigureOut">
               <a:rPr lang="en-US" dirty="0"/>
-              <a:t>10/25/2021</a:t>
+              <a:t>10/26/2021</a:t>
             </a:fld>
             <a:endParaRPr lang="en-US" dirty="0"/>
           </a:p>
@@ -2008,7 +2048,7 @@
           <a:p>
             <a:fld id="{8668F3F9-58BC-440B-B37B-805B9055EF92}" type="datetimeFigureOut">
               <a:rPr lang="en-US" dirty="0"/>
-              <a:t>10/25/2021</a:t>
+              <a:t>10/26/2021</a:t>
             </a:fld>
             <a:endParaRPr lang="en-US" dirty="0"/>
           </a:p>
@@ -2834,7 +2874,7 @@
           <a:p>
             <a:fld id="{0D5A53AF-48EA-489D-8260-9DCAB666386A}" type="datetimeFigureOut">
               <a:rPr lang="en-US" dirty="0"/>
-              <a:t>10/25/2021</a:t>
+              <a:t>10/26/2021</a:t>
             </a:fld>
             <a:endParaRPr lang="en-US" dirty="0"/>
           </a:p>
@@ -2999,7 +3039,7 @@
           <a:p>
             <a:fld id="{0DED02AE-B9A4-47BD-AF8E-97E16144138B}" type="datetimeFigureOut">
               <a:rPr lang="en-US" dirty="0"/>
-              <a:t>10/25/2021</a:t>
+              <a:t>10/26/2021</a:t>
             </a:fld>
             <a:endParaRPr lang="en-US" dirty="0"/>
           </a:p>
@@ -3174,7 +3214,7 @@
           <a:p>
             <a:fld id="{CF0FD78B-DB02-4362-BCDC-98A55456977C}" type="datetimeFigureOut">
               <a:rPr lang="en-US" dirty="0"/>
-              <a:t>10/25/2021</a:t>
+              <a:t>10/26/2021</a:t>
             </a:fld>
             <a:endParaRPr lang="en-US" dirty="0"/>
           </a:p>
@@ -3339,7 +3379,7 @@
           <a:p>
             <a:fld id="{99916976-5D93-46E4-A98A-FAD63E4D0EA8}" type="datetimeFigureOut">
               <a:rPr lang="en-US" dirty="0"/>
-              <a:t>10/25/2021</a:t>
+              <a:t>10/26/2021</a:t>
             </a:fld>
             <a:endParaRPr lang="en-US" dirty="0"/>
           </a:p>
@@ -3591,7 +3631,7 @@
           <a:p>
             <a:fld id="{0F39F4F5-F4D2-4D2A-AB60-88D37ADCB869}" type="datetimeFigureOut">
               <a:rPr lang="en-US" dirty="0"/>
-              <a:t>10/25/2021</a:t>
+              <a:t>10/26/2021</a:t>
             </a:fld>
             <a:endParaRPr lang="en-US" dirty="0"/>
           </a:p>
@@ -3818,7 +3858,7 @@
           <a:p>
             <a:fld id="{D23BC6CE-6D1E-47E5-8859-F31AC5380EB2}" type="datetimeFigureOut">
               <a:rPr lang="en-US" dirty="0"/>
-              <a:t>10/25/2021</a:t>
+              <a:t>10/26/2021</a:t>
             </a:fld>
             <a:endParaRPr lang="en-US" dirty="0"/>
           </a:p>
@@ -4206,7 +4246,7 @@
           <a:p>
             <a:fld id="{B1B4E7C4-4DA4-404D-9965-B13F2DD7D8BF}" type="datetimeFigureOut">
               <a:rPr lang="en-US" dirty="0"/>
-              <a:t>10/25/2021</a:t>
+              <a:t>10/26/2021</a:t>
             </a:fld>
             <a:endParaRPr lang="en-US" dirty="0"/>
           </a:p>
@@ -4319,7 +4359,7 @@
           <a:p>
             <a:fld id="{476FB7AA-4A53-424F-AD41-70827B6504BA}" type="datetimeFigureOut">
               <a:rPr lang="en-US" dirty="0"/>
-              <a:t>10/25/2021</a:t>
+              <a:t>10/26/2021</a:t>
             </a:fld>
             <a:endParaRPr lang="en-US" dirty="0"/>
           </a:p>
@@ -4409,7 +4449,7 @@
           <a:p>
             <a:fld id="{E7884882-FB12-4BC8-9960-9AD8104D7FAE}" type="datetimeFigureOut">
               <a:rPr lang="en-US" dirty="0"/>
-              <a:t>10/25/2021</a:t>
+              <a:t>10/26/2021</a:t>
             </a:fld>
             <a:endParaRPr lang="en-US" dirty="0"/>
           </a:p>
@@ -4677,7 +4717,7 @@
           <a:p>
             <a:fld id="{F7D1BD23-6E54-4D9D-AD88-A2813C73CC25}" type="datetimeFigureOut">
               <a:rPr lang="en-US" dirty="0"/>
-              <a:t>10/25/2021</a:t>
+              <a:t>10/26/2021</a:t>
             </a:fld>
             <a:endParaRPr lang="en-US" dirty="0"/>
           </a:p>
@@ -4953,7 +4993,7 @@
           <a:p>
             <a:fld id="{1471A834-4F3C-4AF9-9C74-05EC35A0F292}" type="datetimeFigureOut">
               <a:rPr lang="en-US" dirty="0"/>
-              <a:t>10/25/2021</a:t>
+              <a:t>10/26/2021</a:t>
             </a:fld>
             <a:endParaRPr lang="en-US" dirty="0"/>
           </a:p>
@@ -5188,7 +5228,7 @@
           <a:p>
             <a:fld id="{51CF1133-3259-4C45-BABA-5B62D9C6F78D}" type="datetimeFigureOut">
               <a:rPr lang="en-US" dirty="0"/>
-              <a:t>10/25/2021</a:t>
+              <a:t>10/26/2021</a:t>
             </a:fld>
             <a:endParaRPr lang="en-US" dirty="0"/>
           </a:p>
@@ -5861,8 +5901,8 @@
         </p:nvSpPr>
         <p:spPr>
           <a:xfrm>
-            <a:off x="791307" y="546801"/>
-            <a:ext cx="10849708" cy="389325"/>
+            <a:off x="603738" y="2631831"/>
+            <a:ext cx="10984523" cy="1594338"/>
           </a:xfrm>
         </p:spPr>
         <p:txBody>
@@ -5871,9 +5911,9 @@
           </a:bodyPr>
           <a:lstStyle/>
           <a:p>
-            <a:pPr algn="l"/>
-            <a:r>
-              <a:rPr lang="es-CL" sz="2700" dirty="0">
+            <a:pPr algn="ctr"/>
+            <a:r>
+              <a:rPr lang="es-CL" sz="8000" dirty="0">
                 <a:effectLst>
                   <a:outerShdw blurRad="38100" dist="38100" dir="2700000" algn="tl">
                     <a:srgbClr val="000000">
@@ -5885,10 +5925,10 @@
                 <a:ea typeface="Batang" panose="02030600000101010101" pitchFamily="18" charset="-127"/>
                 <a:cs typeface="Quire Sans" panose="020B0502040204020203" pitchFamily="34" charset="0"/>
               </a:rPr>
-              <a:t>Construcció</a:t>
-            </a:r>
-            <a:r>
-              <a:rPr lang="ang-Latn-001" sz="2700" dirty="0">
+              <a:t>Í</a:t>
+            </a:r>
+            <a:r>
+              <a:rPr lang="ang-Latn-001" sz="8000" dirty="0">
                 <a:effectLst>
                   <a:outerShdw blurRad="38100" dist="38100" dir="2700000" algn="tl">
                     <a:srgbClr val="000000">
@@ -5900,561 +5940,19 @@
                 <a:ea typeface="Batang" panose="02030600000101010101" pitchFamily="18" charset="-127"/>
                 <a:cs typeface="Quire Sans" panose="020B0502040204020203" pitchFamily="34" charset="0"/>
               </a:rPr>
-              <a:t>n de </a:t>
-            </a:r>
-            <a:r>
-              <a:rPr lang="es-CL" sz="2700" dirty="0">
-                <a:effectLst>
-                  <a:outerShdw blurRad="38100" dist="38100" dir="2700000" algn="tl">
-                    <a:srgbClr val="000000">
-                      <a:alpha val="43137"/>
-                    </a:srgbClr>
-                  </a:outerShdw>
-                </a:effectLst>
-                <a:latin typeface="Batang" panose="02030600000101010101" pitchFamily="18" charset="-127"/>
-                <a:ea typeface="Batang" panose="02030600000101010101" pitchFamily="18" charset="-127"/>
-                <a:cs typeface="Quire Sans" panose="020B0502040204020203" pitchFamily="34" charset="0"/>
-              </a:rPr>
-              <a:t>í</a:t>
-            </a:r>
-            <a:r>
-              <a:rPr lang="ang-Latn-001" sz="2700" dirty="0">
-                <a:effectLst>
-                  <a:outerShdw blurRad="38100" dist="38100" dir="2700000" algn="tl">
-                    <a:srgbClr val="000000">
-                      <a:alpha val="43137"/>
-                    </a:srgbClr>
-                  </a:outerShdw>
-                </a:effectLst>
-                <a:latin typeface="Batang" panose="02030600000101010101" pitchFamily="18" charset="-127"/>
-                <a:ea typeface="Batang" panose="02030600000101010101" pitchFamily="18" charset="-127"/>
-                <a:cs typeface="Quire Sans" panose="020B0502040204020203" pitchFamily="34" charset="0"/>
-              </a:rPr>
               <a:t>ndices</a:t>
             </a:r>
-            <a:endParaRPr lang="es-CL" sz="3100" dirty="0"/>
-          </a:p>
-        </p:txBody>
-      </p:sp>
-      <p:sp>
-        <p:nvSpPr>
-          <p:cNvPr id="8" name="CuadroTexto 7">
-            <a:extLst>
-              <a:ext uri="{FF2B5EF4-FFF2-40B4-BE49-F238E27FC236}">
-                <a16:creationId xmlns:a16="http://schemas.microsoft.com/office/drawing/2014/main" id="{DBB73518-D2F2-45A1-A13C-34921D558A7E}"/>
-              </a:ext>
-            </a:extLst>
-          </p:cNvPr>
-          <p:cNvSpPr txBox="1"/>
-          <p:nvPr/>
-        </p:nvSpPr>
-        <p:spPr>
-          <a:xfrm>
-            <a:off x="791307" y="1085747"/>
-            <a:ext cx="6189785" cy="584775"/>
-          </a:xfrm>
-          <a:prstGeom prst="rect">
-            <a:avLst/>
-          </a:prstGeom>
-          <a:noFill/>
-        </p:spPr>
-        <p:txBody>
-          <a:bodyPr wrap="square" rtlCol="0">
-            <a:spAutoFit/>
-          </a:bodyPr>
-          <a:lstStyle/>
-          <a:p>
-            <a:pPr marL="0" marR="0" lvl="0" indent="0" algn="l" defTabSz="457200" rtl="0" eaLnBrk="1" fontAlgn="auto" latinLnBrk="0" hangingPunct="1">
-              <a:lnSpc>
-                <a:spcPct val="100000"/>
-              </a:lnSpc>
-              <a:spcBef>
-                <a:spcPts val="0"/>
-              </a:spcBef>
-              <a:spcAft>
-                <a:spcPts val="0"/>
-              </a:spcAft>
-              <a:buClrTx/>
-              <a:buSzTx/>
-              <a:buFontTx/>
-              <a:buNone/>
-              <a:tabLst/>
-              <a:defRPr/>
-            </a:pPr>
-            <a:r>
-              <a:rPr kumimoji="0" lang="es-CL" sz="3200" b="0" i="0" u="none" strike="noStrike" kern="1200" cap="none" spc="0" normalizeH="0" baseline="0" noProof="0" dirty="0">
-                <a:ln>
-                  <a:noFill/>
-                </a:ln>
-                <a:solidFill>
-                  <a:srgbClr val="73CBB2">
-                    <a:lumMod val="75000"/>
-                  </a:srgbClr>
-                </a:solidFill>
-                <a:effectLst/>
-                <a:uLnTx/>
-                <a:uFillTx/>
-                <a:latin typeface="Corbel" panose="020B0503020204020204"/>
-                <a:ea typeface="+mn-ea"/>
-                <a:cs typeface="+mn-cs"/>
-              </a:rPr>
-              <a:t>Índice de bienestar humano</a:t>
-            </a:r>
-          </a:p>
-        </p:txBody>
-      </p:sp>
-      <p:sp>
-        <p:nvSpPr>
-          <p:cNvPr id="3" name="Elipse 2">
-            <a:extLst>
-              <a:ext uri="{FF2B5EF4-FFF2-40B4-BE49-F238E27FC236}">
-                <a16:creationId xmlns:a16="http://schemas.microsoft.com/office/drawing/2014/main" id="{67693FCA-4F4D-487B-AA4F-AD23B901676C}"/>
-              </a:ext>
-            </a:extLst>
-          </p:cNvPr>
-          <p:cNvSpPr/>
-          <p:nvPr/>
-        </p:nvSpPr>
-        <p:spPr>
-          <a:xfrm>
-            <a:off x="1417739" y="2625754"/>
-            <a:ext cx="2961314" cy="2114026"/>
-          </a:xfrm>
-          <a:prstGeom prst="ellipse">
-            <a:avLst/>
-          </a:prstGeom>
-        </p:spPr>
-        <p:style>
-          <a:lnRef idx="2">
-            <a:schemeClr val="accent1">
-              <a:shade val="50000"/>
-            </a:schemeClr>
-          </a:lnRef>
-          <a:fillRef idx="1">
-            <a:schemeClr val="accent1"/>
-          </a:fillRef>
-          <a:effectRef idx="0">
-            <a:schemeClr val="accent1"/>
-          </a:effectRef>
-          <a:fontRef idx="minor">
-            <a:schemeClr val="lt1"/>
-          </a:fontRef>
-        </p:style>
-        <p:txBody>
-          <a:bodyPr rtlCol="0" anchor="ctr"/>
-          <a:lstStyle/>
-          <a:p>
-            <a:pPr algn="ctr"/>
-            <a:r>
-              <a:rPr kumimoji="0" lang="es-CL" sz="2800" b="0" i="0" u="none" strike="noStrike" kern="1200" cap="none" spc="0" normalizeH="0" baseline="0" noProof="0" dirty="0">
-                <a:ln>
-                  <a:noFill/>
-                </a:ln>
-                <a:solidFill>
-                  <a:srgbClr val="FFFF00"/>
-                </a:solidFill>
-                <a:effectLst/>
-                <a:uLnTx/>
-                <a:uFillTx/>
-                <a:latin typeface="Corbel" panose="020B0503020204020204"/>
-                <a:ea typeface="+mn-ea"/>
-                <a:cs typeface="+mn-cs"/>
-              </a:rPr>
-              <a:t>Índice de bienestar físico</a:t>
-            </a:r>
-          </a:p>
-          <a:p>
-            <a:pPr algn="ctr"/>
+            <a:br>
+              <a:rPr lang="es-CL" b="1" dirty="0"/>
+            </a:br>
             <a:endParaRPr lang="es-CL" dirty="0"/>
           </a:p>
         </p:txBody>
       </p:sp>
-      <p:sp>
-        <p:nvSpPr>
-          <p:cNvPr id="6" name="Elipse 5">
-            <a:extLst>
-              <a:ext uri="{FF2B5EF4-FFF2-40B4-BE49-F238E27FC236}">
-                <a16:creationId xmlns:a16="http://schemas.microsoft.com/office/drawing/2014/main" id="{9E0B73BF-7FDF-4A48-9E52-840817B99971}"/>
-              </a:ext>
-            </a:extLst>
-          </p:cNvPr>
-          <p:cNvSpPr/>
-          <p:nvPr/>
-        </p:nvSpPr>
-        <p:spPr>
-          <a:xfrm>
-            <a:off x="6920916" y="2540669"/>
-            <a:ext cx="2004969" cy="1040235"/>
-          </a:xfrm>
-          <a:prstGeom prst="ellipse">
-            <a:avLst/>
-          </a:prstGeom>
-        </p:spPr>
-        <p:style>
-          <a:lnRef idx="2">
-            <a:schemeClr val="accent1">
-              <a:shade val="50000"/>
-            </a:schemeClr>
-          </a:lnRef>
-          <a:fillRef idx="1">
-            <a:schemeClr val="accent1"/>
-          </a:fillRef>
-          <a:effectRef idx="0">
-            <a:schemeClr val="accent1"/>
-          </a:effectRef>
-          <a:fontRef idx="minor">
-            <a:schemeClr val="lt1"/>
-          </a:fontRef>
-        </p:style>
-        <p:txBody>
-          <a:bodyPr rtlCol="0" anchor="ctr"/>
-          <a:lstStyle/>
-          <a:p>
-            <a:r>
-              <a:rPr lang="es-MX" sz="1000" dirty="0">
-                <a:solidFill>
-                  <a:srgbClr val="FFFF00"/>
-                </a:solidFill>
-              </a:rPr>
-              <a:t>Enfermedad  o  problema  de  salud  con  duración mayor o igual a 6 meses </a:t>
-            </a:r>
-          </a:p>
-        </p:txBody>
-      </p:sp>
-      <p:sp>
-        <p:nvSpPr>
-          <p:cNvPr id="13" name="Elipse 12">
-            <a:extLst>
-              <a:ext uri="{FF2B5EF4-FFF2-40B4-BE49-F238E27FC236}">
-                <a16:creationId xmlns:a16="http://schemas.microsoft.com/office/drawing/2014/main" id="{975AE5A5-489C-4EE9-9407-9F564668ECC9}"/>
-              </a:ext>
-            </a:extLst>
-          </p:cNvPr>
-          <p:cNvSpPr/>
-          <p:nvPr/>
-        </p:nvSpPr>
-        <p:spPr>
-          <a:xfrm>
-            <a:off x="5882053" y="1366852"/>
-            <a:ext cx="2004969" cy="1040235"/>
-          </a:xfrm>
-          <a:prstGeom prst="ellipse">
-            <a:avLst/>
-          </a:prstGeom>
-        </p:spPr>
-        <p:style>
-          <a:lnRef idx="2">
-            <a:schemeClr val="accent1">
-              <a:shade val="50000"/>
-            </a:schemeClr>
-          </a:lnRef>
-          <a:fillRef idx="1">
-            <a:schemeClr val="accent1"/>
-          </a:fillRef>
-          <a:effectRef idx="0">
-            <a:schemeClr val="accent1"/>
-          </a:effectRef>
-          <a:fontRef idx="minor">
-            <a:schemeClr val="lt1"/>
-          </a:fontRef>
-        </p:style>
-        <p:txBody>
-          <a:bodyPr rtlCol="0" anchor="ctr"/>
-          <a:lstStyle/>
-          <a:p>
-            <a:r>
-              <a:rPr lang="es-MX" sz="1000" dirty="0">
-                <a:solidFill>
-                  <a:srgbClr val="FFFF00"/>
-                </a:solidFill>
-              </a:rPr>
-              <a:t>Limitación en actividades de la vida diaria a causa de enfermedad o problemas de salud</a:t>
-            </a:r>
-          </a:p>
-        </p:txBody>
-      </p:sp>
-      <p:sp>
-        <p:nvSpPr>
-          <p:cNvPr id="14" name="Elipse 13">
-            <a:extLst>
-              <a:ext uri="{FF2B5EF4-FFF2-40B4-BE49-F238E27FC236}">
-                <a16:creationId xmlns:a16="http://schemas.microsoft.com/office/drawing/2014/main" id="{AAA96983-365F-4382-BCF7-7A2C25A9847C}"/>
-              </a:ext>
-            </a:extLst>
-          </p:cNvPr>
-          <p:cNvSpPr/>
-          <p:nvPr/>
-        </p:nvSpPr>
-        <p:spPr>
-          <a:xfrm>
-            <a:off x="6906693" y="3882354"/>
-            <a:ext cx="2004969" cy="1040235"/>
-          </a:xfrm>
-          <a:prstGeom prst="ellipse">
-            <a:avLst/>
-          </a:prstGeom>
-        </p:spPr>
-        <p:style>
-          <a:lnRef idx="2">
-            <a:schemeClr val="accent1">
-              <a:shade val="50000"/>
-            </a:schemeClr>
-          </a:lnRef>
-          <a:fillRef idx="1">
-            <a:schemeClr val="accent1"/>
-          </a:fillRef>
-          <a:effectRef idx="0">
-            <a:schemeClr val="accent1"/>
-          </a:effectRef>
-          <a:fontRef idx="minor">
-            <a:schemeClr val="lt1"/>
-          </a:fontRef>
-        </p:style>
-        <p:txBody>
-          <a:bodyPr rtlCol="0" anchor="ctr"/>
-          <a:lstStyle/>
-          <a:p>
-            <a:pPr algn="ctr"/>
-            <a:r>
-              <a:rPr lang="es-MX" sz="1000" dirty="0">
-                <a:solidFill>
-                  <a:srgbClr val="FFFF00"/>
-                </a:solidFill>
-              </a:rPr>
-              <a:t>Enfermedades en los últimos 12 meses</a:t>
-            </a:r>
-          </a:p>
-          <a:p>
-            <a:pPr algn="ctr"/>
-            <a:endParaRPr lang="es-CL" dirty="0"/>
-          </a:p>
-        </p:txBody>
-      </p:sp>
-      <p:sp>
-        <p:nvSpPr>
-          <p:cNvPr id="15" name="Elipse 14">
-            <a:extLst>
-              <a:ext uri="{FF2B5EF4-FFF2-40B4-BE49-F238E27FC236}">
-                <a16:creationId xmlns:a16="http://schemas.microsoft.com/office/drawing/2014/main" id="{C8B4029D-0A65-4ECA-AAA0-BA035544D223}"/>
-              </a:ext>
-            </a:extLst>
-          </p:cNvPr>
-          <p:cNvSpPr/>
-          <p:nvPr/>
-        </p:nvSpPr>
-        <p:spPr>
-          <a:xfrm>
-            <a:off x="5978607" y="5061240"/>
-            <a:ext cx="2004969" cy="1040235"/>
-          </a:xfrm>
-          <a:prstGeom prst="ellipse">
-            <a:avLst/>
-          </a:prstGeom>
-        </p:spPr>
-        <p:style>
-          <a:lnRef idx="2">
-            <a:schemeClr val="accent1">
-              <a:shade val="50000"/>
-            </a:schemeClr>
-          </a:lnRef>
-          <a:fillRef idx="1">
-            <a:schemeClr val="accent1"/>
-          </a:fillRef>
-          <a:effectRef idx="0">
-            <a:schemeClr val="accent1"/>
-          </a:effectRef>
-          <a:fontRef idx="minor">
-            <a:schemeClr val="lt1"/>
-          </a:fontRef>
-        </p:style>
-        <p:txBody>
-          <a:bodyPr rtlCol="0" anchor="ctr"/>
-          <a:lstStyle/>
-          <a:p>
-            <a:pPr algn="ctr"/>
-            <a:r>
-              <a:rPr lang="es-CL" sz="1000" dirty="0">
-                <a:solidFill>
-                  <a:srgbClr val="FFFF00"/>
-                </a:solidFill>
-              </a:rPr>
-              <a:t>Índice de Masa Corporal</a:t>
-            </a:r>
-          </a:p>
-        </p:txBody>
-      </p:sp>
-      <p:cxnSp>
-        <p:nvCxnSpPr>
-          <p:cNvPr id="16" name="Conector recto de flecha 15">
-            <a:extLst>
-              <a:ext uri="{FF2B5EF4-FFF2-40B4-BE49-F238E27FC236}">
-                <a16:creationId xmlns:a16="http://schemas.microsoft.com/office/drawing/2014/main" id="{E20B0834-F7DC-4B5E-848F-F51442AB4681}"/>
-              </a:ext>
-            </a:extLst>
-          </p:cNvPr>
-          <p:cNvCxnSpPr>
-            <a:stCxn id="3" idx="7"/>
-            <a:endCxn id="13" idx="2"/>
-          </p:cNvCxnSpPr>
-          <p:nvPr/>
-        </p:nvCxnSpPr>
-        <p:spPr>
-          <a:xfrm flipV="1">
-            <a:off x="3945379" y="1886970"/>
-            <a:ext cx="1936674" cy="1048376"/>
-          </a:xfrm>
-          <a:prstGeom prst="straightConnector1">
-            <a:avLst/>
-          </a:prstGeom>
-          <a:ln>
-            <a:tailEnd type="triangle"/>
-          </a:ln>
-        </p:spPr>
-        <p:style>
-          <a:lnRef idx="1">
-            <a:schemeClr val="accent1"/>
-          </a:lnRef>
-          <a:fillRef idx="0">
-            <a:schemeClr val="accent1"/>
-          </a:fillRef>
-          <a:effectRef idx="0">
-            <a:schemeClr val="accent1"/>
-          </a:effectRef>
-          <a:fontRef idx="minor">
-            <a:schemeClr val="tx1"/>
-          </a:fontRef>
-        </p:style>
-      </p:cxnSp>
-      <p:cxnSp>
-        <p:nvCxnSpPr>
-          <p:cNvPr id="18" name="Conector recto de flecha 17">
-            <a:extLst>
-              <a:ext uri="{FF2B5EF4-FFF2-40B4-BE49-F238E27FC236}">
-                <a16:creationId xmlns:a16="http://schemas.microsoft.com/office/drawing/2014/main" id="{B33F955C-3240-4CF9-BD04-53C91797A764}"/>
-              </a:ext>
-            </a:extLst>
-          </p:cNvPr>
-          <p:cNvCxnSpPr>
-            <a:stCxn id="3" idx="6"/>
-            <a:endCxn id="6" idx="2"/>
-          </p:cNvCxnSpPr>
-          <p:nvPr/>
-        </p:nvCxnSpPr>
-        <p:spPr>
-          <a:xfrm flipV="1">
-            <a:off x="4379053" y="3060787"/>
-            <a:ext cx="2541863" cy="621980"/>
-          </a:xfrm>
-          <a:prstGeom prst="straightConnector1">
-            <a:avLst/>
-          </a:prstGeom>
-          <a:ln>
-            <a:tailEnd type="triangle"/>
-          </a:ln>
-        </p:spPr>
-        <p:style>
-          <a:lnRef idx="1">
-            <a:schemeClr val="accent1"/>
-          </a:lnRef>
-          <a:fillRef idx="0">
-            <a:schemeClr val="accent1"/>
-          </a:fillRef>
-          <a:effectRef idx="0">
-            <a:schemeClr val="accent1"/>
-          </a:effectRef>
-          <a:fontRef idx="minor">
-            <a:schemeClr val="tx1"/>
-          </a:fontRef>
-        </p:style>
-      </p:cxnSp>
-      <p:cxnSp>
-        <p:nvCxnSpPr>
-          <p:cNvPr id="20" name="Conector recto de flecha 19">
-            <a:extLst>
-              <a:ext uri="{FF2B5EF4-FFF2-40B4-BE49-F238E27FC236}">
-                <a16:creationId xmlns:a16="http://schemas.microsoft.com/office/drawing/2014/main" id="{5458EB06-ABC8-454B-93A4-60F6DD6BEB2A}"/>
-              </a:ext>
-            </a:extLst>
-          </p:cNvPr>
-          <p:cNvCxnSpPr>
-            <a:stCxn id="3" idx="6"/>
-            <a:endCxn id="14" idx="2"/>
-          </p:cNvCxnSpPr>
-          <p:nvPr/>
-        </p:nvCxnSpPr>
-        <p:spPr>
-          <a:xfrm>
-            <a:off x="4379053" y="3682767"/>
-            <a:ext cx="2527640" cy="719705"/>
-          </a:xfrm>
-          <a:prstGeom prst="straightConnector1">
-            <a:avLst/>
-          </a:prstGeom>
-          <a:ln>
-            <a:tailEnd type="triangle"/>
-          </a:ln>
-        </p:spPr>
-        <p:style>
-          <a:lnRef idx="1">
-            <a:schemeClr val="accent1"/>
-          </a:lnRef>
-          <a:fillRef idx="0">
-            <a:schemeClr val="accent1"/>
-          </a:fillRef>
-          <a:effectRef idx="0">
-            <a:schemeClr val="accent1"/>
-          </a:effectRef>
-          <a:fontRef idx="minor">
-            <a:schemeClr val="tx1"/>
-          </a:fontRef>
-        </p:style>
-      </p:cxnSp>
-      <p:cxnSp>
-        <p:nvCxnSpPr>
-          <p:cNvPr id="22" name="Conector recto de flecha 21">
-            <a:extLst>
-              <a:ext uri="{FF2B5EF4-FFF2-40B4-BE49-F238E27FC236}">
-                <a16:creationId xmlns:a16="http://schemas.microsoft.com/office/drawing/2014/main" id="{3474A243-BA45-46C8-AA06-E0F5FB8FB4D1}"/>
-              </a:ext>
-            </a:extLst>
-          </p:cNvPr>
-          <p:cNvCxnSpPr>
-            <a:stCxn id="3" idx="5"/>
-            <a:endCxn id="15" idx="2"/>
-          </p:cNvCxnSpPr>
-          <p:nvPr/>
-        </p:nvCxnSpPr>
-        <p:spPr>
-          <a:xfrm>
-            <a:off x="3945379" y="4430188"/>
-            <a:ext cx="2033228" cy="1151170"/>
-          </a:xfrm>
-          <a:prstGeom prst="straightConnector1">
-            <a:avLst/>
-          </a:prstGeom>
-          <a:ln>
-            <a:tailEnd type="triangle"/>
-          </a:ln>
-        </p:spPr>
-        <p:style>
-          <a:lnRef idx="1">
-            <a:schemeClr val="accent1"/>
-          </a:lnRef>
-          <a:fillRef idx="0">
-            <a:schemeClr val="accent1"/>
-          </a:fillRef>
-          <a:effectRef idx="0">
-            <a:schemeClr val="accent1"/>
-          </a:effectRef>
-          <a:fontRef idx="minor">
-            <a:schemeClr val="tx1"/>
-          </a:fontRef>
-        </p:style>
-      </p:cxnSp>
     </p:spTree>
     <p:extLst>
       <p:ext uri="{BB962C8B-B14F-4D97-AF65-F5344CB8AC3E}">
-        <p14:creationId xmlns:p14="http://schemas.microsoft.com/office/powerpoint/2010/main" val="3258673406"/>
+        <p14:creationId xmlns:p14="http://schemas.microsoft.com/office/powerpoint/2010/main" val="1553158123"/>
       </p:ext>
     </p:extLst>
   </p:cSld>
@@ -6499,8 +5997,8 @@
         </p:nvSpPr>
         <p:spPr>
           <a:xfrm>
-            <a:off x="791307" y="571966"/>
-            <a:ext cx="9144000" cy="1221665"/>
+            <a:off x="791307" y="546801"/>
+            <a:ext cx="10849708" cy="389325"/>
           </a:xfrm>
         </p:spPr>
         <p:txBody>
@@ -6511,71 +6009,75 @@
           <a:p>
             <a:pPr algn="l"/>
             <a:r>
-              <a:rPr lang="es-CL" b="1" dirty="0"/>
-              <a:t>IVHCC</a:t>
-            </a:r>
-            <a:br>
-              <a:rPr lang="es-CL" b="1" dirty="0"/>
-            </a:br>
-            <a:endParaRPr lang="es-CL" dirty="0"/>
-          </a:p>
-        </p:txBody>
-      </p:sp>
-      <p:sp>
-        <p:nvSpPr>
-          <p:cNvPr id="3" name="Subtítulo 2">
+              <a:rPr lang="es-CL" sz="2700" dirty="0">
+                <a:effectLst>
+                  <a:outerShdw blurRad="38100" dist="38100" dir="2700000" algn="tl">
+                    <a:srgbClr val="000000">
+                      <a:alpha val="43137"/>
+                    </a:srgbClr>
+                  </a:outerShdw>
+                </a:effectLst>
+                <a:latin typeface="Batang" panose="02030600000101010101" pitchFamily="18" charset="-127"/>
+                <a:ea typeface="Batang" panose="02030600000101010101" pitchFamily="18" charset="-127"/>
+                <a:cs typeface="Quire Sans" panose="020B0502040204020203" pitchFamily="34" charset="0"/>
+              </a:rPr>
+              <a:t>Construcció</a:t>
+            </a:r>
+            <a:r>
+              <a:rPr lang="ang-Latn-001" sz="2700" dirty="0">
+                <a:effectLst>
+                  <a:outerShdw blurRad="38100" dist="38100" dir="2700000" algn="tl">
+                    <a:srgbClr val="000000">
+                      <a:alpha val="43137"/>
+                    </a:srgbClr>
+                  </a:outerShdw>
+                </a:effectLst>
+                <a:latin typeface="Batang" panose="02030600000101010101" pitchFamily="18" charset="-127"/>
+                <a:ea typeface="Batang" panose="02030600000101010101" pitchFamily="18" charset="-127"/>
+                <a:cs typeface="Quire Sans" panose="020B0502040204020203" pitchFamily="34" charset="0"/>
+              </a:rPr>
+              <a:t>n de </a:t>
+            </a:r>
+            <a:r>
+              <a:rPr lang="es-CL" sz="2700" dirty="0">
+                <a:effectLst>
+                  <a:outerShdw blurRad="38100" dist="38100" dir="2700000" algn="tl">
+                    <a:srgbClr val="000000">
+                      <a:alpha val="43137"/>
+                    </a:srgbClr>
+                  </a:outerShdw>
+                </a:effectLst>
+                <a:latin typeface="Batang" panose="02030600000101010101" pitchFamily="18" charset="-127"/>
+                <a:ea typeface="Batang" panose="02030600000101010101" pitchFamily="18" charset="-127"/>
+                <a:cs typeface="Quire Sans" panose="020B0502040204020203" pitchFamily="34" charset="0"/>
+              </a:rPr>
+              <a:t>í</a:t>
+            </a:r>
+            <a:r>
+              <a:rPr lang="ang-Latn-001" sz="2700" dirty="0">
+                <a:effectLst>
+                  <a:outerShdw blurRad="38100" dist="38100" dir="2700000" algn="tl">
+                    <a:srgbClr val="000000">
+                      <a:alpha val="43137"/>
+                    </a:srgbClr>
+                  </a:outerShdw>
+                </a:effectLst>
+                <a:latin typeface="Batang" panose="02030600000101010101" pitchFamily="18" charset="-127"/>
+                <a:ea typeface="Batang" panose="02030600000101010101" pitchFamily="18" charset="-127"/>
+                <a:cs typeface="Quire Sans" panose="020B0502040204020203" pitchFamily="34" charset="0"/>
+              </a:rPr>
+              <a:t>ndices</a:t>
+            </a:r>
+            <a:endParaRPr lang="es-CL" sz="3100" dirty="0"/>
+          </a:p>
+        </p:txBody>
+      </p:sp>
+      <p:sp>
+        <p:nvSpPr>
+          <p:cNvPr id="8" name="CuadroTexto 7">
             <a:extLst>
               <a:ext uri="{FF2B5EF4-FFF2-40B4-BE49-F238E27FC236}">
-                <a16:creationId xmlns:a16="http://schemas.microsoft.com/office/drawing/2014/main" id="{449EEAB2-375A-44AD-B789-2D80515B37FC}"/>
-              </a:ext>
-            </a:extLst>
-          </p:cNvPr>
-          <p:cNvSpPr>
-            <a:spLocks noGrp="1"/>
-          </p:cNvSpPr>
-          <p:nvPr>
-            <p:ph type="subTitle" idx="1"/>
-          </p:nvPr>
-        </p:nvSpPr>
-        <p:spPr>
-          <a:xfrm>
-            <a:off x="873369" y="1828800"/>
-            <a:ext cx="9144000" cy="754025"/>
-          </a:xfrm>
-        </p:spPr>
-        <p:txBody>
-          <a:bodyPr/>
-          <a:lstStyle/>
-          <a:p>
-            <a:pPr algn="l"/>
-            <a:r>
-              <a:rPr lang="es-MX" dirty="0">
-                <a:solidFill>
-                  <a:schemeClr val="bg2">
-                    <a:lumMod val="40000"/>
-                    <a:lumOff val="60000"/>
-                  </a:schemeClr>
-                </a:solidFill>
-              </a:rPr>
-              <a:t>Índice de vulnerabilidad humana al cambio climático</a:t>
-            </a:r>
-            <a:endParaRPr lang="es-CL" dirty="0">
-              <a:solidFill>
-                <a:schemeClr val="bg2">
-                  <a:lumMod val="40000"/>
-                  <a:lumOff val="60000"/>
-                </a:schemeClr>
-              </a:solidFill>
-            </a:endParaRPr>
-          </a:p>
-        </p:txBody>
-      </p:sp>
-      <p:sp>
-        <p:nvSpPr>
-          <p:cNvPr id="5" name="CuadroTexto 4">
-            <a:extLst>
-              <a:ext uri="{FF2B5EF4-FFF2-40B4-BE49-F238E27FC236}">
-                <a16:creationId xmlns:a16="http://schemas.microsoft.com/office/drawing/2014/main" id="{36B1F90B-1FFD-4A7D-9FAA-B9EBB5FB448B}"/>
+                <a16:creationId xmlns:a16="http://schemas.microsoft.com/office/drawing/2014/main" id="{DBB73518-D2F2-45A1-A13C-34921D558A7E}"/>
               </a:ext>
             </a:extLst>
           </p:cNvPr>
@@ -6584,8 +6086,8 @@
         </p:nvSpPr>
         <p:spPr>
           <a:xfrm>
-            <a:off x="990600" y="3059668"/>
-            <a:ext cx="6096000" cy="369332"/>
+            <a:off x="791307" y="1085747"/>
+            <a:ext cx="6189785" cy="584775"/>
           </a:xfrm>
           <a:prstGeom prst="rect">
             <a:avLst/>
@@ -6593,7 +6095,7 @@
           <a:noFill/>
         </p:spPr>
         <p:txBody>
-          <a:bodyPr wrap="square">
+          <a:bodyPr wrap="square" rtlCol="0">
             <a:spAutoFit/>
           </a:bodyPr>
           <a:lstStyle/>
@@ -6616,14 +6118,13 @@
               <a:defRPr/>
             </a:pPr>
             <a:r>
-              <a:rPr kumimoji="0" lang="es-MX" sz="1800" b="0" i="0" u="none" strike="noStrike" kern="1200" cap="none" spc="0" normalizeH="0" baseline="0" noProof="0" dirty="0">
+              <a:rPr kumimoji="0" lang="es-CL" sz="3200" b="0" i="0" u="none" strike="noStrike" kern="1200" cap="none" spc="0" normalizeH="0" baseline="0" noProof="0" dirty="0">
                 <a:ln>
                   <a:noFill/>
                 </a:ln>
                 <a:solidFill>
-                  <a:srgbClr val="4B4B4B">
-                    <a:lumMod val="40000"/>
-                    <a:lumOff val="60000"/>
+                  <a:srgbClr val="73CBB2">
+                    <a:lumMod val="75000"/>
                   </a:srgbClr>
                 </a:solidFill>
                 <a:effectLst/>
@@ -6633,29 +6134,458 @@
                 <a:ea typeface="+mn-ea"/>
                 <a:cs typeface="+mn-cs"/>
               </a:rPr>
-              <a:t>Se encuentra a nivel de comunas y se extrae de la Casen </a:t>
-            </a:r>
-            <a:endParaRPr kumimoji="0" lang="es-MX" sz="1800" b="0" i="0" u="none" strike="noStrike" kern="1200" cap="none" spc="0" normalizeH="0" baseline="0" noProof="0" dirty="0">
-              <a:ln>
-                <a:noFill/>
-              </a:ln>
+              <a:t>Índice de bienestar humano</a:t>
+            </a:r>
+          </a:p>
+        </p:txBody>
+      </p:sp>
+      <p:sp>
+        <p:nvSpPr>
+          <p:cNvPr id="3" name="Elipse 2">
+            <a:extLst>
+              <a:ext uri="{FF2B5EF4-FFF2-40B4-BE49-F238E27FC236}">
+                <a16:creationId xmlns:a16="http://schemas.microsoft.com/office/drawing/2014/main" id="{67693FCA-4F4D-487B-AA4F-AD23B901676C}"/>
+              </a:ext>
+            </a:extLst>
+          </p:cNvPr>
+          <p:cNvSpPr/>
+          <p:nvPr/>
+        </p:nvSpPr>
+        <p:spPr>
+          <a:xfrm>
+            <a:off x="1417739" y="2625754"/>
+            <a:ext cx="2961314" cy="2114026"/>
+          </a:xfrm>
+          <a:prstGeom prst="ellipse">
+            <a:avLst/>
+          </a:prstGeom>
+        </p:spPr>
+        <p:style>
+          <a:lnRef idx="2">
+            <a:schemeClr val="accent1">
+              <a:shade val="50000"/>
+            </a:schemeClr>
+          </a:lnRef>
+          <a:fillRef idx="1">
+            <a:schemeClr val="accent1"/>
+          </a:fillRef>
+          <a:effectRef idx="0">
+            <a:schemeClr val="accent1"/>
+          </a:effectRef>
+          <a:fontRef idx="minor">
+            <a:schemeClr val="lt1"/>
+          </a:fontRef>
+        </p:style>
+        <p:txBody>
+          <a:bodyPr rtlCol="0" anchor="ctr"/>
+          <a:lstStyle/>
+          <a:p>
+            <a:pPr algn="ctr"/>
+            <a:r>
+              <a:rPr lang="es-CL" sz="2400" dirty="0">
+                <a:solidFill>
+                  <a:srgbClr val="FFFF00"/>
+                </a:solidFill>
+              </a:rPr>
+              <a:t>Índice de bienestar humano</a:t>
+            </a:r>
+          </a:p>
+        </p:txBody>
+      </p:sp>
+      <p:sp>
+        <p:nvSpPr>
+          <p:cNvPr id="6" name="Elipse 5">
+            <a:extLst>
+              <a:ext uri="{FF2B5EF4-FFF2-40B4-BE49-F238E27FC236}">
+                <a16:creationId xmlns:a16="http://schemas.microsoft.com/office/drawing/2014/main" id="{9E0B73BF-7FDF-4A48-9E52-840817B99971}"/>
+              </a:ext>
+            </a:extLst>
+          </p:cNvPr>
+          <p:cNvSpPr/>
+          <p:nvPr/>
+        </p:nvSpPr>
+        <p:spPr>
+          <a:xfrm>
+            <a:off x="6920916" y="2540669"/>
+            <a:ext cx="2004969" cy="1040235"/>
+          </a:xfrm>
+          <a:prstGeom prst="ellipse">
+            <a:avLst/>
+          </a:prstGeom>
+        </p:spPr>
+        <p:style>
+          <a:lnRef idx="2">
+            <a:schemeClr val="accent1">
+              <a:shade val="50000"/>
+            </a:schemeClr>
+          </a:lnRef>
+          <a:fillRef idx="1">
+            <a:schemeClr val="accent1"/>
+          </a:fillRef>
+          <a:effectRef idx="0">
+            <a:schemeClr val="accent1"/>
+          </a:effectRef>
+          <a:fontRef idx="minor">
+            <a:schemeClr val="lt1"/>
+          </a:fontRef>
+        </p:style>
+        <p:txBody>
+          <a:bodyPr rtlCol="0" anchor="ctr"/>
+          <a:lstStyle/>
+          <a:p>
+            <a:pPr algn="ctr"/>
+            <a:r>
+              <a:rPr lang="ang-Latn-001" sz="1400" dirty="0">
+                <a:solidFill>
+                  <a:srgbClr val="FFFF00"/>
+                </a:solidFill>
+              </a:rPr>
+              <a:t>Pobreza</a:t>
+            </a:r>
+          </a:p>
+        </p:txBody>
+      </p:sp>
+      <p:sp>
+        <p:nvSpPr>
+          <p:cNvPr id="13" name="Elipse 12">
+            <a:extLst>
+              <a:ext uri="{FF2B5EF4-FFF2-40B4-BE49-F238E27FC236}">
+                <a16:creationId xmlns:a16="http://schemas.microsoft.com/office/drawing/2014/main" id="{975AE5A5-489C-4EE9-9407-9F564668ECC9}"/>
+              </a:ext>
+            </a:extLst>
+          </p:cNvPr>
+          <p:cNvSpPr/>
+          <p:nvPr/>
+        </p:nvSpPr>
+        <p:spPr>
+          <a:xfrm>
+            <a:off x="5882053" y="1366852"/>
+            <a:ext cx="2004969" cy="1040235"/>
+          </a:xfrm>
+          <a:prstGeom prst="ellipse">
+            <a:avLst/>
+          </a:prstGeom>
+        </p:spPr>
+        <p:style>
+          <a:lnRef idx="2">
+            <a:schemeClr val="accent1">
+              <a:shade val="50000"/>
+            </a:schemeClr>
+          </a:lnRef>
+          <a:fillRef idx="1">
+            <a:schemeClr val="accent1"/>
+          </a:fillRef>
+          <a:effectRef idx="0">
+            <a:schemeClr val="accent1"/>
+          </a:effectRef>
+          <a:fontRef idx="minor">
+            <a:schemeClr val="lt1"/>
+          </a:fontRef>
+        </p:style>
+        <p:txBody>
+          <a:bodyPr rtlCol="0" anchor="ctr"/>
+          <a:lstStyle/>
+          <a:p>
+            <a:pPr algn="ctr"/>
+            <a:r>
+              <a:rPr lang="ang-Latn-001" sz="1400" dirty="0">
+                <a:solidFill>
+                  <a:srgbClr val="FFFF00"/>
+                </a:solidFill>
+              </a:rPr>
+              <a:t>Cobertura en seguridad social</a:t>
+            </a:r>
+            <a:endParaRPr lang="es-CL" sz="1400" dirty="0">
               <a:solidFill>
-                <a:prstClr val="white"/>
+                <a:srgbClr val="FFFF00"/>
               </a:solidFill>
-              <a:effectLst/>
-              <a:uLnTx/>
-              <a:uFillTx/>
-              <a:latin typeface="Corbel" panose="020B0503020204020204"/>
-              <a:ea typeface="+mn-ea"/>
-              <a:cs typeface="+mn-cs"/>
             </a:endParaRPr>
           </a:p>
         </p:txBody>
       </p:sp>
+      <p:sp>
+        <p:nvSpPr>
+          <p:cNvPr id="14" name="Elipse 13">
+            <a:extLst>
+              <a:ext uri="{FF2B5EF4-FFF2-40B4-BE49-F238E27FC236}">
+                <a16:creationId xmlns:a16="http://schemas.microsoft.com/office/drawing/2014/main" id="{AAA96983-365F-4382-BCF7-7A2C25A9847C}"/>
+              </a:ext>
+            </a:extLst>
+          </p:cNvPr>
+          <p:cNvSpPr/>
+          <p:nvPr/>
+        </p:nvSpPr>
+        <p:spPr>
+          <a:xfrm>
+            <a:off x="6920916" y="3840103"/>
+            <a:ext cx="2004969" cy="1040235"/>
+          </a:xfrm>
+          <a:prstGeom prst="ellipse">
+            <a:avLst/>
+          </a:prstGeom>
+        </p:spPr>
+        <p:style>
+          <a:lnRef idx="2">
+            <a:schemeClr val="accent1">
+              <a:shade val="50000"/>
+            </a:schemeClr>
+          </a:lnRef>
+          <a:fillRef idx="1">
+            <a:schemeClr val="accent1"/>
+          </a:fillRef>
+          <a:effectRef idx="0">
+            <a:schemeClr val="accent1"/>
+          </a:effectRef>
+          <a:fontRef idx="minor">
+            <a:schemeClr val="lt1"/>
+          </a:fontRef>
+        </p:style>
+        <p:txBody>
+          <a:bodyPr rtlCol="0" anchor="ctr"/>
+          <a:lstStyle/>
+          <a:p>
+            <a:pPr algn="ctr"/>
+            <a:r>
+              <a:rPr lang="ang-Latn-001" sz="1400" dirty="0">
+                <a:solidFill>
+                  <a:srgbClr val="FFFF00"/>
+                </a:solidFill>
+              </a:rPr>
+              <a:t>Coeficiente de Gini</a:t>
+            </a:r>
+            <a:endParaRPr lang="es-CL" sz="1400" dirty="0">
+              <a:solidFill>
+                <a:srgbClr val="FFFF00"/>
+              </a:solidFill>
+            </a:endParaRPr>
+          </a:p>
+        </p:txBody>
+      </p:sp>
+      <p:sp>
+        <p:nvSpPr>
+          <p:cNvPr id="15" name="Elipse 14">
+            <a:extLst>
+              <a:ext uri="{FF2B5EF4-FFF2-40B4-BE49-F238E27FC236}">
+                <a16:creationId xmlns:a16="http://schemas.microsoft.com/office/drawing/2014/main" id="{C8B4029D-0A65-4ECA-AAA0-BA035544D223}"/>
+              </a:ext>
+            </a:extLst>
+          </p:cNvPr>
+          <p:cNvSpPr/>
+          <p:nvPr/>
+        </p:nvSpPr>
+        <p:spPr>
+          <a:xfrm>
+            <a:off x="5775819" y="4935405"/>
+            <a:ext cx="2004969" cy="1040235"/>
+          </a:xfrm>
+          <a:prstGeom prst="ellipse">
+            <a:avLst/>
+          </a:prstGeom>
+        </p:spPr>
+        <p:style>
+          <a:lnRef idx="2">
+            <a:schemeClr val="accent1">
+              <a:shade val="50000"/>
+            </a:schemeClr>
+          </a:lnRef>
+          <a:fillRef idx="1">
+            <a:schemeClr val="accent1"/>
+          </a:fillRef>
+          <a:effectRef idx="0">
+            <a:schemeClr val="accent1"/>
+          </a:effectRef>
+          <a:fontRef idx="minor">
+            <a:schemeClr val="lt1"/>
+          </a:fontRef>
+        </p:style>
+        <p:txBody>
+          <a:bodyPr rtlCol="0" anchor="ctr"/>
+          <a:lstStyle/>
+          <a:p>
+            <a:pPr algn="ctr"/>
+            <a:r>
+              <a:rPr lang="es-CL" sz="1400" dirty="0">
+                <a:solidFill>
+                  <a:srgbClr val="FFFF00"/>
+                </a:solidFill>
+              </a:rPr>
+              <a:t>Índice de desarrollo comunal</a:t>
+            </a:r>
+          </a:p>
+        </p:txBody>
+      </p:sp>
+      <p:cxnSp>
+        <p:nvCxnSpPr>
+          <p:cNvPr id="16" name="Conector recto de flecha 15">
+            <a:extLst>
+              <a:ext uri="{FF2B5EF4-FFF2-40B4-BE49-F238E27FC236}">
+                <a16:creationId xmlns:a16="http://schemas.microsoft.com/office/drawing/2014/main" id="{E20B0834-F7DC-4B5E-848F-F51442AB4681}"/>
+              </a:ext>
+            </a:extLst>
+          </p:cNvPr>
+          <p:cNvCxnSpPr>
+            <a:stCxn id="3" idx="7"/>
+            <a:endCxn id="13" idx="2"/>
+          </p:cNvCxnSpPr>
+          <p:nvPr/>
+        </p:nvCxnSpPr>
+        <p:spPr>
+          <a:xfrm flipV="1">
+            <a:off x="3945379" y="1886970"/>
+            <a:ext cx="1936674" cy="1048376"/>
+          </a:xfrm>
+          <a:prstGeom prst="straightConnector1">
+            <a:avLst/>
+          </a:prstGeom>
+          <a:ln>
+            <a:tailEnd type="triangle"/>
+          </a:ln>
+        </p:spPr>
+        <p:style>
+          <a:lnRef idx="1">
+            <a:schemeClr val="accent1"/>
+          </a:lnRef>
+          <a:fillRef idx="0">
+            <a:schemeClr val="accent1"/>
+          </a:fillRef>
+          <a:effectRef idx="0">
+            <a:schemeClr val="accent1"/>
+          </a:effectRef>
+          <a:fontRef idx="minor">
+            <a:schemeClr val="tx1"/>
+          </a:fontRef>
+        </p:style>
+      </p:cxnSp>
+      <p:cxnSp>
+        <p:nvCxnSpPr>
+          <p:cNvPr id="18" name="Conector recto de flecha 17">
+            <a:extLst>
+              <a:ext uri="{FF2B5EF4-FFF2-40B4-BE49-F238E27FC236}">
+                <a16:creationId xmlns:a16="http://schemas.microsoft.com/office/drawing/2014/main" id="{B33F955C-3240-4CF9-BD04-53C91797A764}"/>
+              </a:ext>
+            </a:extLst>
+          </p:cNvPr>
+          <p:cNvCxnSpPr>
+            <a:stCxn id="3" idx="6"/>
+            <a:endCxn id="6" idx="2"/>
+          </p:cNvCxnSpPr>
+          <p:nvPr/>
+        </p:nvCxnSpPr>
+        <p:spPr>
+          <a:xfrm flipV="1">
+            <a:off x="4379053" y="3060787"/>
+            <a:ext cx="2541863" cy="621980"/>
+          </a:xfrm>
+          <a:prstGeom prst="straightConnector1">
+            <a:avLst/>
+          </a:prstGeom>
+          <a:ln>
+            <a:tailEnd type="triangle"/>
+          </a:ln>
+        </p:spPr>
+        <p:style>
+          <a:lnRef idx="1">
+            <a:schemeClr val="accent1"/>
+          </a:lnRef>
+          <a:fillRef idx="0">
+            <a:schemeClr val="accent1"/>
+          </a:fillRef>
+          <a:effectRef idx="0">
+            <a:schemeClr val="accent1"/>
+          </a:effectRef>
+          <a:fontRef idx="minor">
+            <a:schemeClr val="tx1"/>
+          </a:fontRef>
+        </p:style>
+      </p:cxnSp>
+      <p:cxnSp>
+        <p:nvCxnSpPr>
+          <p:cNvPr id="20" name="Conector recto de flecha 19">
+            <a:extLst>
+              <a:ext uri="{FF2B5EF4-FFF2-40B4-BE49-F238E27FC236}">
+                <a16:creationId xmlns:a16="http://schemas.microsoft.com/office/drawing/2014/main" id="{5458EB06-ABC8-454B-93A4-60F6DD6BEB2A}"/>
+              </a:ext>
+            </a:extLst>
+          </p:cNvPr>
+          <p:cNvCxnSpPr>
+            <a:stCxn id="3" idx="6"/>
+            <a:endCxn id="14" idx="2"/>
+          </p:cNvCxnSpPr>
+          <p:nvPr/>
+        </p:nvCxnSpPr>
+        <p:spPr>
+          <a:xfrm>
+            <a:off x="4379053" y="3682767"/>
+            <a:ext cx="2541863" cy="677454"/>
+          </a:xfrm>
+          <a:prstGeom prst="straightConnector1">
+            <a:avLst/>
+          </a:prstGeom>
+          <a:ln>
+            <a:tailEnd type="triangle"/>
+          </a:ln>
+        </p:spPr>
+        <p:style>
+          <a:lnRef idx="1">
+            <a:schemeClr val="accent1"/>
+          </a:lnRef>
+          <a:fillRef idx="0">
+            <a:schemeClr val="accent1"/>
+          </a:fillRef>
+          <a:effectRef idx="0">
+            <a:schemeClr val="accent1"/>
+          </a:effectRef>
+          <a:fontRef idx="minor">
+            <a:schemeClr val="tx1"/>
+          </a:fontRef>
+        </p:style>
+      </p:cxnSp>
+      <p:cxnSp>
+        <p:nvCxnSpPr>
+          <p:cNvPr id="22" name="Conector recto de flecha 21">
+            <a:extLst>
+              <a:ext uri="{FF2B5EF4-FFF2-40B4-BE49-F238E27FC236}">
+                <a16:creationId xmlns:a16="http://schemas.microsoft.com/office/drawing/2014/main" id="{3474A243-BA45-46C8-AA06-E0F5FB8FB4D1}"/>
+              </a:ext>
+            </a:extLst>
+          </p:cNvPr>
+          <p:cNvCxnSpPr>
+            <a:stCxn id="3" idx="5"/>
+            <a:endCxn id="15" idx="2"/>
+          </p:cNvCxnSpPr>
+          <p:nvPr/>
+        </p:nvCxnSpPr>
+        <p:spPr>
+          <a:xfrm>
+            <a:off x="3945379" y="4430188"/>
+            <a:ext cx="1830440" cy="1025335"/>
+          </a:xfrm>
+          <a:prstGeom prst="straightConnector1">
+            <a:avLst/>
+          </a:prstGeom>
+          <a:ln>
+            <a:tailEnd type="triangle"/>
+          </a:ln>
+        </p:spPr>
+        <p:style>
+          <a:lnRef idx="1">
+            <a:schemeClr val="accent1"/>
+          </a:lnRef>
+          <a:fillRef idx="0">
+            <a:schemeClr val="accent1"/>
+          </a:fillRef>
+          <a:effectRef idx="0">
+            <a:schemeClr val="accent1"/>
+          </a:effectRef>
+          <a:fontRef idx="minor">
+            <a:schemeClr val="tx1"/>
+          </a:fontRef>
+        </p:style>
+      </p:cxnSp>
     </p:spTree>
     <p:extLst>
       <p:ext uri="{BB962C8B-B14F-4D97-AF65-F5344CB8AC3E}">
-        <p14:creationId xmlns:p14="http://schemas.microsoft.com/office/powerpoint/2010/main" val="1804218673"/>
+        <p14:creationId xmlns:p14="http://schemas.microsoft.com/office/powerpoint/2010/main" val="274383438"/>
       </p:ext>
     </p:extLst>
   </p:cSld>
@@ -6700,8 +6630,8 @@
         </p:nvSpPr>
         <p:spPr>
           <a:xfrm>
-            <a:off x="80107" y="95228"/>
-            <a:ext cx="9144000" cy="1221665"/>
+            <a:off x="791307" y="546801"/>
+            <a:ext cx="10849708" cy="389325"/>
           </a:xfrm>
         </p:spPr>
         <p:txBody>
@@ -6712,50 +6642,517 @@
           <a:p>
             <a:pPr algn="l"/>
             <a:r>
-              <a:rPr lang="es-CL" b="1" dirty="0"/>
-              <a:t>IVHCC</a:t>
-            </a:r>
-            <a:br>
-              <a:rPr lang="es-CL" b="1" dirty="0"/>
-            </a:br>
-            <a:endParaRPr lang="es-CL" dirty="0"/>
-          </a:p>
-        </p:txBody>
-      </p:sp>
-      <p:pic>
-        <p:nvPicPr>
-          <p:cNvPr id="5" name="Imagen 4">
+              <a:rPr lang="es-CL" sz="2700" dirty="0">
+                <a:effectLst>
+                  <a:outerShdw blurRad="38100" dist="38100" dir="2700000" algn="tl">
+                    <a:srgbClr val="000000">
+                      <a:alpha val="43137"/>
+                    </a:srgbClr>
+                  </a:outerShdw>
+                </a:effectLst>
+                <a:latin typeface="Batang" panose="02030600000101010101" pitchFamily="18" charset="-127"/>
+                <a:ea typeface="Batang" panose="02030600000101010101" pitchFamily="18" charset="-127"/>
+                <a:cs typeface="Quire Sans" panose="020B0502040204020203" pitchFamily="34" charset="0"/>
+              </a:rPr>
+              <a:t>Construcció</a:t>
+            </a:r>
+            <a:r>
+              <a:rPr lang="ang-Latn-001" sz="2700" dirty="0">
+                <a:effectLst>
+                  <a:outerShdw blurRad="38100" dist="38100" dir="2700000" algn="tl">
+                    <a:srgbClr val="000000">
+                      <a:alpha val="43137"/>
+                    </a:srgbClr>
+                  </a:outerShdw>
+                </a:effectLst>
+                <a:latin typeface="Batang" panose="02030600000101010101" pitchFamily="18" charset="-127"/>
+                <a:ea typeface="Batang" panose="02030600000101010101" pitchFamily="18" charset="-127"/>
+                <a:cs typeface="Quire Sans" panose="020B0502040204020203" pitchFamily="34" charset="0"/>
+              </a:rPr>
+              <a:t>n de </a:t>
+            </a:r>
+            <a:r>
+              <a:rPr lang="es-CL" sz="2700" dirty="0">
+                <a:effectLst>
+                  <a:outerShdw blurRad="38100" dist="38100" dir="2700000" algn="tl">
+                    <a:srgbClr val="000000">
+                      <a:alpha val="43137"/>
+                    </a:srgbClr>
+                  </a:outerShdw>
+                </a:effectLst>
+                <a:latin typeface="Batang" panose="02030600000101010101" pitchFamily="18" charset="-127"/>
+                <a:ea typeface="Batang" panose="02030600000101010101" pitchFamily="18" charset="-127"/>
+                <a:cs typeface="Quire Sans" panose="020B0502040204020203" pitchFamily="34" charset="0"/>
+              </a:rPr>
+              <a:t>í</a:t>
+            </a:r>
+            <a:r>
+              <a:rPr lang="ang-Latn-001" sz="2700" dirty="0">
+                <a:effectLst>
+                  <a:outerShdw blurRad="38100" dist="38100" dir="2700000" algn="tl">
+                    <a:srgbClr val="000000">
+                      <a:alpha val="43137"/>
+                    </a:srgbClr>
+                  </a:outerShdw>
+                </a:effectLst>
+                <a:latin typeface="Batang" panose="02030600000101010101" pitchFamily="18" charset="-127"/>
+                <a:ea typeface="Batang" panose="02030600000101010101" pitchFamily="18" charset="-127"/>
+                <a:cs typeface="Quire Sans" panose="020B0502040204020203" pitchFamily="34" charset="0"/>
+              </a:rPr>
+              <a:t>ndices</a:t>
+            </a:r>
+            <a:endParaRPr lang="es-CL" sz="3100" dirty="0"/>
+          </a:p>
+        </p:txBody>
+      </p:sp>
+      <p:sp>
+        <p:nvSpPr>
+          <p:cNvPr id="7" name="CuadroTexto 6">
             <a:extLst>
               <a:ext uri="{FF2B5EF4-FFF2-40B4-BE49-F238E27FC236}">
-                <a16:creationId xmlns:a16="http://schemas.microsoft.com/office/drawing/2014/main" id="{7FB2DF1A-FF4D-4B98-870C-04157BF0D326}"/>
+                <a16:creationId xmlns:a16="http://schemas.microsoft.com/office/drawing/2014/main" id="{BFF74897-7A2A-4058-BBD5-AE044A36884D}"/>
               </a:ext>
             </a:extLst>
           </p:cNvPr>
-          <p:cNvPicPr>
-            <a:picLocks noChangeAspect="1"/>
-          </p:cNvPicPr>
+          <p:cNvSpPr txBox="1"/>
           <p:nvPr/>
-        </p:nvPicPr>
-        <p:blipFill>
-          <a:blip r:embed="rId2"/>
-          <a:stretch>
-            <a:fillRect/>
-          </a:stretch>
-        </p:blipFill>
+        </p:nvSpPr>
         <p:spPr>
           <a:xfrm>
-            <a:off x="3763558" y="2172677"/>
-            <a:ext cx="4408798" cy="3638061"/>
+            <a:off x="650630" y="1670522"/>
+            <a:ext cx="11201401" cy="1538883"/>
           </a:xfrm>
           <a:prstGeom prst="rect">
             <a:avLst/>
           </a:prstGeom>
-        </p:spPr>
-      </p:pic>
+          <a:noFill/>
+        </p:spPr>
+        <p:txBody>
+          <a:bodyPr wrap="square" rtlCol="0">
+            <a:spAutoFit/>
+          </a:bodyPr>
+          <a:lstStyle/>
+          <a:p>
+            <a:pPr marL="0" marR="0" lvl="0" indent="0" algn="l" defTabSz="457200" rtl="0" eaLnBrk="1" fontAlgn="auto" latinLnBrk="0" hangingPunct="1">
+              <a:lnSpc>
+                <a:spcPct val="100000"/>
+              </a:lnSpc>
+              <a:spcBef>
+                <a:spcPts val="0"/>
+              </a:spcBef>
+              <a:spcAft>
+                <a:spcPts val="0"/>
+              </a:spcAft>
+              <a:buClrTx/>
+              <a:buSzTx/>
+              <a:buFontTx/>
+              <a:buNone/>
+              <a:tabLst/>
+              <a:defRPr/>
+            </a:pPr>
+            <a:br>
+              <a:rPr kumimoji="0" lang="es-MX" sz="1400" b="0" i="0" u="none" strike="noStrike" kern="1200" cap="none" spc="0" normalizeH="0" baseline="0" noProof="0" dirty="0">
+                <a:ln>
+                  <a:noFill/>
+                </a:ln>
+                <a:solidFill>
+                  <a:prstClr val="white"/>
+                </a:solidFill>
+                <a:effectLst/>
+                <a:uLnTx/>
+                <a:uFillTx/>
+                <a:latin typeface="Quire Sans" panose="020B0502040400020003" pitchFamily="34" charset="0"/>
+                <a:ea typeface="Batang" panose="02030600000101010101" pitchFamily="18" charset="-127"/>
+                <a:cs typeface="Quire Sans" panose="020B0502040400020003" pitchFamily="34" charset="0"/>
+              </a:rPr>
+            </a:br>
+            <a:r>
+              <a:rPr kumimoji="0" lang="es-CL" sz="1600" b="0" i="0" u="none" strike="noStrike" kern="1200" cap="none" spc="0" normalizeH="0" baseline="0" noProof="0" dirty="0">
+                <a:ln>
+                  <a:noFill/>
+                </a:ln>
+                <a:solidFill>
+                  <a:prstClr val="white"/>
+                </a:solidFill>
+                <a:effectLst/>
+                <a:uLnTx/>
+                <a:uFillTx/>
+                <a:latin typeface="Quire Sans" panose="020B0502040400020003" pitchFamily="34" charset="0"/>
+                <a:ea typeface="Batang" panose="02030600000101010101" pitchFamily="18" charset="-127"/>
+                <a:cs typeface="Quire Sans" panose="020B0502040400020003" pitchFamily="34" charset="0"/>
+              </a:rPr>
+              <a:t>Debemos comenzar por definir lo que entendemos por bienestar </a:t>
+            </a:r>
+            <a:r>
+              <a:rPr lang="ang-Latn-001" sz="1600" dirty="0">
+                <a:solidFill>
+                  <a:prstClr val="white"/>
+                </a:solidFill>
+                <a:latin typeface="Quire Sans" panose="020B0502040400020003" pitchFamily="34" charset="0"/>
+                <a:ea typeface="Batang" panose="02030600000101010101" pitchFamily="18" charset="-127"/>
+                <a:cs typeface="Quire Sans" panose="020B0502040400020003" pitchFamily="34" charset="0"/>
+              </a:rPr>
+              <a:t>sanitario</a:t>
+            </a:r>
+            <a:r>
+              <a:rPr kumimoji="0" lang="es-CL" sz="1600" b="0" i="0" u="none" strike="noStrike" kern="1200" cap="none" spc="0" normalizeH="0" baseline="0" noProof="0" dirty="0">
+                <a:ln>
+                  <a:noFill/>
+                </a:ln>
+                <a:solidFill>
+                  <a:prstClr val="white"/>
+                </a:solidFill>
+                <a:effectLst/>
+                <a:uLnTx/>
+                <a:uFillTx/>
+                <a:latin typeface="Quire Sans" panose="020B0502040400020003" pitchFamily="34" charset="0"/>
+                <a:ea typeface="Batang" panose="02030600000101010101" pitchFamily="18" charset="-127"/>
+                <a:cs typeface="Quire Sans" panose="020B0502040400020003" pitchFamily="34" charset="0"/>
+              </a:rPr>
+              <a:t>.</a:t>
+            </a:r>
+          </a:p>
+          <a:p>
+            <a:pPr marL="0" marR="0" lvl="0" indent="0" algn="l" defTabSz="457200" rtl="0" eaLnBrk="1" fontAlgn="auto" latinLnBrk="0" hangingPunct="1">
+              <a:lnSpc>
+                <a:spcPct val="100000"/>
+              </a:lnSpc>
+              <a:spcBef>
+                <a:spcPts val="0"/>
+              </a:spcBef>
+              <a:spcAft>
+                <a:spcPts val="0"/>
+              </a:spcAft>
+              <a:buClrTx/>
+              <a:buSzTx/>
+              <a:buFontTx/>
+              <a:buNone/>
+              <a:tabLst/>
+              <a:defRPr/>
+            </a:pPr>
+            <a:endParaRPr kumimoji="0" lang="es-CL" sz="1600" b="0" i="0" u="none" strike="noStrike" kern="1200" cap="none" spc="0" normalizeH="0" baseline="0" noProof="0" dirty="0">
+              <a:ln>
+                <a:noFill/>
+              </a:ln>
+              <a:solidFill>
+                <a:prstClr val="white"/>
+              </a:solidFill>
+              <a:effectLst/>
+              <a:uLnTx/>
+              <a:uFillTx/>
+              <a:latin typeface="Quire Sans" panose="020B0502040400020003" pitchFamily="34" charset="0"/>
+              <a:ea typeface="Batang" panose="02030600000101010101" pitchFamily="18" charset="-127"/>
+              <a:cs typeface="Quire Sans" panose="020B0502040400020003" pitchFamily="34" charset="0"/>
+            </a:endParaRPr>
+          </a:p>
+          <a:p>
+            <a:pPr marL="0" marR="0" lvl="0" indent="0" algn="l" defTabSz="457200" rtl="0" eaLnBrk="1" fontAlgn="auto" latinLnBrk="0" hangingPunct="1">
+              <a:lnSpc>
+                <a:spcPct val="100000"/>
+              </a:lnSpc>
+              <a:spcBef>
+                <a:spcPts val="0"/>
+              </a:spcBef>
+              <a:spcAft>
+                <a:spcPts val="0"/>
+              </a:spcAft>
+              <a:buClrTx/>
+              <a:buSzTx/>
+              <a:buFontTx/>
+              <a:buNone/>
+              <a:tabLst/>
+              <a:defRPr/>
+            </a:pPr>
+            <a:endParaRPr kumimoji="0" lang="es-CL" sz="1600" b="0" i="0" u="none" strike="noStrike" kern="1200" cap="none" spc="0" normalizeH="0" baseline="0" noProof="0" dirty="0">
+              <a:ln>
+                <a:noFill/>
+              </a:ln>
+              <a:solidFill>
+                <a:prstClr val="white"/>
+              </a:solidFill>
+              <a:effectLst/>
+              <a:uLnTx/>
+              <a:uFillTx/>
+              <a:latin typeface="Quire Sans" panose="020B0502040400020003" pitchFamily="34" charset="0"/>
+              <a:ea typeface="Batang" panose="02030600000101010101" pitchFamily="18" charset="-127"/>
+              <a:cs typeface="Quire Sans" panose="020B0502040400020003" pitchFamily="34" charset="0"/>
+            </a:endParaRPr>
+          </a:p>
+          <a:p>
+            <a:pPr marL="0" marR="0" lvl="0" indent="0" algn="l" defTabSz="457200" rtl="0" eaLnBrk="1" fontAlgn="auto" latinLnBrk="0" hangingPunct="1">
+              <a:lnSpc>
+                <a:spcPct val="100000"/>
+              </a:lnSpc>
+              <a:spcBef>
+                <a:spcPts val="0"/>
+              </a:spcBef>
+              <a:spcAft>
+                <a:spcPts val="0"/>
+              </a:spcAft>
+              <a:buClrTx/>
+              <a:buSzTx/>
+              <a:buFontTx/>
+              <a:buNone/>
+              <a:tabLst/>
+              <a:defRPr/>
+            </a:pPr>
+            <a:endParaRPr kumimoji="0" lang="es-CL" sz="1600" b="0" i="0" u="none" strike="noStrike" kern="1200" cap="none" spc="0" normalizeH="0" baseline="0" noProof="0" dirty="0">
+              <a:ln>
+                <a:noFill/>
+              </a:ln>
+              <a:solidFill>
+                <a:prstClr val="white"/>
+              </a:solidFill>
+              <a:effectLst/>
+              <a:uLnTx/>
+              <a:uFillTx/>
+              <a:latin typeface="Quire Sans" panose="020B0502040400020003" pitchFamily="34" charset="0"/>
+              <a:ea typeface="Batang" panose="02030600000101010101" pitchFamily="18" charset="-127"/>
+              <a:cs typeface="Quire Sans" panose="020B0502040400020003" pitchFamily="34" charset="0"/>
+            </a:endParaRPr>
+          </a:p>
+          <a:p>
+            <a:pPr marL="0" marR="0" lvl="0" indent="0" algn="l" defTabSz="457200" rtl="0" eaLnBrk="1" fontAlgn="auto" latinLnBrk="0" hangingPunct="1">
+              <a:lnSpc>
+                <a:spcPct val="100000"/>
+              </a:lnSpc>
+              <a:spcBef>
+                <a:spcPts val="0"/>
+              </a:spcBef>
+              <a:spcAft>
+                <a:spcPts val="0"/>
+              </a:spcAft>
+              <a:buClrTx/>
+              <a:buSzTx/>
+              <a:buFontTx/>
+              <a:buNone/>
+              <a:tabLst/>
+              <a:defRPr/>
+            </a:pPr>
+            <a:endParaRPr kumimoji="0" lang="es-CL" sz="1600" b="0" i="0" u="none" strike="noStrike" kern="1200" cap="none" spc="0" normalizeH="0" baseline="0" noProof="0" dirty="0">
+              <a:ln>
+                <a:noFill/>
+              </a:ln>
+              <a:solidFill>
+                <a:prstClr val="white"/>
+              </a:solidFill>
+              <a:effectLst/>
+              <a:uLnTx/>
+              <a:uFillTx/>
+              <a:latin typeface="Quire Sans" panose="020B0502040400020003" pitchFamily="34" charset="0"/>
+              <a:ea typeface="Batang" panose="02030600000101010101" pitchFamily="18" charset="-127"/>
+              <a:cs typeface="Quire Sans" panose="020B0502040400020003" pitchFamily="34" charset="0"/>
+            </a:endParaRPr>
+          </a:p>
+        </p:txBody>
+      </p:sp>
+      <p:sp>
+        <p:nvSpPr>
+          <p:cNvPr id="8" name="CuadroTexto 7">
+            <a:extLst>
+              <a:ext uri="{FF2B5EF4-FFF2-40B4-BE49-F238E27FC236}">
+                <a16:creationId xmlns:a16="http://schemas.microsoft.com/office/drawing/2014/main" id="{DBB73518-D2F2-45A1-A13C-34921D558A7E}"/>
+              </a:ext>
+            </a:extLst>
+          </p:cNvPr>
+          <p:cNvSpPr txBox="1"/>
+          <p:nvPr/>
+        </p:nvSpPr>
+        <p:spPr>
+          <a:xfrm>
+            <a:off x="791307" y="1085747"/>
+            <a:ext cx="6189785" cy="584775"/>
+          </a:xfrm>
+          <a:prstGeom prst="rect">
+            <a:avLst/>
+          </a:prstGeom>
+          <a:noFill/>
+        </p:spPr>
+        <p:txBody>
+          <a:bodyPr wrap="square" rtlCol="0">
+            <a:spAutoFit/>
+          </a:bodyPr>
+          <a:lstStyle/>
+          <a:p>
+            <a:pPr marL="0" marR="0" lvl="0" indent="0" algn="l" defTabSz="457200" rtl="0" eaLnBrk="1" fontAlgn="auto" latinLnBrk="0" hangingPunct="1">
+              <a:lnSpc>
+                <a:spcPct val="100000"/>
+              </a:lnSpc>
+              <a:spcBef>
+                <a:spcPts val="0"/>
+              </a:spcBef>
+              <a:spcAft>
+                <a:spcPts val="0"/>
+              </a:spcAft>
+              <a:buClrTx/>
+              <a:buSzTx/>
+              <a:buFontTx/>
+              <a:buNone/>
+              <a:tabLst/>
+              <a:defRPr/>
+            </a:pPr>
+            <a:r>
+              <a:rPr kumimoji="0" lang="es-CL" sz="3200" b="0" i="0" u="none" strike="noStrike" kern="1200" cap="none" spc="0" normalizeH="0" baseline="0" noProof="0" dirty="0">
+                <a:ln>
+                  <a:noFill/>
+                </a:ln>
+                <a:solidFill>
+                  <a:schemeClr val="accent1">
+                    <a:lumMod val="75000"/>
+                  </a:schemeClr>
+                </a:solidFill>
+                <a:effectLst/>
+                <a:uLnTx/>
+                <a:uFillTx/>
+                <a:latin typeface="Corbel" panose="020B0503020204020204"/>
+                <a:ea typeface="+mn-ea"/>
+                <a:cs typeface="+mn-cs"/>
+              </a:rPr>
+              <a:t>Índice de bienestar </a:t>
+            </a:r>
+            <a:r>
+              <a:rPr lang="ang-Latn-001" sz="3200" dirty="0">
+                <a:solidFill>
+                  <a:schemeClr val="accent1">
+                    <a:lumMod val="75000"/>
+                  </a:schemeClr>
+                </a:solidFill>
+                <a:latin typeface="Corbel" panose="020B0503020204020204"/>
+              </a:rPr>
+              <a:t>f</a:t>
+            </a:r>
+            <a:r>
+              <a:rPr lang="es-CL" sz="3200" dirty="0">
+                <a:solidFill>
+                  <a:schemeClr val="accent1">
+                    <a:lumMod val="75000"/>
+                  </a:schemeClr>
+                </a:solidFill>
+                <a:latin typeface="Corbel" panose="020B0503020204020204"/>
+              </a:rPr>
+              <a:t>í</a:t>
+            </a:r>
+            <a:r>
+              <a:rPr lang="ang-Latn-001" sz="3200" dirty="0">
+                <a:solidFill>
+                  <a:schemeClr val="accent1">
+                    <a:lumMod val="75000"/>
+                  </a:schemeClr>
+                </a:solidFill>
+                <a:latin typeface="Corbel" panose="020B0503020204020204"/>
+              </a:rPr>
+              <a:t>sico</a:t>
+            </a:r>
+            <a:endParaRPr kumimoji="0" lang="es-CL" sz="3200" b="0" i="0" u="none" strike="noStrike" kern="1200" cap="none" spc="0" normalizeH="0" baseline="0" noProof="0" dirty="0">
+              <a:ln>
+                <a:noFill/>
+              </a:ln>
+              <a:solidFill>
+                <a:schemeClr val="accent1">
+                  <a:lumMod val="75000"/>
+                </a:schemeClr>
+              </a:solidFill>
+              <a:effectLst/>
+              <a:uLnTx/>
+              <a:uFillTx/>
+              <a:latin typeface="Corbel" panose="020B0503020204020204"/>
+              <a:ea typeface="+mn-ea"/>
+              <a:cs typeface="+mn-cs"/>
+            </a:endParaRPr>
+          </a:p>
+        </p:txBody>
+      </p:sp>
+      <p:sp>
+        <p:nvSpPr>
+          <p:cNvPr id="3" name="CuadroTexto 2">
+            <a:extLst>
+              <a:ext uri="{FF2B5EF4-FFF2-40B4-BE49-F238E27FC236}">
+                <a16:creationId xmlns:a16="http://schemas.microsoft.com/office/drawing/2014/main" id="{429CBDF1-40BD-4D59-B12B-E732D9CFC6C0}"/>
+              </a:ext>
+            </a:extLst>
+          </p:cNvPr>
+          <p:cNvSpPr txBox="1"/>
+          <p:nvPr/>
+        </p:nvSpPr>
+        <p:spPr>
+          <a:xfrm>
+            <a:off x="650630" y="2465131"/>
+            <a:ext cx="8328478" cy="3785652"/>
+          </a:xfrm>
+          <a:prstGeom prst="rect">
+            <a:avLst/>
+          </a:prstGeom>
+          <a:noFill/>
+        </p:spPr>
+        <p:txBody>
+          <a:bodyPr wrap="square" rtlCol="0">
+            <a:spAutoFit/>
+          </a:bodyPr>
+          <a:lstStyle/>
+          <a:p>
+            <a:r>
+              <a:rPr lang="es-MX" dirty="0"/>
+              <a:t>Limitación en actividades de la vida diaria a causa de enfermedad o problemas de salud</a:t>
+            </a:r>
+          </a:p>
+          <a:p>
+            <a:endParaRPr lang="ang-Latn-001" dirty="0"/>
+          </a:p>
+          <a:p>
+            <a:r>
+              <a:rPr lang="es-MX" dirty="0"/>
+              <a:t>Enfermedad  o  problema  de  salud  con  duración mayor o igual a 6 meses </a:t>
+            </a:r>
+          </a:p>
+          <a:p>
+            <a:r>
+              <a:rPr lang="es-MX" sz="1400" dirty="0"/>
+              <a:t>Porcentaje de personas con problemas de salud (%)</a:t>
+            </a:r>
+          </a:p>
+          <a:p>
+            <a:endParaRPr lang="ang-Latn-001" sz="1400" dirty="0"/>
+          </a:p>
+          <a:p>
+            <a:r>
+              <a:rPr lang="es-MX" dirty="0"/>
+              <a:t>Enfermedades en los últimos 12 meses</a:t>
+            </a:r>
+          </a:p>
+          <a:p>
+            <a:endParaRPr lang="ang-Latn-001" dirty="0"/>
+          </a:p>
+          <a:p>
+            <a:r>
+              <a:rPr lang="es-CL" dirty="0"/>
+              <a:t>Índice de Masa Corporal (IMC) </a:t>
+            </a:r>
+          </a:p>
+          <a:p>
+            <a:r>
+              <a:rPr lang="es-CL" sz="1400" dirty="0"/>
+              <a:t>Porcentaje de personas para cada Índice de Masa Corporal (%)</a:t>
+            </a:r>
+            <a:endParaRPr lang="ang-Latn-001" sz="1400" dirty="0"/>
+          </a:p>
+          <a:p>
+            <a:endParaRPr lang="ang-Latn-001" dirty="0"/>
+          </a:p>
+          <a:p>
+            <a:endParaRPr lang="ang-Latn-001" dirty="0"/>
+          </a:p>
+          <a:p>
+            <a:endParaRPr lang="ang-Latn-001" dirty="0"/>
+          </a:p>
+          <a:p>
+            <a:endParaRPr lang="es-CL" dirty="0"/>
+          </a:p>
+        </p:txBody>
+      </p:sp>
     </p:spTree>
     <p:extLst>
       <p:ext uri="{BB962C8B-B14F-4D97-AF65-F5344CB8AC3E}">
-        <p14:creationId xmlns:p14="http://schemas.microsoft.com/office/powerpoint/2010/main" val="3847952238"/>
+        <p14:creationId xmlns:p14="http://schemas.microsoft.com/office/powerpoint/2010/main" val="3206195731"/>
       </p:ext>
     </p:extLst>
   </p:cSld>
@@ -6800,8 +7197,8 @@
         </p:nvSpPr>
         <p:spPr>
           <a:xfrm>
-            <a:off x="791307" y="571966"/>
-            <a:ext cx="9144000" cy="1221665"/>
+            <a:off x="791307" y="546801"/>
+            <a:ext cx="10849708" cy="389325"/>
           </a:xfrm>
         </p:spPr>
         <p:txBody>
@@ -6812,69 +7209,588 @@
           <a:p>
             <a:pPr algn="l"/>
             <a:r>
-              <a:rPr lang="es-CL" b="1" dirty="0"/>
-              <a:t>IVHCC</a:t>
-            </a:r>
-            <a:br>
-              <a:rPr lang="es-CL" b="1" dirty="0"/>
-            </a:br>
-            <a:endParaRPr lang="es-CL" dirty="0"/>
-          </a:p>
-        </p:txBody>
-      </p:sp>
-      <p:sp>
-        <p:nvSpPr>
-          <p:cNvPr id="3" name="Subtítulo 2">
+              <a:rPr lang="es-CL" sz="2700" dirty="0">
+                <a:effectLst>
+                  <a:outerShdw blurRad="38100" dist="38100" dir="2700000" algn="tl">
+                    <a:srgbClr val="000000">
+                      <a:alpha val="43137"/>
+                    </a:srgbClr>
+                  </a:outerShdw>
+                </a:effectLst>
+                <a:latin typeface="Batang" panose="02030600000101010101" pitchFamily="18" charset="-127"/>
+                <a:ea typeface="Batang" panose="02030600000101010101" pitchFamily="18" charset="-127"/>
+                <a:cs typeface="Quire Sans" panose="020B0502040204020203" pitchFamily="34" charset="0"/>
+              </a:rPr>
+              <a:t>Construcció</a:t>
+            </a:r>
+            <a:r>
+              <a:rPr lang="ang-Latn-001" sz="2700" dirty="0">
+                <a:effectLst>
+                  <a:outerShdw blurRad="38100" dist="38100" dir="2700000" algn="tl">
+                    <a:srgbClr val="000000">
+                      <a:alpha val="43137"/>
+                    </a:srgbClr>
+                  </a:outerShdw>
+                </a:effectLst>
+                <a:latin typeface="Batang" panose="02030600000101010101" pitchFamily="18" charset="-127"/>
+                <a:ea typeface="Batang" panose="02030600000101010101" pitchFamily="18" charset="-127"/>
+                <a:cs typeface="Quire Sans" panose="020B0502040204020203" pitchFamily="34" charset="0"/>
+              </a:rPr>
+              <a:t>n de </a:t>
+            </a:r>
+            <a:r>
+              <a:rPr lang="es-CL" sz="2700" dirty="0">
+                <a:effectLst>
+                  <a:outerShdw blurRad="38100" dist="38100" dir="2700000" algn="tl">
+                    <a:srgbClr val="000000">
+                      <a:alpha val="43137"/>
+                    </a:srgbClr>
+                  </a:outerShdw>
+                </a:effectLst>
+                <a:latin typeface="Batang" panose="02030600000101010101" pitchFamily="18" charset="-127"/>
+                <a:ea typeface="Batang" panose="02030600000101010101" pitchFamily="18" charset="-127"/>
+                <a:cs typeface="Quire Sans" panose="020B0502040204020203" pitchFamily="34" charset="0"/>
+              </a:rPr>
+              <a:t>í</a:t>
+            </a:r>
+            <a:r>
+              <a:rPr lang="ang-Latn-001" sz="2700" dirty="0">
+                <a:effectLst>
+                  <a:outerShdw blurRad="38100" dist="38100" dir="2700000" algn="tl">
+                    <a:srgbClr val="000000">
+                      <a:alpha val="43137"/>
+                    </a:srgbClr>
+                  </a:outerShdw>
+                </a:effectLst>
+                <a:latin typeface="Batang" panose="02030600000101010101" pitchFamily="18" charset="-127"/>
+                <a:ea typeface="Batang" panose="02030600000101010101" pitchFamily="18" charset="-127"/>
+                <a:cs typeface="Quire Sans" panose="020B0502040204020203" pitchFamily="34" charset="0"/>
+              </a:rPr>
+              <a:t>ndices</a:t>
+            </a:r>
+            <a:endParaRPr lang="es-CL" sz="3100" dirty="0"/>
+          </a:p>
+        </p:txBody>
+      </p:sp>
+      <p:sp>
+        <p:nvSpPr>
+          <p:cNvPr id="8" name="CuadroTexto 7">
             <a:extLst>
               <a:ext uri="{FF2B5EF4-FFF2-40B4-BE49-F238E27FC236}">
-                <a16:creationId xmlns:a16="http://schemas.microsoft.com/office/drawing/2014/main" id="{449EEAB2-375A-44AD-B789-2D80515B37FC}"/>
+                <a16:creationId xmlns:a16="http://schemas.microsoft.com/office/drawing/2014/main" id="{DBB73518-D2F2-45A1-A13C-34921D558A7E}"/>
               </a:ext>
             </a:extLst>
           </p:cNvPr>
-          <p:cNvSpPr>
-            <a:spLocks noGrp="1"/>
-          </p:cNvSpPr>
-          <p:nvPr>
-            <p:ph type="subTitle" idx="1"/>
-          </p:nvPr>
+          <p:cNvSpPr txBox="1"/>
+          <p:nvPr/>
         </p:nvSpPr>
         <p:spPr>
           <a:xfrm>
-            <a:off x="873369" y="1828800"/>
-            <a:ext cx="9144000" cy="754025"/>
-          </a:xfrm>
-        </p:spPr>
-        <p:txBody>
-          <a:bodyPr/>
+            <a:off x="791307" y="1085747"/>
+            <a:ext cx="6189785" cy="584775"/>
+          </a:xfrm>
+          <a:prstGeom prst="rect">
+            <a:avLst/>
+          </a:prstGeom>
+          <a:noFill/>
+        </p:spPr>
+        <p:txBody>
+          <a:bodyPr wrap="square" rtlCol="0">
+            <a:spAutoFit/>
+          </a:bodyPr>
           <a:lstStyle/>
           <a:p>
-            <a:pPr algn="l"/>
-            <a:r>
-              <a:rPr lang="es-MX" dirty="0">
+            <a:pPr marL="0" marR="0" lvl="0" indent="0" algn="l" defTabSz="457200" rtl="0" eaLnBrk="1" fontAlgn="auto" latinLnBrk="0" hangingPunct="1">
+              <a:lnSpc>
+                <a:spcPct val="100000"/>
+              </a:lnSpc>
+              <a:spcBef>
+                <a:spcPts val="0"/>
+              </a:spcBef>
+              <a:spcAft>
+                <a:spcPts val="0"/>
+              </a:spcAft>
+              <a:buClrTx/>
+              <a:buSzTx/>
+              <a:buFontTx/>
+              <a:buNone/>
+              <a:tabLst/>
+              <a:defRPr/>
+            </a:pPr>
+            <a:r>
+              <a:rPr kumimoji="0" lang="es-CL" sz="3200" b="0" i="0" u="none" strike="noStrike" kern="1200" cap="none" spc="0" normalizeH="0" baseline="0" noProof="0" dirty="0">
+                <a:ln>
+                  <a:noFill/>
+                </a:ln>
                 <a:solidFill>
-                  <a:schemeClr val="bg2">
-                    <a:lumMod val="40000"/>
-                    <a:lumOff val="60000"/>
-                  </a:schemeClr>
+                  <a:srgbClr val="73CBB2">
+                    <a:lumMod val="75000"/>
+                  </a:srgbClr>
                 </a:solidFill>
-              </a:rPr>
-              <a:t>Índice de vulnerabilidad urbana</a:t>
-            </a:r>
-            <a:endParaRPr lang="es-CL" dirty="0">
-              <a:solidFill>
-                <a:schemeClr val="bg2">
-                  <a:lumMod val="40000"/>
-                  <a:lumOff val="60000"/>
-                </a:schemeClr>
-              </a:solidFill>
-            </a:endParaRPr>
-          </a:p>
-        </p:txBody>
-      </p:sp>
+                <a:effectLst/>
+                <a:uLnTx/>
+                <a:uFillTx/>
+                <a:latin typeface="Corbel" panose="020B0503020204020204"/>
+                <a:ea typeface="+mn-ea"/>
+                <a:cs typeface="+mn-cs"/>
+              </a:rPr>
+              <a:t>Índice de bienestar humano</a:t>
+            </a:r>
+          </a:p>
+        </p:txBody>
+      </p:sp>
+      <p:sp>
+        <p:nvSpPr>
+          <p:cNvPr id="3" name="Elipse 2">
+            <a:extLst>
+              <a:ext uri="{FF2B5EF4-FFF2-40B4-BE49-F238E27FC236}">
+                <a16:creationId xmlns:a16="http://schemas.microsoft.com/office/drawing/2014/main" id="{67693FCA-4F4D-487B-AA4F-AD23B901676C}"/>
+              </a:ext>
+            </a:extLst>
+          </p:cNvPr>
+          <p:cNvSpPr/>
+          <p:nvPr/>
+        </p:nvSpPr>
+        <p:spPr>
+          <a:xfrm>
+            <a:off x="1417739" y="2625754"/>
+            <a:ext cx="2961314" cy="2114026"/>
+          </a:xfrm>
+          <a:prstGeom prst="ellipse">
+            <a:avLst/>
+          </a:prstGeom>
+        </p:spPr>
+        <p:style>
+          <a:lnRef idx="2">
+            <a:schemeClr val="accent1">
+              <a:shade val="50000"/>
+            </a:schemeClr>
+          </a:lnRef>
+          <a:fillRef idx="1">
+            <a:schemeClr val="accent1"/>
+          </a:fillRef>
+          <a:effectRef idx="0">
+            <a:schemeClr val="accent1"/>
+          </a:effectRef>
+          <a:fontRef idx="minor">
+            <a:schemeClr val="lt1"/>
+          </a:fontRef>
+        </p:style>
+        <p:txBody>
+          <a:bodyPr rtlCol="0" anchor="ctr"/>
+          <a:lstStyle/>
+          <a:p>
+            <a:pPr algn="ctr"/>
+            <a:r>
+              <a:rPr kumimoji="0" lang="es-CL" sz="2800" b="0" i="0" u="none" strike="noStrike" kern="1200" cap="none" spc="0" normalizeH="0" baseline="0" noProof="0" dirty="0">
+                <a:ln>
+                  <a:noFill/>
+                </a:ln>
+                <a:solidFill>
+                  <a:srgbClr val="FFFF00"/>
+                </a:solidFill>
+                <a:effectLst/>
+                <a:uLnTx/>
+                <a:uFillTx/>
+                <a:latin typeface="Corbel" panose="020B0503020204020204"/>
+                <a:ea typeface="+mn-ea"/>
+                <a:cs typeface="+mn-cs"/>
+              </a:rPr>
+              <a:t>Índice de bienestar físico</a:t>
+            </a:r>
+          </a:p>
+          <a:p>
+            <a:pPr algn="ctr"/>
+            <a:endParaRPr lang="es-CL" dirty="0"/>
+          </a:p>
+        </p:txBody>
+      </p:sp>
+      <p:sp>
+        <p:nvSpPr>
+          <p:cNvPr id="6" name="Elipse 5">
+            <a:extLst>
+              <a:ext uri="{FF2B5EF4-FFF2-40B4-BE49-F238E27FC236}">
+                <a16:creationId xmlns:a16="http://schemas.microsoft.com/office/drawing/2014/main" id="{9E0B73BF-7FDF-4A48-9E52-840817B99971}"/>
+              </a:ext>
+            </a:extLst>
+          </p:cNvPr>
+          <p:cNvSpPr/>
+          <p:nvPr/>
+        </p:nvSpPr>
+        <p:spPr>
+          <a:xfrm>
+            <a:off x="6920916" y="2540669"/>
+            <a:ext cx="2004969" cy="1040235"/>
+          </a:xfrm>
+          <a:prstGeom prst="ellipse">
+            <a:avLst/>
+          </a:prstGeom>
+        </p:spPr>
+        <p:style>
+          <a:lnRef idx="2">
+            <a:schemeClr val="accent1">
+              <a:shade val="50000"/>
+            </a:schemeClr>
+          </a:lnRef>
+          <a:fillRef idx="1">
+            <a:schemeClr val="accent1"/>
+          </a:fillRef>
+          <a:effectRef idx="0">
+            <a:schemeClr val="accent1"/>
+          </a:effectRef>
+          <a:fontRef idx="minor">
+            <a:schemeClr val="lt1"/>
+          </a:fontRef>
+        </p:style>
+        <p:txBody>
+          <a:bodyPr rtlCol="0" anchor="ctr"/>
+          <a:lstStyle/>
+          <a:p>
+            <a:r>
+              <a:rPr lang="es-MX" sz="1000" dirty="0">
+                <a:solidFill>
+                  <a:srgbClr val="FFFF00"/>
+                </a:solidFill>
+              </a:rPr>
+              <a:t>Enfermedad  o  problema  de  salud  con  duración mayor o igual a 6 meses </a:t>
+            </a:r>
+          </a:p>
+        </p:txBody>
+      </p:sp>
+      <p:sp>
+        <p:nvSpPr>
+          <p:cNvPr id="13" name="Elipse 12">
+            <a:extLst>
+              <a:ext uri="{FF2B5EF4-FFF2-40B4-BE49-F238E27FC236}">
+                <a16:creationId xmlns:a16="http://schemas.microsoft.com/office/drawing/2014/main" id="{975AE5A5-489C-4EE9-9407-9F564668ECC9}"/>
+              </a:ext>
+            </a:extLst>
+          </p:cNvPr>
+          <p:cNvSpPr/>
+          <p:nvPr/>
+        </p:nvSpPr>
+        <p:spPr>
+          <a:xfrm>
+            <a:off x="5882053" y="1366852"/>
+            <a:ext cx="2004969" cy="1040235"/>
+          </a:xfrm>
+          <a:prstGeom prst="ellipse">
+            <a:avLst/>
+          </a:prstGeom>
+        </p:spPr>
+        <p:style>
+          <a:lnRef idx="2">
+            <a:schemeClr val="accent1">
+              <a:shade val="50000"/>
+            </a:schemeClr>
+          </a:lnRef>
+          <a:fillRef idx="1">
+            <a:schemeClr val="accent1"/>
+          </a:fillRef>
+          <a:effectRef idx="0">
+            <a:schemeClr val="accent1"/>
+          </a:effectRef>
+          <a:fontRef idx="minor">
+            <a:schemeClr val="lt1"/>
+          </a:fontRef>
+        </p:style>
+        <p:txBody>
+          <a:bodyPr rtlCol="0" anchor="ctr"/>
+          <a:lstStyle/>
+          <a:p>
+            <a:r>
+              <a:rPr lang="es-MX" sz="1000" dirty="0">
+                <a:solidFill>
+                  <a:srgbClr val="FFFF00"/>
+                </a:solidFill>
+              </a:rPr>
+              <a:t>Limitación en actividades de la vida diaria a causa de enfermedad o problemas de salud</a:t>
+            </a:r>
+          </a:p>
+        </p:txBody>
+      </p:sp>
+      <p:sp>
+        <p:nvSpPr>
+          <p:cNvPr id="14" name="Elipse 13">
+            <a:extLst>
+              <a:ext uri="{FF2B5EF4-FFF2-40B4-BE49-F238E27FC236}">
+                <a16:creationId xmlns:a16="http://schemas.microsoft.com/office/drawing/2014/main" id="{AAA96983-365F-4382-BCF7-7A2C25A9847C}"/>
+              </a:ext>
+            </a:extLst>
+          </p:cNvPr>
+          <p:cNvSpPr/>
+          <p:nvPr/>
+        </p:nvSpPr>
+        <p:spPr>
+          <a:xfrm>
+            <a:off x="6906693" y="3882354"/>
+            <a:ext cx="2004969" cy="1040235"/>
+          </a:xfrm>
+          <a:prstGeom prst="ellipse">
+            <a:avLst/>
+          </a:prstGeom>
+        </p:spPr>
+        <p:style>
+          <a:lnRef idx="2">
+            <a:schemeClr val="accent1">
+              <a:shade val="50000"/>
+            </a:schemeClr>
+          </a:lnRef>
+          <a:fillRef idx="1">
+            <a:schemeClr val="accent1"/>
+          </a:fillRef>
+          <a:effectRef idx="0">
+            <a:schemeClr val="accent1"/>
+          </a:effectRef>
+          <a:fontRef idx="minor">
+            <a:schemeClr val="lt1"/>
+          </a:fontRef>
+        </p:style>
+        <p:txBody>
+          <a:bodyPr rtlCol="0" anchor="ctr"/>
+          <a:lstStyle/>
+          <a:p>
+            <a:pPr algn="ctr"/>
+            <a:r>
+              <a:rPr lang="es-MX" sz="1000" dirty="0">
+                <a:solidFill>
+                  <a:srgbClr val="FFFF00"/>
+                </a:solidFill>
+              </a:rPr>
+              <a:t>Enfermedades en los últimos 12 meses</a:t>
+            </a:r>
+          </a:p>
+          <a:p>
+            <a:pPr algn="ctr"/>
+            <a:endParaRPr lang="es-CL" dirty="0"/>
+          </a:p>
+        </p:txBody>
+      </p:sp>
+      <p:sp>
+        <p:nvSpPr>
+          <p:cNvPr id="15" name="Elipse 14">
+            <a:extLst>
+              <a:ext uri="{FF2B5EF4-FFF2-40B4-BE49-F238E27FC236}">
+                <a16:creationId xmlns:a16="http://schemas.microsoft.com/office/drawing/2014/main" id="{C8B4029D-0A65-4ECA-AAA0-BA035544D223}"/>
+              </a:ext>
+            </a:extLst>
+          </p:cNvPr>
+          <p:cNvSpPr/>
+          <p:nvPr/>
+        </p:nvSpPr>
+        <p:spPr>
+          <a:xfrm>
+            <a:off x="5978607" y="5061240"/>
+            <a:ext cx="2004969" cy="1040235"/>
+          </a:xfrm>
+          <a:prstGeom prst="ellipse">
+            <a:avLst/>
+          </a:prstGeom>
+        </p:spPr>
+        <p:style>
+          <a:lnRef idx="2">
+            <a:schemeClr val="accent1">
+              <a:shade val="50000"/>
+            </a:schemeClr>
+          </a:lnRef>
+          <a:fillRef idx="1">
+            <a:schemeClr val="accent1"/>
+          </a:fillRef>
+          <a:effectRef idx="0">
+            <a:schemeClr val="accent1"/>
+          </a:effectRef>
+          <a:fontRef idx="minor">
+            <a:schemeClr val="lt1"/>
+          </a:fontRef>
+        </p:style>
+        <p:txBody>
+          <a:bodyPr rtlCol="0" anchor="ctr"/>
+          <a:lstStyle/>
+          <a:p>
+            <a:pPr algn="ctr"/>
+            <a:r>
+              <a:rPr lang="es-CL" sz="1000" dirty="0">
+                <a:solidFill>
+                  <a:srgbClr val="FFFF00"/>
+                </a:solidFill>
+              </a:rPr>
+              <a:t>Índice de Masa Corporal</a:t>
+            </a:r>
+          </a:p>
+        </p:txBody>
+      </p:sp>
+      <p:cxnSp>
+        <p:nvCxnSpPr>
+          <p:cNvPr id="16" name="Conector recto de flecha 15">
+            <a:extLst>
+              <a:ext uri="{FF2B5EF4-FFF2-40B4-BE49-F238E27FC236}">
+                <a16:creationId xmlns:a16="http://schemas.microsoft.com/office/drawing/2014/main" id="{E20B0834-F7DC-4B5E-848F-F51442AB4681}"/>
+              </a:ext>
+            </a:extLst>
+          </p:cNvPr>
+          <p:cNvCxnSpPr>
+            <a:stCxn id="3" idx="7"/>
+            <a:endCxn id="13" idx="2"/>
+          </p:cNvCxnSpPr>
+          <p:nvPr/>
+        </p:nvCxnSpPr>
+        <p:spPr>
+          <a:xfrm flipV="1">
+            <a:off x="3945379" y="1886970"/>
+            <a:ext cx="1936674" cy="1048376"/>
+          </a:xfrm>
+          <a:prstGeom prst="straightConnector1">
+            <a:avLst/>
+          </a:prstGeom>
+          <a:ln>
+            <a:tailEnd type="triangle"/>
+          </a:ln>
+        </p:spPr>
+        <p:style>
+          <a:lnRef idx="1">
+            <a:schemeClr val="accent1"/>
+          </a:lnRef>
+          <a:fillRef idx="0">
+            <a:schemeClr val="accent1"/>
+          </a:fillRef>
+          <a:effectRef idx="0">
+            <a:schemeClr val="accent1"/>
+          </a:effectRef>
+          <a:fontRef idx="minor">
+            <a:schemeClr val="tx1"/>
+          </a:fontRef>
+        </p:style>
+      </p:cxnSp>
+      <p:cxnSp>
+        <p:nvCxnSpPr>
+          <p:cNvPr id="18" name="Conector recto de flecha 17">
+            <a:extLst>
+              <a:ext uri="{FF2B5EF4-FFF2-40B4-BE49-F238E27FC236}">
+                <a16:creationId xmlns:a16="http://schemas.microsoft.com/office/drawing/2014/main" id="{B33F955C-3240-4CF9-BD04-53C91797A764}"/>
+              </a:ext>
+            </a:extLst>
+          </p:cNvPr>
+          <p:cNvCxnSpPr>
+            <a:stCxn id="3" idx="6"/>
+            <a:endCxn id="6" idx="2"/>
+          </p:cNvCxnSpPr>
+          <p:nvPr/>
+        </p:nvCxnSpPr>
+        <p:spPr>
+          <a:xfrm flipV="1">
+            <a:off x="4379053" y="3060787"/>
+            <a:ext cx="2541863" cy="621980"/>
+          </a:xfrm>
+          <a:prstGeom prst="straightConnector1">
+            <a:avLst/>
+          </a:prstGeom>
+          <a:ln>
+            <a:tailEnd type="triangle"/>
+          </a:ln>
+        </p:spPr>
+        <p:style>
+          <a:lnRef idx="1">
+            <a:schemeClr val="accent1"/>
+          </a:lnRef>
+          <a:fillRef idx="0">
+            <a:schemeClr val="accent1"/>
+          </a:fillRef>
+          <a:effectRef idx="0">
+            <a:schemeClr val="accent1"/>
+          </a:effectRef>
+          <a:fontRef idx="minor">
+            <a:schemeClr val="tx1"/>
+          </a:fontRef>
+        </p:style>
+      </p:cxnSp>
+      <p:cxnSp>
+        <p:nvCxnSpPr>
+          <p:cNvPr id="20" name="Conector recto de flecha 19">
+            <a:extLst>
+              <a:ext uri="{FF2B5EF4-FFF2-40B4-BE49-F238E27FC236}">
+                <a16:creationId xmlns:a16="http://schemas.microsoft.com/office/drawing/2014/main" id="{5458EB06-ABC8-454B-93A4-60F6DD6BEB2A}"/>
+              </a:ext>
+            </a:extLst>
+          </p:cNvPr>
+          <p:cNvCxnSpPr>
+            <a:stCxn id="3" idx="6"/>
+            <a:endCxn id="14" idx="2"/>
+          </p:cNvCxnSpPr>
+          <p:nvPr/>
+        </p:nvCxnSpPr>
+        <p:spPr>
+          <a:xfrm>
+            <a:off x="4379053" y="3682767"/>
+            <a:ext cx="2527640" cy="719705"/>
+          </a:xfrm>
+          <a:prstGeom prst="straightConnector1">
+            <a:avLst/>
+          </a:prstGeom>
+          <a:ln>
+            <a:tailEnd type="triangle"/>
+          </a:ln>
+        </p:spPr>
+        <p:style>
+          <a:lnRef idx="1">
+            <a:schemeClr val="accent1"/>
+          </a:lnRef>
+          <a:fillRef idx="0">
+            <a:schemeClr val="accent1"/>
+          </a:fillRef>
+          <a:effectRef idx="0">
+            <a:schemeClr val="accent1"/>
+          </a:effectRef>
+          <a:fontRef idx="minor">
+            <a:schemeClr val="tx1"/>
+          </a:fontRef>
+        </p:style>
+      </p:cxnSp>
+      <p:cxnSp>
+        <p:nvCxnSpPr>
+          <p:cNvPr id="22" name="Conector recto de flecha 21">
+            <a:extLst>
+              <a:ext uri="{FF2B5EF4-FFF2-40B4-BE49-F238E27FC236}">
+                <a16:creationId xmlns:a16="http://schemas.microsoft.com/office/drawing/2014/main" id="{3474A243-BA45-46C8-AA06-E0F5FB8FB4D1}"/>
+              </a:ext>
+            </a:extLst>
+          </p:cNvPr>
+          <p:cNvCxnSpPr>
+            <a:stCxn id="3" idx="5"/>
+            <a:endCxn id="15" idx="2"/>
+          </p:cNvCxnSpPr>
+          <p:nvPr/>
+        </p:nvCxnSpPr>
+        <p:spPr>
+          <a:xfrm>
+            <a:off x="3945379" y="4430188"/>
+            <a:ext cx="2033228" cy="1151170"/>
+          </a:xfrm>
+          <a:prstGeom prst="straightConnector1">
+            <a:avLst/>
+          </a:prstGeom>
+          <a:ln>
+            <a:tailEnd type="triangle"/>
+          </a:ln>
+        </p:spPr>
+        <p:style>
+          <a:lnRef idx="1">
+            <a:schemeClr val="accent1"/>
+          </a:lnRef>
+          <a:fillRef idx="0">
+            <a:schemeClr val="accent1"/>
+          </a:fillRef>
+          <a:effectRef idx="0">
+            <a:schemeClr val="accent1"/>
+          </a:effectRef>
+          <a:fontRef idx="minor">
+            <a:schemeClr val="tx1"/>
+          </a:fontRef>
+        </p:style>
+      </p:cxnSp>
     </p:spTree>
     <p:extLst>
       <p:ext uri="{BB962C8B-B14F-4D97-AF65-F5344CB8AC3E}">
-        <p14:creationId xmlns:p14="http://schemas.microsoft.com/office/powerpoint/2010/main" val="952780718"/>
+        <p14:creationId xmlns:p14="http://schemas.microsoft.com/office/powerpoint/2010/main" val="3258673406"/>
       </p:ext>
     </p:extLst>
   </p:cSld>
@@ -6906,6 +7822,426 @@
           <p:cNvPr id="2" name="Título 1">
             <a:extLst>
               <a:ext uri="{FF2B5EF4-FFF2-40B4-BE49-F238E27FC236}">
+                <a16:creationId xmlns:a16="http://schemas.microsoft.com/office/drawing/2014/main" id="{AD7B9F15-1377-4E02-8384-19B05C64F917}"/>
+              </a:ext>
+            </a:extLst>
+          </p:cNvPr>
+          <p:cNvSpPr>
+            <a:spLocks noGrp="1"/>
+          </p:cNvSpPr>
+          <p:nvPr>
+            <p:ph type="ctrTitle"/>
+          </p:nvPr>
+        </p:nvSpPr>
+        <p:spPr>
+          <a:xfrm>
+            <a:off x="791307" y="571966"/>
+            <a:ext cx="9144000" cy="1221665"/>
+          </a:xfrm>
+        </p:spPr>
+        <p:txBody>
+          <a:bodyPr>
+            <a:normAutofit fontScale="90000"/>
+          </a:bodyPr>
+          <a:lstStyle/>
+          <a:p>
+            <a:pPr algn="l"/>
+            <a:r>
+              <a:rPr lang="es-CL" b="1" dirty="0"/>
+              <a:t>IVHCC</a:t>
+            </a:r>
+            <a:br>
+              <a:rPr lang="es-CL" b="1" dirty="0"/>
+            </a:br>
+            <a:endParaRPr lang="es-CL" dirty="0"/>
+          </a:p>
+        </p:txBody>
+      </p:sp>
+      <p:sp>
+        <p:nvSpPr>
+          <p:cNvPr id="3" name="Subtítulo 2">
+            <a:extLst>
+              <a:ext uri="{FF2B5EF4-FFF2-40B4-BE49-F238E27FC236}">
+                <a16:creationId xmlns:a16="http://schemas.microsoft.com/office/drawing/2014/main" id="{449EEAB2-375A-44AD-B789-2D80515B37FC}"/>
+              </a:ext>
+            </a:extLst>
+          </p:cNvPr>
+          <p:cNvSpPr>
+            <a:spLocks noGrp="1"/>
+          </p:cNvSpPr>
+          <p:nvPr>
+            <p:ph type="subTitle" idx="1"/>
+          </p:nvPr>
+        </p:nvSpPr>
+        <p:spPr>
+          <a:xfrm>
+            <a:off x="873369" y="1828800"/>
+            <a:ext cx="9144000" cy="754025"/>
+          </a:xfrm>
+        </p:spPr>
+        <p:txBody>
+          <a:bodyPr/>
+          <a:lstStyle/>
+          <a:p>
+            <a:pPr algn="l"/>
+            <a:r>
+              <a:rPr lang="es-MX" dirty="0">
+                <a:solidFill>
+                  <a:schemeClr val="bg2">
+                    <a:lumMod val="40000"/>
+                    <a:lumOff val="60000"/>
+                  </a:schemeClr>
+                </a:solidFill>
+              </a:rPr>
+              <a:t>Índice de vulnerabilidad humana al cambio climático</a:t>
+            </a:r>
+            <a:endParaRPr lang="es-CL" dirty="0">
+              <a:solidFill>
+                <a:schemeClr val="bg2">
+                  <a:lumMod val="40000"/>
+                  <a:lumOff val="60000"/>
+                </a:schemeClr>
+              </a:solidFill>
+            </a:endParaRPr>
+          </a:p>
+        </p:txBody>
+      </p:sp>
+      <p:sp>
+        <p:nvSpPr>
+          <p:cNvPr id="5" name="CuadroTexto 4">
+            <a:extLst>
+              <a:ext uri="{FF2B5EF4-FFF2-40B4-BE49-F238E27FC236}">
+                <a16:creationId xmlns:a16="http://schemas.microsoft.com/office/drawing/2014/main" id="{36B1F90B-1FFD-4A7D-9FAA-B9EBB5FB448B}"/>
+              </a:ext>
+            </a:extLst>
+          </p:cNvPr>
+          <p:cNvSpPr txBox="1"/>
+          <p:nvPr/>
+        </p:nvSpPr>
+        <p:spPr>
+          <a:xfrm>
+            <a:off x="990600" y="3059668"/>
+            <a:ext cx="6096000" cy="369332"/>
+          </a:xfrm>
+          <a:prstGeom prst="rect">
+            <a:avLst/>
+          </a:prstGeom>
+          <a:noFill/>
+        </p:spPr>
+        <p:txBody>
+          <a:bodyPr wrap="square">
+            <a:spAutoFit/>
+          </a:bodyPr>
+          <a:lstStyle/>
+          <a:p>
+            <a:pPr marL="0" marR="0" lvl="0" indent="0" algn="l" defTabSz="457200" rtl="0" eaLnBrk="1" fontAlgn="auto" latinLnBrk="0" hangingPunct="1">
+              <a:lnSpc>
+                <a:spcPct val="100000"/>
+              </a:lnSpc>
+              <a:spcBef>
+                <a:spcPts val="0"/>
+              </a:spcBef>
+              <a:spcAft>
+                <a:spcPts val="0"/>
+              </a:spcAft>
+              <a:buClrTx/>
+              <a:buSzTx/>
+              <a:buFontTx/>
+              <a:buNone/>
+              <a:tabLst/>
+              <a:defRPr/>
+            </a:pPr>
+            <a:r>
+              <a:rPr kumimoji="0" lang="es-MX" sz="1800" b="0" i="0" u="none" strike="noStrike" kern="1200" cap="none" spc="0" normalizeH="0" baseline="0" noProof="0" dirty="0">
+                <a:ln>
+                  <a:noFill/>
+                </a:ln>
+                <a:solidFill>
+                  <a:srgbClr val="4B4B4B">
+                    <a:lumMod val="40000"/>
+                    <a:lumOff val="60000"/>
+                  </a:srgbClr>
+                </a:solidFill>
+                <a:effectLst/>
+                <a:uLnTx/>
+                <a:uFillTx/>
+                <a:latin typeface="Corbel" panose="020B0503020204020204"/>
+                <a:ea typeface="+mn-ea"/>
+                <a:cs typeface="+mn-cs"/>
+              </a:rPr>
+              <a:t>Se encuentra a nivel de comunas y se extrae de la Casen </a:t>
+            </a:r>
+            <a:endParaRPr kumimoji="0" lang="es-MX" sz="1800" b="0" i="0" u="none" strike="noStrike" kern="1200" cap="none" spc="0" normalizeH="0" baseline="0" noProof="0" dirty="0">
+              <a:ln>
+                <a:noFill/>
+              </a:ln>
+              <a:solidFill>
+                <a:prstClr val="white"/>
+              </a:solidFill>
+              <a:effectLst/>
+              <a:uLnTx/>
+              <a:uFillTx/>
+              <a:latin typeface="Corbel" panose="020B0503020204020204"/>
+              <a:ea typeface="+mn-ea"/>
+              <a:cs typeface="+mn-cs"/>
+            </a:endParaRPr>
+          </a:p>
+        </p:txBody>
+      </p:sp>
+    </p:spTree>
+    <p:extLst>
+      <p:ext uri="{BB962C8B-B14F-4D97-AF65-F5344CB8AC3E}">
+        <p14:creationId xmlns:p14="http://schemas.microsoft.com/office/powerpoint/2010/main" val="1804218673"/>
+      </p:ext>
+    </p:extLst>
+  </p:cSld>
+  <p:clrMapOvr>
+    <a:masterClrMapping/>
+  </p:clrMapOvr>
+</p:sld>
+</file>
+
+<file path=ppt/slides/slide15.xml><?xml version="1.0" encoding="utf-8"?>
+<p:sld xmlns:a="http://schemas.openxmlformats.org/drawingml/2006/main" xmlns:r="http://schemas.openxmlformats.org/officeDocument/2006/relationships" xmlns:p="http://schemas.openxmlformats.org/presentationml/2006/main">
+  <p:cSld>
+    <p:spTree>
+      <p:nvGrpSpPr>
+        <p:cNvPr id="1" name=""/>
+        <p:cNvGrpSpPr/>
+        <p:nvPr/>
+      </p:nvGrpSpPr>
+      <p:grpSpPr>
+        <a:xfrm>
+          <a:off x="0" y="0"/>
+          <a:ext cx="0" cy="0"/>
+          <a:chOff x="0" y="0"/>
+          <a:chExt cx="0" cy="0"/>
+        </a:xfrm>
+      </p:grpSpPr>
+      <p:sp>
+        <p:nvSpPr>
+          <p:cNvPr id="2" name="Título 1">
+            <a:extLst>
+              <a:ext uri="{FF2B5EF4-FFF2-40B4-BE49-F238E27FC236}">
+                <a16:creationId xmlns:a16="http://schemas.microsoft.com/office/drawing/2014/main" id="{AD7B9F15-1377-4E02-8384-19B05C64F917}"/>
+              </a:ext>
+            </a:extLst>
+          </p:cNvPr>
+          <p:cNvSpPr>
+            <a:spLocks noGrp="1"/>
+          </p:cNvSpPr>
+          <p:nvPr>
+            <p:ph type="ctrTitle"/>
+          </p:nvPr>
+        </p:nvSpPr>
+        <p:spPr>
+          <a:xfrm>
+            <a:off x="80107" y="95228"/>
+            <a:ext cx="9144000" cy="1221665"/>
+          </a:xfrm>
+        </p:spPr>
+        <p:txBody>
+          <a:bodyPr>
+            <a:normAutofit fontScale="90000"/>
+          </a:bodyPr>
+          <a:lstStyle/>
+          <a:p>
+            <a:pPr algn="l"/>
+            <a:r>
+              <a:rPr lang="es-CL" b="1" dirty="0"/>
+              <a:t>IVHCC</a:t>
+            </a:r>
+            <a:br>
+              <a:rPr lang="es-CL" b="1" dirty="0"/>
+            </a:br>
+            <a:endParaRPr lang="es-CL" dirty="0"/>
+          </a:p>
+        </p:txBody>
+      </p:sp>
+      <p:pic>
+        <p:nvPicPr>
+          <p:cNvPr id="5" name="Imagen 4">
+            <a:extLst>
+              <a:ext uri="{FF2B5EF4-FFF2-40B4-BE49-F238E27FC236}">
+                <a16:creationId xmlns:a16="http://schemas.microsoft.com/office/drawing/2014/main" id="{7FB2DF1A-FF4D-4B98-870C-04157BF0D326}"/>
+              </a:ext>
+            </a:extLst>
+          </p:cNvPr>
+          <p:cNvPicPr>
+            <a:picLocks noChangeAspect="1"/>
+          </p:cNvPicPr>
+          <p:nvPr/>
+        </p:nvPicPr>
+        <p:blipFill>
+          <a:blip r:embed="rId2"/>
+          <a:stretch>
+            <a:fillRect/>
+          </a:stretch>
+        </p:blipFill>
+        <p:spPr>
+          <a:xfrm>
+            <a:off x="3763558" y="2172677"/>
+            <a:ext cx="4408798" cy="3638061"/>
+          </a:xfrm>
+          <a:prstGeom prst="rect">
+            <a:avLst/>
+          </a:prstGeom>
+        </p:spPr>
+      </p:pic>
+    </p:spTree>
+    <p:extLst>
+      <p:ext uri="{BB962C8B-B14F-4D97-AF65-F5344CB8AC3E}">
+        <p14:creationId xmlns:p14="http://schemas.microsoft.com/office/powerpoint/2010/main" val="3847952238"/>
+      </p:ext>
+    </p:extLst>
+  </p:cSld>
+  <p:clrMapOvr>
+    <a:masterClrMapping/>
+  </p:clrMapOvr>
+</p:sld>
+</file>
+
+<file path=ppt/slides/slide16.xml><?xml version="1.0" encoding="utf-8"?>
+<p:sld xmlns:a="http://schemas.openxmlformats.org/drawingml/2006/main" xmlns:r="http://schemas.openxmlformats.org/officeDocument/2006/relationships" xmlns:p="http://schemas.openxmlformats.org/presentationml/2006/main">
+  <p:cSld>
+    <p:spTree>
+      <p:nvGrpSpPr>
+        <p:cNvPr id="1" name=""/>
+        <p:cNvGrpSpPr/>
+        <p:nvPr/>
+      </p:nvGrpSpPr>
+      <p:grpSpPr>
+        <a:xfrm>
+          <a:off x="0" y="0"/>
+          <a:ext cx="0" cy="0"/>
+          <a:chOff x="0" y="0"/>
+          <a:chExt cx="0" cy="0"/>
+        </a:xfrm>
+      </p:grpSpPr>
+      <p:sp>
+        <p:nvSpPr>
+          <p:cNvPr id="2" name="Título 1">
+            <a:extLst>
+              <a:ext uri="{FF2B5EF4-FFF2-40B4-BE49-F238E27FC236}">
+                <a16:creationId xmlns:a16="http://schemas.microsoft.com/office/drawing/2014/main" id="{AD7B9F15-1377-4E02-8384-19B05C64F917}"/>
+              </a:ext>
+            </a:extLst>
+          </p:cNvPr>
+          <p:cNvSpPr>
+            <a:spLocks noGrp="1"/>
+          </p:cNvSpPr>
+          <p:nvPr>
+            <p:ph type="ctrTitle"/>
+          </p:nvPr>
+        </p:nvSpPr>
+        <p:spPr>
+          <a:xfrm>
+            <a:off x="791307" y="571966"/>
+            <a:ext cx="9144000" cy="1221665"/>
+          </a:xfrm>
+        </p:spPr>
+        <p:txBody>
+          <a:bodyPr>
+            <a:normAutofit fontScale="90000"/>
+          </a:bodyPr>
+          <a:lstStyle/>
+          <a:p>
+            <a:pPr algn="l"/>
+            <a:r>
+              <a:rPr lang="es-CL" b="1" dirty="0"/>
+              <a:t>IVHCC</a:t>
+            </a:r>
+            <a:br>
+              <a:rPr lang="es-CL" b="1" dirty="0"/>
+            </a:br>
+            <a:endParaRPr lang="es-CL" dirty="0"/>
+          </a:p>
+        </p:txBody>
+      </p:sp>
+      <p:sp>
+        <p:nvSpPr>
+          <p:cNvPr id="3" name="Subtítulo 2">
+            <a:extLst>
+              <a:ext uri="{FF2B5EF4-FFF2-40B4-BE49-F238E27FC236}">
+                <a16:creationId xmlns:a16="http://schemas.microsoft.com/office/drawing/2014/main" id="{449EEAB2-375A-44AD-B789-2D80515B37FC}"/>
+              </a:ext>
+            </a:extLst>
+          </p:cNvPr>
+          <p:cNvSpPr>
+            <a:spLocks noGrp="1"/>
+          </p:cNvSpPr>
+          <p:nvPr>
+            <p:ph type="subTitle" idx="1"/>
+          </p:nvPr>
+        </p:nvSpPr>
+        <p:spPr>
+          <a:xfrm>
+            <a:off x="873369" y="1828800"/>
+            <a:ext cx="9144000" cy="754025"/>
+          </a:xfrm>
+        </p:spPr>
+        <p:txBody>
+          <a:bodyPr/>
+          <a:lstStyle/>
+          <a:p>
+            <a:pPr algn="l"/>
+            <a:r>
+              <a:rPr lang="es-MX" dirty="0">
+                <a:solidFill>
+                  <a:schemeClr val="bg2">
+                    <a:lumMod val="40000"/>
+                    <a:lumOff val="60000"/>
+                  </a:schemeClr>
+                </a:solidFill>
+              </a:rPr>
+              <a:t>Índice de vulnerabilidad urbana</a:t>
+            </a:r>
+            <a:endParaRPr lang="es-CL" dirty="0">
+              <a:solidFill>
+                <a:schemeClr val="bg2">
+                  <a:lumMod val="40000"/>
+                  <a:lumOff val="60000"/>
+                </a:schemeClr>
+              </a:solidFill>
+            </a:endParaRPr>
+          </a:p>
+        </p:txBody>
+      </p:sp>
+    </p:spTree>
+    <p:extLst>
+      <p:ext uri="{BB962C8B-B14F-4D97-AF65-F5344CB8AC3E}">
+        <p14:creationId xmlns:p14="http://schemas.microsoft.com/office/powerpoint/2010/main" val="952780718"/>
+      </p:ext>
+    </p:extLst>
+  </p:cSld>
+  <p:clrMapOvr>
+    <a:masterClrMapping/>
+  </p:clrMapOvr>
+</p:sld>
+</file>
+
+<file path=ppt/slides/slide17.xml><?xml version="1.0" encoding="utf-8"?>
+<p:sld xmlns:a="http://schemas.openxmlformats.org/drawingml/2006/main" xmlns:r="http://schemas.openxmlformats.org/officeDocument/2006/relationships" xmlns:p="http://schemas.openxmlformats.org/presentationml/2006/main">
+  <p:cSld>
+    <p:spTree>
+      <p:nvGrpSpPr>
+        <p:cNvPr id="1" name=""/>
+        <p:cNvGrpSpPr/>
+        <p:nvPr/>
+      </p:nvGrpSpPr>
+      <p:grpSpPr>
+        <a:xfrm>
+          <a:off x="0" y="0"/>
+          <a:ext cx="0" cy="0"/>
+          <a:chOff x="0" y="0"/>
+          <a:chExt cx="0" cy="0"/>
+        </a:xfrm>
+      </p:grpSpPr>
+      <p:sp>
+        <p:nvSpPr>
+          <p:cNvPr id="2" name="Título 1">
+            <a:extLst>
+              <a:ext uri="{FF2B5EF4-FFF2-40B4-BE49-F238E27FC236}">
                 <a16:creationId xmlns:a16="http://schemas.microsoft.com/office/drawing/2014/main" id="{10451461-94FA-45DE-85DB-C9D6CC8C5C08}"/>
               </a:ext>
             </a:extLst>
@@ -6976,7 +8312,7 @@
 </p:sld>
 </file>
 
-<file path=ppt/slides/slide15.xml><?xml version="1.0" encoding="utf-8"?>
+<file path=ppt/slides/slide18.xml><?xml version="1.0" encoding="utf-8"?>
 <p:sld xmlns:a="http://schemas.openxmlformats.org/drawingml/2006/main" xmlns:r="http://schemas.openxmlformats.org/officeDocument/2006/relationships" xmlns:p="http://schemas.openxmlformats.org/presentationml/2006/main">
   <p:cSld>
     <p:spTree>
@@ -8081,7 +9417,7 @@
 </p:sld>
 </file>
 
-<file path=ppt/slides/slide16.xml><?xml version="1.0" encoding="utf-8"?>
+<file path=ppt/slides/slide19.xml><?xml version="1.0" encoding="utf-8"?>
 <p:sld xmlns:a="http://schemas.openxmlformats.org/drawingml/2006/main" xmlns:r="http://schemas.openxmlformats.org/officeDocument/2006/relationships" xmlns:p="http://schemas.openxmlformats.org/presentationml/2006/main">
   <p:cSld>
     <p:spTree>
@@ -9430,7 +10766,88 @@
 </p:sld>
 </file>
 
-<file path=ppt/slides/slide17.xml><?xml version="1.0" encoding="utf-8"?>
+<file path=ppt/slides/slide2.xml><?xml version="1.0" encoding="utf-8"?>
+<p:sld xmlns:a="http://schemas.openxmlformats.org/drawingml/2006/main" xmlns:r="http://schemas.openxmlformats.org/officeDocument/2006/relationships" xmlns:p="http://schemas.openxmlformats.org/presentationml/2006/main">
+  <p:cSld>
+    <p:spTree>
+      <p:nvGrpSpPr>
+        <p:cNvPr id="1" name=""/>
+        <p:cNvGrpSpPr/>
+        <p:nvPr/>
+      </p:nvGrpSpPr>
+      <p:grpSpPr>
+        <a:xfrm>
+          <a:off x="0" y="0"/>
+          <a:ext cx="0" cy="0"/>
+          <a:chOff x="0" y="0"/>
+          <a:chExt cx="0" cy="0"/>
+        </a:xfrm>
+      </p:grpSpPr>
+      <p:sp>
+        <p:nvSpPr>
+          <p:cNvPr id="2" name="Título 1">
+            <a:extLst>
+              <a:ext uri="{FF2B5EF4-FFF2-40B4-BE49-F238E27FC236}">
+                <a16:creationId xmlns:a16="http://schemas.microsoft.com/office/drawing/2014/main" id="{AD7B9F15-1377-4E02-8384-19B05C64F917}"/>
+              </a:ext>
+            </a:extLst>
+          </p:cNvPr>
+          <p:cNvSpPr>
+            <a:spLocks noGrp="1"/>
+          </p:cNvSpPr>
+          <p:nvPr>
+            <p:ph type="ctrTitle"/>
+          </p:nvPr>
+        </p:nvSpPr>
+        <p:spPr>
+          <a:xfrm>
+            <a:off x="218114" y="375193"/>
+            <a:ext cx="2919369" cy="1034158"/>
+          </a:xfrm>
+        </p:spPr>
+        <p:txBody>
+          <a:bodyPr>
+            <a:normAutofit fontScale="90000"/>
+          </a:bodyPr>
+          <a:lstStyle/>
+          <a:p>
+            <a:pPr algn="ctr"/>
+            <a:r>
+              <a:rPr lang="es-CL" sz="3600" dirty="0">
+                <a:effectLst>
+                  <a:outerShdw blurRad="38100" dist="38100" dir="2700000" algn="tl">
+                    <a:srgbClr val="000000">
+                      <a:alpha val="43137"/>
+                    </a:srgbClr>
+                  </a:outerShdw>
+                </a:effectLst>
+                <a:latin typeface="Batang" panose="02030600000101010101" pitchFamily="18" charset="-127"/>
+                <a:ea typeface="Batang" panose="02030600000101010101" pitchFamily="18" charset="-127"/>
+                <a:cs typeface="Quire Sans" panose="020B0502040204020203" pitchFamily="34" charset="0"/>
+              </a:rPr>
+              <a:t>Introducción</a:t>
+            </a:r>
+            <a:br>
+              <a:rPr lang="es-CL" b="1" dirty="0"/>
+            </a:br>
+            <a:endParaRPr lang="es-CL" dirty="0"/>
+          </a:p>
+        </p:txBody>
+      </p:sp>
+    </p:spTree>
+    <p:extLst>
+      <p:ext uri="{BB962C8B-B14F-4D97-AF65-F5344CB8AC3E}">
+        <p14:creationId xmlns:p14="http://schemas.microsoft.com/office/powerpoint/2010/main" val="2613913616"/>
+      </p:ext>
+    </p:extLst>
+  </p:cSld>
+  <p:clrMapOvr>
+    <a:masterClrMapping/>
+  </p:clrMapOvr>
+</p:sld>
+</file>
+
+<file path=ppt/slides/slide20.xml><?xml version="1.0" encoding="utf-8"?>
 <p:sld xmlns:a="http://schemas.openxmlformats.org/drawingml/2006/main" xmlns:r="http://schemas.openxmlformats.org/officeDocument/2006/relationships" xmlns:p="http://schemas.openxmlformats.org/presentationml/2006/main">
   <p:cSld>
     <p:spTree>
@@ -10573,7 +11990,7 @@
 </p:sld>
 </file>
 
-<file path=ppt/slides/slide18.xml><?xml version="1.0" encoding="utf-8"?>
+<file path=ppt/slides/slide21.xml><?xml version="1.0" encoding="utf-8"?>
 <p:sld xmlns:a="http://schemas.openxmlformats.org/drawingml/2006/main" xmlns:r="http://schemas.openxmlformats.org/officeDocument/2006/relationships" xmlns:p="http://schemas.openxmlformats.org/presentationml/2006/main">
   <p:cSld>
     <p:spTree>
@@ -10757,7 +12174,7 @@
 </p:sld>
 </file>
 
-<file path=ppt/slides/slide19.xml><?xml version="1.0" encoding="utf-8"?>
+<file path=ppt/slides/slide22.xml><?xml version="1.0" encoding="utf-8"?>
 <p:sld xmlns:a="http://schemas.openxmlformats.org/drawingml/2006/main" xmlns:r="http://schemas.openxmlformats.org/officeDocument/2006/relationships" xmlns:p="http://schemas.openxmlformats.org/presentationml/2006/main">
   <p:cSld>
     <p:spTree>
@@ -10817,88 +12234,7 @@
 </p:sld>
 </file>
 
-<file path=ppt/slides/slide2.xml><?xml version="1.0" encoding="utf-8"?>
-<p:sld xmlns:a="http://schemas.openxmlformats.org/drawingml/2006/main" xmlns:r="http://schemas.openxmlformats.org/officeDocument/2006/relationships" xmlns:p="http://schemas.openxmlformats.org/presentationml/2006/main">
-  <p:cSld>
-    <p:spTree>
-      <p:nvGrpSpPr>
-        <p:cNvPr id="1" name=""/>
-        <p:cNvGrpSpPr/>
-        <p:nvPr/>
-      </p:nvGrpSpPr>
-      <p:grpSpPr>
-        <a:xfrm>
-          <a:off x="0" y="0"/>
-          <a:ext cx="0" cy="0"/>
-          <a:chOff x="0" y="0"/>
-          <a:chExt cx="0" cy="0"/>
-        </a:xfrm>
-      </p:grpSpPr>
-      <p:sp>
-        <p:nvSpPr>
-          <p:cNvPr id="2" name="Título 1">
-            <a:extLst>
-              <a:ext uri="{FF2B5EF4-FFF2-40B4-BE49-F238E27FC236}">
-                <a16:creationId xmlns:a16="http://schemas.microsoft.com/office/drawing/2014/main" id="{AD7B9F15-1377-4E02-8384-19B05C64F917}"/>
-              </a:ext>
-            </a:extLst>
-          </p:cNvPr>
-          <p:cNvSpPr>
-            <a:spLocks noGrp="1"/>
-          </p:cNvSpPr>
-          <p:nvPr>
-            <p:ph type="ctrTitle"/>
-          </p:nvPr>
-        </p:nvSpPr>
-        <p:spPr>
-          <a:xfrm>
-            <a:off x="218114" y="375193"/>
-            <a:ext cx="2919369" cy="1034158"/>
-          </a:xfrm>
-        </p:spPr>
-        <p:txBody>
-          <a:bodyPr>
-            <a:normAutofit fontScale="90000"/>
-          </a:bodyPr>
-          <a:lstStyle/>
-          <a:p>
-            <a:pPr algn="ctr"/>
-            <a:r>
-              <a:rPr lang="es-CL" sz="3600" dirty="0">
-                <a:effectLst>
-                  <a:outerShdw blurRad="38100" dist="38100" dir="2700000" algn="tl">
-                    <a:srgbClr val="000000">
-                      <a:alpha val="43137"/>
-                    </a:srgbClr>
-                  </a:outerShdw>
-                </a:effectLst>
-                <a:latin typeface="Batang" panose="02030600000101010101" pitchFamily="18" charset="-127"/>
-                <a:ea typeface="Batang" panose="02030600000101010101" pitchFamily="18" charset="-127"/>
-                <a:cs typeface="Quire Sans" panose="020B0502040204020203" pitchFamily="34" charset="0"/>
-              </a:rPr>
-              <a:t>Introducción</a:t>
-            </a:r>
-            <a:br>
-              <a:rPr lang="es-CL" b="1" dirty="0"/>
-            </a:br>
-            <a:endParaRPr lang="es-CL" dirty="0"/>
-          </a:p>
-        </p:txBody>
-      </p:sp>
-    </p:spTree>
-    <p:extLst>
-      <p:ext uri="{BB962C8B-B14F-4D97-AF65-F5344CB8AC3E}">
-        <p14:creationId xmlns:p14="http://schemas.microsoft.com/office/powerpoint/2010/main" val="2613913616"/>
-      </p:ext>
-    </p:extLst>
-  </p:cSld>
-  <p:clrMapOvr>
-    <a:masterClrMapping/>
-  </p:clrMapOvr>
-</p:sld>
-</file>
-
-<file path=ppt/slides/slide20.xml><?xml version="1.0" encoding="utf-8"?>
+<file path=ppt/slides/slide23.xml><?xml version="1.0" encoding="utf-8"?>
 <p:sld xmlns:a="http://schemas.openxmlformats.org/drawingml/2006/main" xmlns:r="http://schemas.openxmlformats.org/officeDocument/2006/relationships" xmlns:p="http://schemas.openxmlformats.org/presentationml/2006/main">
   <p:cSld>
     <p:spTree>
@@ -11020,279 +12356,6 @@
     <p:extLst>
       <p:ext uri="{BB962C8B-B14F-4D97-AF65-F5344CB8AC3E}">
         <p14:creationId xmlns:p14="http://schemas.microsoft.com/office/powerpoint/2010/main" val="13967068"/>
-      </p:ext>
-    </p:extLst>
-  </p:cSld>
-  <p:clrMapOvr>
-    <a:masterClrMapping/>
-  </p:clrMapOvr>
-</p:sld>
-</file>
-
-<file path=ppt/slides/slide21.xml><?xml version="1.0" encoding="utf-8"?>
-<p:sld xmlns:a="http://schemas.openxmlformats.org/drawingml/2006/main" xmlns:r="http://schemas.openxmlformats.org/officeDocument/2006/relationships" xmlns:p="http://schemas.openxmlformats.org/presentationml/2006/main">
-  <p:cSld>
-    <p:spTree>
-      <p:nvGrpSpPr>
-        <p:cNvPr id="1" name=""/>
-        <p:cNvGrpSpPr/>
-        <p:nvPr/>
-      </p:nvGrpSpPr>
-      <p:grpSpPr>
-        <a:xfrm>
-          <a:off x="0" y="0"/>
-          <a:ext cx="0" cy="0"/>
-          <a:chOff x="0" y="0"/>
-          <a:chExt cx="0" cy="0"/>
-        </a:xfrm>
-      </p:grpSpPr>
-      <p:sp>
-        <p:nvSpPr>
-          <p:cNvPr id="2" name="Título 1">
-            <a:extLst>
-              <a:ext uri="{FF2B5EF4-FFF2-40B4-BE49-F238E27FC236}">
-                <a16:creationId xmlns:a16="http://schemas.microsoft.com/office/drawing/2014/main" id="{C12D26D8-227F-4120-890B-FCEB4A9314FA}"/>
-              </a:ext>
-            </a:extLst>
-          </p:cNvPr>
-          <p:cNvSpPr>
-            <a:spLocks noGrp="1"/>
-          </p:cNvSpPr>
-          <p:nvPr>
-            <p:ph type="title"/>
-          </p:nvPr>
-        </p:nvSpPr>
-        <p:spPr/>
-        <p:txBody>
-          <a:bodyPr/>
-          <a:lstStyle/>
-          <a:p>
-            <a:endParaRPr lang="es-MX"/>
-          </a:p>
-        </p:txBody>
-      </p:sp>
-      <p:sp>
-        <p:nvSpPr>
-          <p:cNvPr id="3" name="Marcador de contenido 2">
-            <a:extLst>
-              <a:ext uri="{FF2B5EF4-FFF2-40B4-BE49-F238E27FC236}">
-                <a16:creationId xmlns:a16="http://schemas.microsoft.com/office/drawing/2014/main" id="{8ABCD1C9-4FBC-4F7B-BBCF-6A5DE6F95801}"/>
-              </a:ext>
-            </a:extLst>
-          </p:cNvPr>
-          <p:cNvSpPr>
-            <a:spLocks noGrp="1"/>
-          </p:cNvSpPr>
-          <p:nvPr>
-            <p:ph idx="1"/>
-          </p:nvPr>
-        </p:nvSpPr>
-        <p:spPr/>
-        <p:txBody>
-          <a:bodyPr/>
-          <a:lstStyle/>
-          <a:p>
-            <a:r>
-              <a:rPr lang="es-MX" dirty="0"/>
-              <a:t>Tabla de pobreza actualizada y homologada para usar en el índice de vulnerabilidad: [https://rpubs.com/dataintelligence/socio](https://rpubs.com/dataintelligence/socio) </a:t>
-            </a:r>
-          </a:p>
-          <a:p>
-            <a:endParaRPr lang="es-MX" dirty="0"/>
-          </a:p>
-          <a:p>
-            <a:r>
-              <a:rPr lang="es-MX" dirty="0"/>
-              <a:t>Tabla de pueblos originarios: [https://rpubs.com/dataintelligence/pueblos_originarios_2020](https://rpubs.com/dataintelligence/pueblos_originarios_2020)</a:t>
-            </a:r>
-          </a:p>
-        </p:txBody>
-      </p:sp>
-    </p:spTree>
-    <p:extLst>
-      <p:ext uri="{BB962C8B-B14F-4D97-AF65-F5344CB8AC3E}">
-        <p14:creationId xmlns:p14="http://schemas.microsoft.com/office/powerpoint/2010/main" val="1615475409"/>
-      </p:ext>
-    </p:extLst>
-  </p:cSld>
-  <p:clrMapOvr>
-    <a:masterClrMapping/>
-  </p:clrMapOvr>
-</p:sld>
-</file>
-
-<file path=ppt/slides/slide22.xml><?xml version="1.0" encoding="utf-8"?>
-<p:sld xmlns:a="http://schemas.openxmlformats.org/drawingml/2006/main" xmlns:r="http://schemas.openxmlformats.org/officeDocument/2006/relationships" xmlns:p="http://schemas.openxmlformats.org/presentationml/2006/main">
-  <p:cSld>
-    <p:spTree>
-      <p:nvGrpSpPr>
-        <p:cNvPr id="1" name=""/>
-        <p:cNvGrpSpPr/>
-        <p:nvPr/>
-      </p:nvGrpSpPr>
-      <p:grpSpPr>
-        <a:xfrm>
-          <a:off x="0" y="0"/>
-          <a:ext cx="0" cy="0"/>
-          <a:chOff x="0" y="0"/>
-          <a:chExt cx="0" cy="0"/>
-        </a:xfrm>
-      </p:grpSpPr>
-      <p:sp>
-        <p:nvSpPr>
-          <p:cNvPr id="2" name="Título 1">
-            <a:extLst>
-              <a:ext uri="{FF2B5EF4-FFF2-40B4-BE49-F238E27FC236}">
-                <a16:creationId xmlns:a16="http://schemas.microsoft.com/office/drawing/2014/main" id="{E3B90B93-2076-4FA0-BABB-AE3749CE5757}"/>
-              </a:ext>
-            </a:extLst>
-          </p:cNvPr>
-          <p:cNvSpPr>
-            <a:spLocks noGrp="1"/>
-          </p:cNvSpPr>
-          <p:nvPr>
-            <p:ph type="title"/>
-          </p:nvPr>
-        </p:nvSpPr>
-        <p:spPr/>
-        <p:txBody>
-          <a:bodyPr>
-            <a:normAutofit fontScale="90000"/>
-          </a:bodyPr>
-          <a:lstStyle/>
-          <a:p>
-            <a:r>
-              <a:rPr lang="es-MX" dirty="0">
-                <a:solidFill>
-                  <a:schemeClr val="bg2">
-                    <a:lumMod val="40000"/>
-                    <a:lumOff val="60000"/>
-                  </a:schemeClr>
-                </a:solidFill>
-              </a:rPr>
-              <a:t>IBU esta dentro de índice y calcular nuevas variables</a:t>
-            </a:r>
-            <a:endParaRPr lang="es-MX" dirty="0"/>
-          </a:p>
-        </p:txBody>
-      </p:sp>
-      <p:pic>
-        <p:nvPicPr>
-          <p:cNvPr id="5" name="Marcador de contenido 4">
-            <a:extLst>
-              <a:ext uri="{FF2B5EF4-FFF2-40B4-BE49-F238E27FC236}">
-                <a16:creationId xmlns:a16="http://schemas.microsoft.com/office/drawing/2014/main" id="{DA64B874-D075-4472-8442-1B965A455890}"/>
-              </a:ext>
-            </a:extLst>
-          </p:cNvPr>
-          <p:cNvPicPr>
-            <a:picLocks noGrp="1" noChangeAspect="1"/>
-          </p:cNvPicPr>
-          <p:nvPr>
-            <p:ph idx="1"/>
-          </p:nvPr>
-        </p:nvPicPr>
-        <p:blipFill>
-          <a:blip r:embed="rId2"/>
-          <a:stretch>
-            <a:fillRect/>
-          </a:stretch>
-        </p:blipFill>
-        <p:spPr>
-          <a:xfrm>
-            <a:off x="1842594" y="1825625"/>
-            <a:ext cx="8789387" cy="4351338"/>
-          </a:xfrm>
-        </p:spPr>
-      </p:pic>
-    </p:spTree>
-    <p:extLst>
-      <p:ext uri="{BB962C8B-B14F-4D97-AF65-F5344CB8AC3E}">
-        <p14:creationId xmlns:p14="http://schemas.microsoft.com/office/powerpoint/2010/main" val="3842421502"/>
-      </p:ext>
-    </p:extLst>
-  </p:cSld>
-  <p:clrMapOvr>
-    <a:masterClrMapping/>
-  </p:clrMapOvr>
-</p:sld>
-</file>
-
-<file path=ppt/slides/slide23.xml><?xml version="1.0" encoding="utf-8"?>
-<p:sld xmlns:a="http://schemas.openxmlformats.org/drawingml/2006/main" xmlns:r="http://schemas.openxmlformats.org/officeDocument/2006/relationships" xmlns:p="http://schemas.openxmlformats.org/presentationml/2006/main">
-  <p:cSld>
-    <p:spTree>
-      <p:nvGrpSpPr>
-        <p:cNvPr id="1" name=""/>
-        <p:cNvGrpSpPr/>
-        <p:nvPr/>
-      </p:nvGrpSpPr>
-      <p:grpSpPr>
-        <a:xfrm>
-          <a:off x="0" y="0"/>
-          <a:ext cx="0" cy="0"/>
-          <a:chOff x="0" y="0"/>
-          <a:chExt cx="0" cy="0"/>
-        </a:xfrm>
-      </p:grpSpPr>
-      <p:sp>
-        <p:nvSpPr>
-          <p:cNvPr id="2" name="Título 1">
-            <a:extLst>
-              <a:ext uri="{FF2B5EF4-FFF2-40B4-BE49-F238E27FC236}">
-                <a16:creationId xmlns:a16="http://schemas.microsoft.com/office/drawing/2014/main" id="{868B766E-2C2D-4D4A-AB68-08370C082C32}"/>
-              </a:ext>
-            </a:extLst>
-          </p:cNvPr>
-          <p:cNvSpPr>
-            <a:spLocks noGrp="1"/>
-          </p:cNvSpPr>
-          <p:nvPr>
-            <p:ph type="title"/>
-          </p:nvPr>
-        </p:nvSpPr>
-        <p:spPr/>
-        <p:txBody>
-          <a:bodyPr/>
-          <a:lstStyle/>
-          <a:p>
-            <a:endParaRPr lang="es-MX"/>
-          </a:p>
-        </p:txBody>
-      </p:sp>
-      <p:pic>
-        <p:nvPicPr>
-          <p:cNvPr id="5" name="Marcador de contenido 4">
-            <a:extLst>
-              <a:ext uri="{FF2B5EF4-FFF2-40B4-BE49-F238E27FC236}">
-                <a16:creationId xmlns:a16="http://schemas.microsoft.com/office/drawing/2014/main" id="{2015CA03-87BD-402C-AE37-613B8665CDA5}"/>
-              </a:ext>
-            </a:extLst>
-          </p:cNvPr>
-          <p:cNvPicPr>
-            <a:picLocks noGrp="1" noChangeAspect="1"/>
-          </p:cNvPicPr>
-          <p:nvPr>
-            <p:ph idx="1"/>
-          </p:nvPr>
-        </p:nvPicPr>
-        <p:blipFill>
-          <a:blip r:embed="rId2"/>
-          <a:stretch>
-            <a:fillRect/>
-          </a:stretch>
-        </p:blipFill>
-        <p:spPr>
-          <a:xfrm>
-            <a:off x="2894012" y="1896269"/>
-            <a:ext cx="6686550" cy="4210050"/>
-          </a:xfrm>
-        </p:spPr>
-      </p:pic>
-    </p:spTree>
-    <p:extLst>
-      <p:ext uri="{BB962C8B-B14F-4D97-AF65-F5344CB8AC3E}">
-        <p14:creationId xmlns:p14="http://schemas.microsoft.com/office/powerpoint/2010/main" val="682101906"/>
       </p:ext>
     </p:extLst>
   </p:cSld>
@@ -11324,7 +12387,7 @@
           <p:cNvPr id="2" name="Título 1">
             <a:extLst>
               <a:ext uri="{FF2B5EF4-FFF2-40B4-BE49-F238E27FC236}">
-                <a16:creationId xmlns:a16="http://schemas.microsoft.com/office/drawing/2014/main" id="{BE724B33-2887-4DD4-80EB-4C26E555222B}"/>
+                <a16:creationId xmlns:a16="http://schemas.microsoft.com/office/drawing/2014/main" id="{C12D26D8-227F-4120-890B-FCEB4A9314FA}"/>
               </a:ext>
             </a:extLst>
           </p:cNvPr>
@@ -11340,600 +12403,51 @@
           <a:bodyPr/>
           <a:lstStyle/>
           <a:p>
-            <a:pPr algn="ctr"/>
-            <a:r>
-              <a:rPr lang="es-MX" dirty="0"/>
-              <a:t>Índice de bienestar en vivienda </a:t>
-            </a:r>
-          </a:p>
-        </p:txBody>
-      </p:sp>
-      <p:sp>
-        <p:nvSpPr>
-          <p:cNvPr id="4" name="Elipse 3">
+            <a:endParaRPr lang="es-MX"/>
+          </a:p>
+        </p:txBody>
+      </p:sp>
+      <p:sp>
+        <p:nvSpPr>
+          <p:cNvPr id="3" name="Marcador de contenido 2">
             <a:extLst>
               <a:ext uri="{FF2B5EF4-FFF2-40B4-BE49-F238E27FC236}">
-                <a16:creationId xmlns:a16="http://schemas.microsoft.com/office/drawing/2014/main" id="{EAAB73CC-E24D-401D-B7F0-52F394212DEE}"/>
+                <a16:creationId xmlns:a16="http://schemas.microsoft.com/office/drawing/2014/main" id="{8ABCD1C9-4FBC-4F7B-BBCF-6A5DE6F95801}"/>
               </a:ext>
             </a:extLst>
           </p:cNvPr>
-          <p:cNvSpPr/>
-          <p:nvPr/>
-        </p:nvSpPr>
-        <p:spPr>
-          <a:xfrm>
-            <a:off x="969113" y="2645506"/>
-            <a:ext cx="2305539" cy="2305539"/>
-          </a:xfrm>
-          <a:prstGeom prst="ellipse">
-            <a:avLst/>
-          </a:prstGeom>
-        </p:spPr>
-        <p:style>
-          <a:lnRef idx="2">
-            <a:schemeClr val="accent1">
-              <a:shade val="50000"/>
-            </a:schemeClr>
-          </a:lnRef>
-          <a:fillRef idx="1">
-            <a:schemeClr val="accent1"/>
-          </a:fillRef>
-          <a:effectRef idx="0">
-            <a:schemeClr val="accent1"/>
-          </a:effectRef>
-          <a:fontRef idx="minor">
-            <a:schemeClr val="lt1"/>
-          </a:fontRef>
-        </p:style>
-        <p:txBody>
-          <a:bodyPr rtlCol="0" anchor="ctr"/>
+          <p:cNvSpPr>
+            <a:spLocks noGrp="1"/>
+          </p:cNvSpPr>
+          <p:nvPr>
+            <p:ph idx="1"/>
+          </p:nvPr>
+        </p:nvSpPr>
+        <p:spPr/>
+        <p:txBody>
+          <a:bodyPr/>
           <a:lstStyle/>
           <a:p>
-            <a:pPr marL="0" marR="0" lvl="0" indent="0" algn="ctr" defTabSz="457200" rtl="0" eaLnBrk="1" fontAlgn="auto" latinLnBrk="0" hangingPunct="1">
-              <a:lnSpc>
-                <a:spcPct val="100000"/>
-              </a:lnSpc>
-              <a:spcBef>
-                <a:spcPts val="0"/>
-              </a:spcBef>
-              <a:spcAft>
-                <a:spcPts val="0"/>
-              </a:spcAft>
-              <a:buClrTx/>
-              <a:buSzTx/>
-              <a:buFontTx/>
-              <a:buNone/>
-              <a:tabLst/>
-              <a:defRPr/>
-            </a:pPr>
-            <a:r>
-              <a:rPr kumimoji="0" lang="es-MX" sz="1800" b="0" i="0" u="none" strike="noStrike" kern="1200" cap="none" spc="0" normalizeH="0" baseline="0" noProof="0" dirty="0">
-                <a:ln>
-                  <a:noFill/>
-                </a:ln>
-                <a:solidFill>
-                  <a:prstClr val="white"/>
-                </a:solidFill>
-                <a:effectLst/>
-                <a:uLnTx/>
-                <a:uFillTx/>
-                <a:latin typeface="Corbel" panose="020B0503020204020204"/>
-                <a:ea typeface="+mn-ea"/>
-                <a:cs typeface="+mn-cs"/>
-              </a:rPr>
-              <a:t>Índice de bienestar en vivienda </a:t>
-            </a:r>
-          </a:p>
-        </p:txBody>
-      </p:sp>
-      <p:sp>
-        <p:nvSpPr>
-          <p:cNvPr id="5" name="Elipse 4">
-            <a:extLst>
-              <a:ext uri="{FF2B5EF4-FFF2-40B4-BE49-F238E27FC236}">
-                <a16:creationId xmlns:a16="http://schemas.microsoft.com/office/drawing/2014/main" id="{040F4DD5-CADB-4FE1-969B-0F108408A608}"/>
-              </a:ext>
-            </a:extLst>
-          </p:cNvPr>
-          <p:cNvSpPr/>
-          <p:nvPr/>
-        </p:nvSpPr>
-        <p:spPr>
-          <a:xfrm>
-            <a:off x="4577868" y="1434167"/>
-            <a:ext cx="2041046" cy="1211386"/>
-          </a:xfrm>
-          <a:prstGeom prst="ellipse">
-            <a:avLst/>
-          </a:prstGeom>
-        </p:spPr>
-        <p:style>
-          <a:lnRef idx="2">
-            <a:schemeClr val="accent1">
-              <a:shade val="50000"/>
-            </a:schemeClr>
-          </a:lnRef>
-          <a:fillRef idx="1">
-            <a:schemeClr val="accent1"/>
-          </a:fillRef>
-          <a:effectRef idx="0">
-            <a:schemeClr val="accent1"/>
-          </a:effectRef>
-          <a:fontRef idx="minor">
-            <a:schemeClr val="lt1"/>
-          </a:fontRef>
-        </p:style>
-        <p:txBody>
-          <a:bodyPr rtlCol="0" anchor="ctr"/>
-          <a:lstStyle/>
-          <a:p>
-            <a:pPr marL="0" marR="0" lvl="0" indent="0" algn="ctr" defTabSz="457200" rtl="0" eaLnBrk="1" fontAlgn="auto" latinLnBrk="0" hangingPunct="1">
-              <a:lnSpc>
-                <a:spcPct val="100000"/>
-              </a:lnSpc>
-              <a:spcBef>
-                <a:spcPts val="0"/>
-              </a:spcBef>
-              <a:spcAft>
-                <a:spcPts val="0"/>
-              </a:spcAft>
-              <a:buClrTx/>
-              <a:buSzTx/>
-              <a:buFontTx/>
-              <a:buNone/>
-              <a:tabLst/>
-              <a:defRPr/>
-            </a:pPr>
-            <a:r>
-              <a:rPr kumimoji="0" lang="es-MX" sz="1400" b="0" i="0" u="none" strike="noStrike" kern="1200" cap="none" spc="0" normalizeH="0" baseline="0" noProof="0" dirty="0">
-                <a:ln>
-                  <a:noFill/>
-                </a:ln>
-                <a:solidFill>
-                  <a:prstClr val="white"/>
-                </a:solidFill>
-                <a:effectLst/>
-                <a:uLnTx/>
-                <a:uFillTx/>
-                <a:latin typeface="Corbel" panose="020B0503020204020204"/>
-                <a:ea typeface="+mn-ea"/>
-                <a:cs typeface="+mn-cs"/>
-              </a:rPr>
-              <a:t>Carencia como pobreza referida a la vivienda</a:t>
-            </a:r>
-          </a:p>
-        </p:txBody>
-      </p:sp>
-      <p:sp>
-        <p:nvSpPr>
-          <p:cNvPr id="6" name="Elipse 5">
-            <a:extLst>
-              <a:ext uri="{FF2B5EF4-FFF2-40B4-BE49-F238E27FC236}">
-                <a16:creationId xmlns:a16="http://schemas.microsoft.com/office/drawing/2014/main" id="{0BF3179E-2F79-4A3E-ABDF-C59B1F7485B2}"/>
-              </a:ext>
-            </a:extLst>
-          </p:cNvPr>
-          <p:cNvSpPr/>
-          <p:nvPr/>
-        </p:nvSpPr>
-        <p:spPr>
-          <a:xfrm>
-            <a:off x="5892436" y="2547980"/>
-            <a:ext cx="1691212" cy="1211386"/>
-          </a:xfrm>
-          <a:prstGeom prst="ellipse">
-            <a:avLst/>
-          </a:prstGeom>
-        </p:spPr>
-        <p:style>
-          <a:lnRef idx="2">
-            <a:schemeClr val="accent1">
-              <a:shade val="50000"/>
-            </a:schemeClr>
-          </a:lnRef>
-          <a:fillRef idx="1">
-            <a:schemeClr val="accent1"/>
-          </a:fillRef>
-          <a:effectRef idx="0">
-            <a:schemeClr val="accent1"/>
-          </a:effectRef>
-          <a:fontRef idx="minor">
-            <a:schemeClr val="lt1"/>
-          </a:fontRef>
-        </p:style>
-        <p:txBody>
-          <a:bodyPr rtlCol="0" anchor="ctr"/>
-          <a:lstStyle/>
-          <a:p>
-            <a:pPr marL="0" marR="0" lvl="0" indent="0" algn="ctr" defTabSz="457200" rtl="0" eaLnBrk="1" fontAlgn="auto" latinLnBrk="0" hangingPunct="1">
-              <a:lnSpc>
-                <a:spcPct val="100000"/>
-              </a:lnSpc>
-              <a:spcBef>
-                <a:spcPts val="0"/>
-              </a:spcBef>
-              <a:spcAft>
-                <a:spcPts val="0"/>
-              </a:spcAft>
-              <a:buClrTx/>
-              <a:buSzTx/>
-              <a:buFontTx/>
-              <a:buNone/>
-              <a:tabLst/>
-              <a:defRPr/>
-            </a:pPr>
-            <a:r>
-              <a:rPr kumimoji="0" lang="es-MX" sz="1800" b="0" i="0" u="none" strike="noStrike" kern="1200" cap="none" spc="0" normalizeH="0" baseline="0" noProof="0" dirty="0">
-                <a:ln>
-                  <a:noFill/>
-                </a:ln>
-                <a:solidFill>
-                  <a:prstClr val="white"/>
-                </a:solidFill>
-                <a:effectLst/>
-                <a:uLnTx/>
-                <a:uFillTx/>
-                <a:latin typeface="Corbel" panose="020B0503020204020204"/>
-                <a:ea typeface="+mn-ea"/>
-                <a:cs typeface="+mn-cs"/>
-              </a:rPr>
-              <a:t>Calidad del techo</a:t>
-            </a:r>
-          </a:p>
-        </p:txBody>
-      </p:sp>
-      <p:sp>
-        <p:nvSpPr>
-          <p:cNvPr id="7" name="Elipse 6">
-            <a:extLst>
-              <a:ext uri="{FF2B5EF4-FFF2-40B4-BE49-F238E27FC236}">
-                <a16:creationId xmlns:a16="http://schemas.microsoft.com/office/drawing/2014/main" id="{D04D739B-AC5C-4028-AC54-FF929D25D064}"/>
-              </a:ext>
-            </a:extLst>
-          </p:cNvPr>
-          <p:cNvSpPr/>
-          <p:nvPr/>
-        </p:nvSpPr>
-        <p:spPr>
-          <a:xfrm>
-            <a:off x="5988538" y="3814802"/>
-            <a:ext cx="1710553" cy="1211386"/>
-          </a:xfrm>
-          <a:prstGeom prst="ellipse">
-            <a:avLst/>
-          </a:prstGeom>
-        </p:spPr>
-        <p:style>
-          <a:lnRef idx="2">
-            <a:schemeClr val="accent1">
-              <a:shade val="50000"/>
-            </a:schemeClr>
-          </a:lnRef>
-          <a:fillRef idx="1">
-            <a:schemeClr val="accent1"/>
-          </a:fillRef>
-          <a:effectRef idx="0">
-            <a:schemeClr val="accent1"/>
-          </a:effectRef>
-          <a:fontRef idx="minor">
-            <a:schemeClr val="lt1"/>
-          </a:fontRef>
-        </p:style>
-        <p:txBody>
-          <a:bodyPr rtlCol="0" anchor="ctr"/>
-          <a:lstStyle/>
-          <a:p>
-            <a:pPr marL="0" marR="0" lvl="0" indent="0" algn="ctr" defTabSz="457200" rtl="0" eaLnBrk="1" fontAlgn="auto" latinLnBrk="0" hangingPunct="1">
-              <a:lnSpc>
-                <a:spcPct val="100000"/>
-              </a:lnSpc>
-              <a:spcBef>
-                <a:spcPts val="0"/>
-              </a:spcBef>
-              <a:spcAft>
-                <a:spcPts val="0"/>
-              </a:spcAft>
-              <a:buClrTx/>
-              <a:buSzTx/>
-              <a:buFontTx/>
-              <a:buNone/>
-              <a:tabLst/>
-              <a:defRPr/>
-            </a:pPr>
-            <a:r>
-              <a:rPr kumimoji="0" lang="es-HN" sz="1800" b="0" i="0" u="none" strike="noStrike" kern="1200" cap="none" spc="0" normalizeH="0" baseline="0" noProof="0" dirty="0">
-                <a:ln>
-                  <a:noFill/>
-                </a:ln>
-                <a:solidFill>
-                  <a:prstClr val="white"/>
-                </a:solidFill>
-                <a:effectLst/>
-                <a:uLnTx/>
-                <a:uFillTx/>
-                <a:latin typeface="Corbel" panose="020B0503020204020204"/>
-                <a:ea typeface="+mn-ea"/>
-                <a:cs typeface="+mn-cs"/>
-              </a:rPr>
-              <a:t>Calidad de paredes</a:t>
-            </a:r>
-            <a:endParaRPr kumimoji="0" lang="es-MX" sz="1800" b="0" i="0" u="none" strike="noStrike" kern="1200" cap="none" spc="0" normalizeH="0" baseline="0" noProof="0" dirty="0">
-              <a:ln>
-                <a:noFill/>
-              </a:ln>
-              <a:solidFill>
-                <a:prstClr val="white"/>
-              </a:solidFill>
-              <a:effectLst/>
-              <a:uLnTx/>
-              <a:uFillTx/>
-              <a:latin typeface="Corbel" panose="020B0503020204020204"/>
-              <a:ea typeface="+mn-ea"/>
-              <a:cs typeface="+mn-cs"/>
-            </a:endParaRPr>
-          </a:p>
-        </p:txBody>
-      </p:sp>
-      <p:sp>
-        <p:nvSpPr>
-          <p:cNvPr id="8" name="Elipse 7">
-            <a:extLst>
-              <a:ext uri="{FF2B5EF4-FFF2-40B4-BE49-F238E27FC236}">
-                <a16:creationId xmlns:a16="http://schemas.microsoft.com/office/drawing/2014/main" id="{F7421560-B65E-41A2-BAB4-EEC2D7E6EBD2}"/>
-              </a:ext>
-            </a:extLst>
-          </p:cNvPr>
-          <p:cNvSpPr/>
-          <p:nvPr/>
-        </p:nvSpPr>
-        <p:spPr>
-          <a:xfrm>
-            <a:off x="4577868" y="4861179"/>
-            <a:ext cx="1818007" cy="1211386"/>
-          </a:xfrm>
-          <a:prstGeom prst="ellipse">
-            <a:avLst/>
-          </a:prstGeom>
-        </p:spPr>
-        <p:style>
-          <a:lnRef idx="2">
-            <a:schemeClr val="accent1">
-              <a:shade val="50000"/>
-            </a:schemeClr>
-          </a:lnRef>
-          <a:fillRef idx="1">
-            <a:schemeClr val="accent1"/>
-          </a:fillRef>
-          <a:effectRef idx="0">
-            <a:schemeClr val="accent1"/>
-          </a:effectRef>
-          <a:fontRef idx="minor">
-            <a:schemeClr val="lt1"/>
-          </a:fontRef>
-        </p:style>
-        <p:txBody>
-          <a:bodyPr rtlCol="0" anchor="ctr"/>
-          <a:lstStyle/>
-          <a:p>
-            <a:pPr marL="0" marR="0" lvl="0" indent="0" algn="ctr" defTabSz="457200" rtl="0" eaLnBrk="1" fontAlgn="auto" latinLnBrk="0" hangingPunct="1">
-              <a:lnSpc>
-                <a:spcPct val="100000"/>
-              </a:lnSpc>
-              <a:spcBef>
-                <a:spcPts val="0"/>
-              </a:spcBef>
-              <a:spcAft>
-                <a:spcPts val="0"/>
-              </a:spcAft>
-              <a:buClrTx/>
-              <a:buSzTx/>
-              <a:buFontTx/>
-              <a:buNone/>
-              <a:tabLst/>
-              <a:defRPr/>
-            </a:pPr>
-            <a:r>
-              <a:rPr kumimoji="0" lang="es-HN" sz="1800" b="0" i="0" u="none" strike="noStrike" kern="1200" cap="none" spc="0" normalizeH="0" baseline="0" noProof="0" dirty="0">
-                <a:ln>
-                  <a:noFill/>
-                </a:ln>
-                <a:solidFill>
-                  <a:prstClr val="white"/>
-                </a:solidFill>
-                <a:effectLst/>
-                <a:uLnTx/>
-                <a:uFillTx/>
-                <a:latin typeface="Corbel" panose="020B0503020204020204"/>
-                <a:ea typeface="+mn-ea"/>
-                <a:cs typeface="+mn-cs"/>
-              </a:rPr>
-              <a:t>Tipo de piso</a:t>
-            </a:r>
-            <a:endParaRPr kumimoji="0" lang="es-MX" sz="1800" b="0" i="0" u="none" strike="noStrike" kern="1200" cap="none" spc="0" normalizeH="0" baseline="0" noProof="0" dirty="0">
-              <a:ln>
-                <a:noFill/>
-              </a:ln>
-              <a:solidFill>
-                <a:prstClr val="white"/>
-              </a:solidFill>
-              <a:effectLst/>
-              <a:uLnTx/>
-              <a:uFillTx/>
-              <a:latin typeface="Corbel" panose="020B0503020204020204"/>
-              <a:ea typeface="+mn-ea"/>
-              <a:cs typeface="+mn-cs"/>
-            </a:endParaRPr>
-          </a:p>
-        </p:txBody>
-      </p:sp>
-      <p:cxnSp>
-        <p:nvCxnSpPr>
-          <p:cNvPr id="10" name="Conector recto de flecha 9">
-            <a:extLst>
-              <a:ext uri="{FF2B5EF4-FFF2-40B4-BE49-F238E27FC236}">
-                <a16:creationId xmlns:a16="http://schemas.microsoft.com/office/drawing/2014/main" id="{8B3AFD82-1A08-4FF9-8156-A6FDEED50138}"/>
-              </a:ext>
-            </a:extLst>
-          </p:cNvPr>
-          <p:cNvCxnSpPr>
-            <a:cxnSpLocks/>
-          </p:cNvCxnSpPr>
-          <p:nvPr/>
-        </p:nvCxnSpPr>
-        <p:spPr>
-          <a:xfrm flipV="1">
-            <a:off x="2967908" y="2465784"/>
-            <a:ext cx="1775670" cy="575530"/>
-          </a:xfrm>
-          <a:prstGeom prst="straightConnector1">
-            <a:avLst/>
-          </a:prstGeom>
-          <a:ln>
-            <a:tailEnd type="triangle"/>
-          </a:ln>
-        </p:spPr>
-        <p:style>
-          <a:lnRef idx="1">
-            <a:schemeClr val="accent1"/>
-          </a:lnRef>
-          <a:fillRef idx="0">
-            <a:schemeClr val="accent1"/>
-          </a:fillRef>
-          <a:effectRef idx="0">
-            <a:schemeClr val="accent1"/>
-          </a:effectRef>
-          <a:fontRef idx="minor">
-            <a:schemeClr val="tx1"/>
-          </a:fontRef>
-        </p:style>
-      </p:cxnSp>
-      <p:cxnSp>
-        <p:nvCxnSpPr>
-          <p:cNvPr id="13" name="Conector recto de flecha 12">
-            <a:extLst>
-              <a:ext uri="{FF2B5EF4-FFF2-40B4-BE49-F238E27FC236}">
-                <a16:creationId xmlns:a16="http://schemas.microsoft.com/office/drawing/2014/main" id="{0EE83C32-7D60-4D90-8BF6-23DF904C243C}"/>
-              </a:ext>
-            </a:extLst>
-          </p:cNvPr>
-          <p:cNvCxnSpPr>
-            <a:cxnSpLocks/>
-          </p:cNvCxnSpPr>
-          <p:nvPr/>
-        </p:nvCxnSpPr>
-        <p:spPr>
-          <a:xfrm flipV="1">
-            <a:off x="3304744" y="3226535"/>
-            <a:ext cx="2546248" cy="483270"/>
-          </a:xfrm>
-          <a:prstGeom prst="straightConnector1">
-            <a:avLst/>
-          </a:prstGeom>
-          <a:ln>
-            <a:tailEnd type="triangle"/>
-          </a:ln>
-        </p:spPr>
-        <p:style>
-          <a:lnRef idx="1">
-            <a:schemeClr val="accent1"/>
-          </a:lnRef>
-          <a:fillRef idx="0">
-            <a:schemeClr val="accent1"/>
-          </a:fillRef>
-          <a:effectRef idx="0">
-            <a:schemeClr val="accent1"/>
-          </a:effectRef>
-          <a:fontRef idx="minor">
-            <a:schemeClr val="tx1"/>
-          </a:fontRef>
-        </p:style>
-      </p:cxnSp>
-      <p:cxnSp>
-        <p:nvCxnSpPr>
-          <p:cNvPr id="15" name="Conector recto de flecha 14">
-            <a:extLst>
-              <a:ext uri="{FF2B5EF4-FFF2-40B4-BE49-F238E27FC236}">
-                <a16:creationId xmlns:a16="http://schemas.microsoft.com/office/drawing/2014/main" id="{CC49F2D5-3227-4645-B26D-C90DBF561421}"/>
-              </a:ext>
-            </a:extLst>
-          </p:cNvPr>
-          <p:cNvCxnSpPr>
-            <a:cxnSpLocks/>
-          </p:cNvCxnSpPr>
-          <p:nvPr/>
-        </p:nvCxnSpPr>
-        <p:spPr>
-          <a:xfrm>
-            <a:off x="3304744" y="4012651"/>
-            <a:ext cx="2606433" cy="391318"/>
-          </a:xfrm>
-          <a:prstGeom prst="straightConnector1">
-            <a:avLst/>
-          </a:prstGeom>
-          <a:ln>
-            <a:tailEnd type="triangle"/>
-          </a:ln>
-        </p:spPr>
-        <p:style>
-          <a:lnRef idx="1">
-            <a:schemeClr val="accent1"/>
-          </a:lnRef>
-          <a:fillRef idx="0">
-            <a:schemeClr val="accent1"/>
-          </a:fillRef>
-          <a:effectRef idx="0">
-            <a:schemeClr val="accent1"/>
-          </a:effectRef>
-          <a:fontRef idx="minor">
-            <a:schemeClr val="tx1"/>
-          </a:fontRef>
-        </p:style>
-      </p:cxnSp>
-      <p:cxnSp>
-        <p:nvCxnSpPr>
-          <p:cNvPr id="17" name="Conector recto de flecha 16">
-            <a:extLst>
-              <a:ext uri="{FF2B5EF4-FFF2-40B4-BE49-F238E27FC236}">
-                <a16:creationId xmlns:a16="http://schemas.microsoft.com/office/drawing/2014/main" id="{F829694F-A290-4943-801D-4F3AECA10411}"/>
-              </a:ext>
-            </a:extLst>
-          </p:cNvPr>
-          <p:cNvCxnSpPr>
-            <a:cxnSpLocks/>
-          </p:cNvCxnSpPr>
-          <p:nvPr/>
-        </p:nvCxnSpPr>
-        <p:spPr>
-          <a:xfrm>
-            <a:off x="2985477" y="4657254"/>
-            <a:ext cx="1592391" cy="508166"/>
-          </a:xfrm>
-          <a:prstGeom prst="straightConnector1">
-            <a:avLst/>
-          </a:prstGeom>
-          <a:ln>
-            <a:tailEnd type="triangle"/>
-          </a:ln>
-        </p:spPr>
-        <p:style>
-          <a:lnRef idx="1">
-            <a:schemeClr val="accent1"/>
-          </a:lnRef>
-          <a:fillRef idx="0">
-            <a:schemeClr val="accent1"/>
-          </a:fillRef>
-          <a:effectRef idx="0">
-            <a:schemeClr val="accent1"/>
-          </a:effectRef>
-          <a:fontRef idx="minor">
-            <a:schemeClr val="tx1"/>
-          </a:fontRef>
-        </p:style>
-      </p:cxnSp>
+            <a:r>
+              <a:rPr lang="es-MX" dirty="0"/>
+              <a:t>Tabla de pobreza actualizada y homologada para usar en el índice de vulnerabilidad: [https://rpubs.com/dataintelligence/socio](https://rpubs.com/dataintelligence/socio) </a:t>
+            </a:r>
+          </a:p>
+          <a:p>
+            <a:endParaRPr lang="es-MX" dirty="0"/>
+          </a:p>
+          <a:p>
+            <a:r>
+              <a:rPr lang="es-MX" dirty="0"/>
+              <a:t>Tabla de pueblos originarios: [https://rpubs.com/dataintelligence/pueblos_originarios_2020](https://rpubs.com/dataintelligence/pueblos_originarios_2020)</a:t>
+            </a:r>
+          </a:p>
+        </p:txBody>
+      </p:sp>
     </p:spTree>
     <p:extLst>
       <p:ext uri="{BB962C8B-B14F-4D97-AF65-F5344CB8AC3E}">
-        <p14:creationId xmlns:p14="http://schemas.microsoft.com/office/powerpoint/2010/main" val="2573459024"/>
+        <p14:creationId xmlns:p14="http://schemas.microsoft.com/office/powerpoint/2010/main" val="1615475409"/>
       </p:ext>
     </p:extLst>
   </p:cSld>
@@ -11965,7 +12479,7 @@
           <p:cNvPr id="2" name="Título 1">
             <a:extLst>
               <a:ext uri="{FF2B5EF4-FFF2-40B4-BE49-F238E27FC236}">
-                <a16:creationId xmlns:a16="http://schemas.microsoft.com/office/drawing/2014/main" id="{BE724B33-2887-4DD4-80EB-4C26E555222B}"/>
+                <a16:creationId xmlns:a16="http://schemas.microsoft.com/office/drawing/2014/main" id="{E3B90B93-2076-4FA0-BABB-AE3749CE5757}"/>
               </a:ext>
             </a:extLst>
           </p:cNvPr>
@@ -11983,586 +12497,54 @@
           </a:bodyPr>
           <a:lstStyle/>
           <a:p>
-            <a:pPr algn="ctr"/>
-            <a:r>
-              <a:rPr lang="es-MX" dirty="0"/>
-              <a:t>Índice de accesibilidad a la educación</a:t>
-            </a:r>
-          </a:p>
-        </p:txBody>
-      </p:sp>
-      <p:sp>
-        <p:nvSpPr>
-          <p:cNvPr id="4" name="Elipse 3">
+            <a:r>
+              <a:rPr lang="es-MX" dirty="0">
+                <a:solidFill>
+                  <a:schemeClr val="bg2">
+                    <a:lumMod val="40000"/>
+                    <a:lumOff val="60000"/>
+                  </a:schemeClr>
+                </a:solidFill>
+              </a:rPr>
+              <a:t>IBU esta dentro de índice y calcular nuevas variables</a:t>
+            </a:r>
+            <a:endParaRPr lang="es-MX" dirty="0"/>
+          </a:p>
+        </p:txBody>
+      </p:sp>
+      <p:pic>
+        <p:nvPicPr>
+          <p:cNvPr id="5" name="Marcador de contenido 4">
             <a:extLst>
               <a:ext uri="{FF2B5EF4-FFF2-40B4-BE49-F238E27FC236}">
-                <a16:creationId xmlns:a16="http://schemas.microsoft.com/office/drawing/2014/main" id="{EAAB73CC-E24D-401D-B7F0-52F394212DEE}"/>
+                <a16:creationId xmlns:a16="http://schemas.microsoft.com/office/drawing/2014/main" id="{DA64B874-D075-4472-8442-1B965A455890}"/>
               </a:ext>
             </a:extLst>
           </p:cNvPr>
-          <p:cNvSpPr/>
-          <p:nvPr/>
-        </p:nvSpPr>
+          <p:cNvPicPr>
+            <a:picLocks noGrp="1" noChangeAspect="1"/>
+          </p:cNvPicPr>
+          <p:nvPr>
+            <p:ph idx="1"/>
+          </p:nvPr>
+        </p:nvPicPr>
+        <p:blipFill>
+          <a:blip r:embed="rId2"/>
+          <a:stretch>
+            <a:fillRect/>
+          </a:stretch>
+        </p:blipFill>
         <p:spPr>
           <a:xfrm>
-            <a:off x="969113" y="2645506"/>
-            <a:ext cx="2305539" cy="2305539"/>
-          </a:xfrm>
-          <a:prstGeom prst="ellipse">
-            <a:avLst/>
-          </a:prstGeom>
-        </p:spPr>
-        <p:style>
-          <a:lnRef idx="2">
-            <a:schemeClr val="accent1">
-              <a:shade val="50000"/>
-            </a:schemeClr>
-          </a:lnRef>
-          <a:fillRef idx="1">
-            <a:schemeClr val="accent1"/>
-          </a:fillRef>
-          <a:effectRef idx="0">
-            <a:schemeClr val="accent1"/>
-          </a:effectRef>
-          <a:fontRef idx="minor">
-            <a:schemeClr val="lt1"/>
-          </a:fontRef>
-        </p:style>
-        <p:txBody>
-          <a:bodyPr rtlCol="0" anchor="ctr"/>
-          <a:lstStyle/>
-          <a:p>
-            <a:pPr marL="0" marR="0" lvl="0" indent="0" algn="ctr" defTabSz="457200" rtl="0" eaLnBrk="1" fontAlgn="auto" latinLnBrk="0" hangingPunct="1">
-              <a:lnSpc>
-                <a:spcPct val="100000"/>
-              </a:lnSpc>
-              <a:spcBef>
-                <a:spcPts val="0"/>
-              </a:spcBef>
-              <a:spcAft>
-                <a:spcPts val="0"/>
-              </a:spcAft>
-              <a:buClrTx/>
-              <a:buSzTx/>
-              <a:buFontTx/>
-              <a:buNone/>
-              <a:tabLst/>
-              <a:defRPr/>
-            </a:pPr>
-            <a:r>
-              <a:rPr kumimoji="0" lang="es-MX" sz="1800" b="0" i="0" u="none" strike="noStrike" kern="1200" cap="none" spc="0" normalizeH="0" baseline="0" noProof="0" dirty="0">
-                <a:ln>
-                  <a:noFill/>
-                </a:ln>
-                <a:solidFill>
-                  <a:prstClr val="white"/>
-                </a:solidFill>
-                <a:effectLst/>
-                <a:uLnTx/>
-                <a:uFillTx/>
-                <a:latin typeface="Corbel" panose="020B0503020204020204"/>
-                <a:ea typeface="+mn-ea"/>
-                <a:cs typeface="+mn-cs"/>
-              </a:rPr>
-              <a:t>Índice de accesibilidad a la educación</a:t>
-            </a:r>
-          </a:p>
-        </p:txBody>
-      </p:sp>
-      <p:sp>
-        <p:nvSpPr>
-          <p:cNvPr id="5" name="Elipse 4">
-            <a:extLst>
-              <a:ext uri="{FF2B5EF4-FFF2-40B4-BE49-F238E27FC236}">
-                <a16:creationId xmlns:a16="http://schemas.microsoft.com/office/drawing/2014/main" id="{040F4DD5-CADB-4FE1-969B-0F108408A608}"/>
-              </a:ext>
-            </a:extLst>
-          </p:cNvPr>
-          <p:cNvSpPr/>
-          <p:nvPr/>
-        </p:nvSpPr>
-        <p:spPr>
-          <a:xfrm>
-            <a:off x="4577868" y="1434167"/>
-            <a:ext cx="2041046" cy="1211386"/>
-          </a:xfrm>
-          <a:prstGeom prst="ellipse">
-            <a:avLst/>
-          </a:prstGeom>
-        </p:spPr>
-        <p:style>
-          <a:lnRef idx="2">
-            <a:schemeClr val="accent1">
-              <a:shade val="50000"/>
-            </a:schemeClr>
-          </a:lnRef>
-          <a:fillRef idx="1">
-            <a:schemeClr val="accent1"/>
-          </a:fillRef>
-          <a:effectRef idx="0">
-            <a:schemeClr val="accent1"/>
-          </a:effectRef>
-          <a:fontRef idx="minor">
-            <a:schemeClr val="lt1"/>
-          </a:fontRef>
-        </p:style>
-        <p:txBody>
-          <a:bodyPr rtlCol="0" anchor="ctr"/>
-          <a:lstStyle/>
-          <a:p>
-            <a:pPr marL="0" marR="0" lvl="0" indent="0" algn="ctr" defTabSz="457200" rtl="0" eaLnBrk="1" fontAlgn="auto" latinLnBrk="0" hangingPunct="1">
-              <a:lnSpc>
-                <a:spcPct val="100000"/>
-              </a:lnSpc>
-              <a:spcBef>
-                <a:spcPts val="0"/>
-              </a:spcBef>
-              <a:spcAft>
-                <a:spcPts val="0"/>
-              </a:spcAft>
-              <a:buClrTx/>
-              <a:buSzTx/>
-              <a:buFontTx/>
-              <a:buNone/>
-              <a:tabLst/>
-              <a:defRPr/>
-            </a:pPr>
-            <a:r>
-              <a:rPr kumimoji="0" lang="es-MX" sz="1400" b="0" i="0" u="none" strike="noStrike" kern="1200" cap="none" spc="0" normalizeH="0" baseline="0" noProof="0" dirty="0">
-                <a:ln>
-                  <a:noFill/>
-                </a:ln>
-                <a:solidFill>
-                  <a:prstClr val="white"/>
-                </a:solidFill>
-                <a:effectLst/>
-                <a:uLnTx/>
-                <a:uFillTx/>
-                <a:latin typeface="Corbel" panose="020B0503020204020204"/>
-                <a:ea typeface="+mn-ea"/>
-                <a:cs typeface="+mn-cs"/>
-              </a:rPr>
-              <a:t>¿Asiste actualmente a la educación formal?</a:t>
-            </a:r>
-          </a:p>
-        </p:txBody>
-      </p:sp>
-      <p:sp>
-        <p:nvSpPr>
-          <p:cNvPr id="6" name="Elipse 5">
-            <a:extLst>
-              <a:ext uri="{FF2B5EF4-FFF2-40B4-BE49-F238E27FC236}">
-                <a16:creationId xmlns:a16="http://schemas.microsoft.com/office/drawing/2014/main" id="{0BF3179E-2F79-4A3E-ABDF-C59B1F7485B2}"/>
-              </a:ext>
-            </a:extLst>
-          </p:cNvPr>
-          <p:cNvSpPr/>
-          <p:nvPr/>
-        </p:nvSpPr>
-        <p:spPr>
-          <a:xfrm>
-            <a:off x="5892436" y="2547980"/>
-            <a:ext cx="1691212" cy="1211386"/>
-          </a:xfrm>
-          <a:prstGeom prst="ellipse">
-            <a:avLst/>
-          </a:prstGeom>
-        </p:spPr>
-        <p:style>
-          <a:lnRef idx="2">
-            <a:schemeClr val="accent1">
-              <a:shade val="50000"/>
-            </a:schemeClr>
-          </a:lnRef>
-          <a:fillRef idx="1">
-            <a:schemeClr val="accent1"/>
-          </a:fillRef>
-          <a:effectRef idx="0">
-            <a:schemeClr val="accent1"/>
-          </a:effectRef>
-          <a:fontRef idx="minor">
-            <a:schemeClr val="lt1"/>
-          </a:fontRef>
-        </p:style>
-        <p:txBody>
-          <a:bodyPr rtlCol="0" anchor="ctr"/>
-          <a:lstStyle/>
-          <a:p>
-            <a:pPr marL="0" marR="0" lvl="0" indent="0" algn="ctr" defTabSz="457200" rtl="0" eaLnBrk="1" fontAlgn="auto" latinLnBrk="0" hangingPunct="1">
-              <a:lnSpc>
-                <a:spcPct val="100000"/>
-              </a:lnSpc>
-              <a:spcBef>
-                <a:spcPts val="0"/>
-              </a:spcBef>
-              <a:spcAft>
-                <a:spcPts val="0"/>
-              </a:spcAft>
-              <a:buClrTx/>
-              <a:buSzTx/>
-              <a:buFontTx/>
-              <a:buNone/>
-              <a:tabLst/>
-              <a:defRPr/>
-            </a:pPr>
-            <a:r>
-              <a:rPr kumimoji="0" lang="es-MX" sz="1400" b="0" i="0" u="none" strike="noStrike" kern="1200" cap="none" spc="0" normalizeH="0" baseline="0" noProof="0" dirty="0">
-                <a:ln>
-                  <a:noFill/>
-                </a:ln>
-                <a:solidFill>
-                  <a:prstClr val="white"/>
-                </a:solidFill>
-                <a:effectLst/>
-                <a:uLnTx/>
-                <a:uFillTx/>
-                <a:latin typeface="Corbel" panose="020B0503020204020204"/>
-                <a:ea typeface="+mn-ea"/>
-                <a:cs typeface="+mn-cs"/>
-              </a:rPr>
-              <a:t>Curso o año más alto aprobado</a:t>
-            </a:r>
-          </a:p>
-        </p:txBody>
-      </p:sp>
-      <p:sp>
-        <p:nvSpPr>
-          <p:cNvPr id="7" name="Elipse 6">
-            <a:extLst>
-              <a:ext uri="{FF2B5EF4-FFF2-40B4-BE49-F238E27FC236}">
-                <a16:creationId xmlns:a16="http://schemas.microsoft.com/office/drawing/2014/main" id="{D04D739B-AC5C-4028-AC54-FF929D25D064}"/>
-              </a:ext>
-            </a:extLst>
-          </p:cNvPr>
-          <p:cNvSpPr/>
-          <p:nvPr/>
-        </p:nvSpPr>
-        <p:spPr>
-          <a:xfrm>
-            <a:off x="5988538" y="3814802"/>
-            <a:ext cx="1818007" cy="1211386"/>
-          </a:xfrm>
-          <a:prstGeom prst="ellipse">
-            <a:avLst/>
-          </a:prstGeom>
-        </p:spPr>
-        <p:style>
-          <a:lnRef idx="2">
-            <a:schemeClr val="accent1">
-              <a:shade val="50000"/>
-            </a:schemeClr>
-          </a:lnRef>
-          <a:fillRef idx="1">
-            <a:schemeClr val="accent1"/>
-          </a:fillRef>
-          <a:effectRef idx="0">
-            <a:schemeClr val="accent1"/>
-          </a:effectRef>
-          <a:fontRef idx="minor">
-            <a:schemeClr val="lt1"/>
-          </a:fontRef>
-        </p:style>
-        <p:txBody>
-          <a:bodyPr rtlCol="0" anchor="ctr"/>
-          <a:lstStyle/>
-          <a:p>
-            <a:pPr marL="0" marR="0" lvl="0" indent="0" algn="ctr" defTabSz="457200" rtl="0" eaLnBrk="1" fontAlgn="auto" latinLnBrk="0" hangingPunct="1">
-              <a:lnSpc>
-                <a:spcPct val="100000"/>
-              </a:lnSpc>
-              <a:spcBef>
-                <a:spcPts val="0"/>
-              </a:spcBef>
-              <a:spcAft>
-                <a:spcPts val="0"/>
-              </a:spcAft>
-              <a:buClrTx/>
-              <a:buSzTx/>
-              <a:buFontTx/>
-              <a:buNone/>
-              <a:tabLst/>
-              <a:defRPr/>
-            </a:pPr>
-            <a:r>
-              <a:rPr kumimoji="0" lang="es-MX" sz="1400" b="0" i="0" u="none" strike="noStrike" kern="1200" cap="none" spc="0" normalizeH="0" baseline="0" noProof="0" dirty="0">
-                <a:ln>
-                  <a:noFill/>
-                </a:ln>
-                <a:solidFill>
-                  <a:prstClr val="white"/>
-                </a:solidFill>
-                <a:effectLst/>
-                <a:uLnTx/>
-                <a:uFillTx/>
-                <a:latin typeface="Corbel" panose="020B0503020204020204"/>
-                <a:ea typeface="+mn-ea"/>
-                <a:cs typeface="+mn-cs"/>
-              </a:rPr>
-              <a:t>Nivel del curso más alto aprobado</a:t>
-            </a:r>
-          </a:p>
-        </p:txBody>
-      </p:sp>
-      <p:sp>
-        <p:nvSpPr>
-          <p:cNvPr id="8" name="Elipse 7">
-            <a:extLst>
-              <a:ext uri="{FF2B5EF4-FFF2-40B4-BE49-F238E27FC236}">
-                <a16:creationId xmlns:a16="http://schemas.microsoft.com/office/drawing/2014/main" id="{F7421560-B65E-41A2-BAB4-EEC2D7E6EBD2}"/>
-              </a:ext>
-            </a:extLst>
-          </p:cNvPr>
-          <p:cNvSpPr/>
-          <p:nvPr/>
-        </p:nvSpPr>
-        <p:spPr>
-          <a:xfrm>
-            <a:off x="4577868" y="4861179"/>
-            <a:ext cx="2041046" cy="1211386"/>
-          </a:xfrm>
-          <a:prstGeom prst="ellipse">
-            <a:avLst/>
-          </a:prstGeom>
-        </p:spPr>
-        <p:style>
-          <a:lnRef idx="2">
-            <a:schemeClr val="accent1">
-              <a:shade val="50000"/>
-            </a:schemeClr>
-          </a:lnRef>
-          <a:fillRef idx="1">
-            <a:schemeClr val="accent1"/>
-          </a:fillRef>
-          <a:effectRef idx="0">
-            <a:schemeClr val="accent1"/>
-          </a:effectRef>
-          <a:fontRef idx="minor">
-            <a:schemeClr val="lt1"/>
-          </a:fontRef>
-        </p:style>
-        <p:txBody>
-          <a:bodyPr rtlCol="0" anchor="ctr"/>
-          <a:lstStyle/>
-          <a:p>
-            <a:pPr marL="0" marR="0" lvl="0" indent="0" algn="ctr" defTabSz="457200" rtl="0" eaLnBrk="1" fontAlgn="auto" latinLnBrk="0" hangingPunct="1">
-              <a:lnSpc>
-                <a:spcPct val="100000"/>
-              </a:lnSpc>
-              <a:spcBef>
-                <a:spcPts val="0"/>
-              </a:spcBef>
-              <a:spcAft>
-                <a:spcPts val="0"/>
-              </a:spcAft>
-              <a:buClrTx/>
-              <a:buSzTx/>
-              <a:buFontTx/>
-              <a:buNone/>
-              <a:tabLst/>
-              <a:defRPr/>
-            </a:pPr>
-            <a:r>
-              <a:rPr kumimoji="0" lang="es-HN" sz="1800" b="0" i="0" u="none" strike="noStrike" kern="1200" cap="none" spc="0" normalizeH="0" baseline="0" noProof="0" dirty="0">
-                <a:ln>
-                  <a:noFill/>
-                </a:ln>
-                <a:solidFill>
-                  <a:prstClr val="white"/>
-                </a:solidFill>
-                <a:effectLst/>
-                <a:uLnTx/>
-                <a:uFillTx/>
-                <a:latin typeface="Corbel" panose="020B0503020204020204"/>
-                <a:ea typeface="+mn-ea"/>
-                <a:cs typeface="+mn-cs"/>
-              </a:rPr>
-              <a:t>Completó el nivel especificado</a:t>
-            </a:r>
-            <a:endParaRPr kumimoji="0" lang="es-MX" sz="1800" b="0" i="0" u="none" strike="noStrike" kern="1200" cap="none" spc="0" normalizeH="0" baseline="0" noProof="0" dirty="0">
-              <a:ln>
-                <a:noFill/>
-              </a:ln>
-              <a:solidFill>
-                <a:prstClr val="white"/>
-              </a:solidFill>
-              <a:effectLst/>
-              <a:uLnTx/>
-              <a:uFillTx/>
-              <a:latin typeface="Corbel" panose="020B0503020204020204"/>
-              <a:ea typeface="+mn-ea"/>
-              <a:cs typeface="+mn-cs"/>
-            </a:endParaRPr>
-          </a:p>
-        </p:txBody>
-      </p:sp>
-      <p:cxnSp>
-        <p:nvCxnSpPr>
-          <p:cNvPr id="10" name="Conector recto de flecha 9">
-            <a:extLst>
-              <a:ext uri="{FF2B5EF4-FFF2-40B4-BE49-F238E27FC236}">
-                <a16:creationId xmlns:a16="http://schemas.microsoft.com/office/drawing/2014/main" id="{8B3AFD82-1A08-4FF9-8156-A6FDEED50138}"/>
-              </a:ext>
-            </a:extLst>
-          </p:cNvPr>
-          <p:cNvCxnSpPr>
-            <a:cxnSpLocks/>
-          </p:cNvCxnSpPr>
-          <p:nvPr/>
-        </p:nvCxnSpPr>
-        <p:spPr>
-          <a:xfrm flipV="1">
-            <a:off x="2967908" y="2465784"/>
-            <a:ext cx="1775670" cy="575530"/>
-          </a:xfrm>
-          <a:prstGeom prst="straightConnector1">
-            <a:avLst/>
-          </a:prstGeom>
-          <a:ln>
-            <a:tailEnd type="triangle"/>
-          </a:ln>
-        </p:spPr>
-        <p:style>
-          <a:lnRef idx="1">
-            <a:schemeClr val="accent1"/>
-          </a:lnRef>
-          <a:fillRef idx="0">
-            <a:schemeClr val="accent1"/>
-          </a:fillRef>
-          <a:effectRef idx="0">
-            <a:schemeClr val="accent1"/>
-          </a:effectRef>
-          <a:fontRef idx="minor">
-            <a:schemeClr val="tx1"/>
-          </a:fontRef>
-        </p:style>
-      </p:cxnSp>
-      <p:cxnSp>
-        <p:nvCxnSpPr>
-          <p:cNvPr id="13" name="Conector recto de flecha 12">
-            <a:extLst>
-              <a:ext uri="{FF2B5EF4-FFF2-40B4-BE49-F238E27FC236}">
-                <a16:creationId xmlns:a16="http://schemas.microsoft.com/office/drawing/2014/main" id="{0EE83C32-7D60-4D90-8BF6-23DF904C243C}"/>
-              </a:ext>
-            </a:extLst>
-          </p:cNvPr>
-          <p:cNvCxnSpPr>
-            <a:cxnSpLocks/>
-          </p:cNvCxnSpPr>
-          <p:nvPr/>
-        </p:nvCxnSpPr>
-        <p:spPr>
-          <a:xfrm flipV="1">
-            <a:off x="3304744" y="3226535"/>
-            <a:ext cx="2546248" cy="483270"/>
-          </a:xfrm>
-          <a:prstGeom prst="straightConnector1">
-            <a:avLst/>
-          </a:prstGeom>
-          <a:ln>
-            <a:tailEnd type="triangle"/>
-          </a:ln>
-        </p:spPr>
-        <p:style>
-          <a:lnRef idx="1">
-            <a:schemeClr val="accent1"/>
-          </a:lnRef>
-          <a:fillRef idx="0">
-            <a:schemeClr val="accent1"/>
-          </a:fillRef>
-          <a:effectRef idx="0">
-            <a:schemeClr val="accent1"/>
-          </a:effectRef>
-          <a:fontRef idx="minor">
-            <a:schemeClr val="tx1"/>
-          </a:fontRef>
-        </p:style>
-      </p:cxnSp>
-      <p:cxnSp>
-        <p:nvCxnSpPr>
-          <p:cNvPr id="15" name="Conector recto de flecha 14">
-            <a:extLst>
-              <a:ext uri="{FF2B5EF4-FFF2-40B4-BE49-F238E27FC236}">
-                <a16:creationId xmlns:a16="http://schemas.microsoft.com/office/drawing/2014/main" id="{CC49F2D5-3227-4645-B26D-C90DBF561421}"/>
-              </a:ext>
-            </a:extLst>
-          </p:cNvPr>
-          <p:cNvCxnSpPr>
-            <a:cxnSpLocks/>
-          </p:cNvCxnSpPr>
-          <p:nvPr/>
-        </p:nvCxnSpPr>
-        <p:spPr>
-          <a:xfrm>
-            <a:off x="3304744" y="4012651"/>
-            <a:ext cx="2606433" cy="391318"/>
-          </a:xfrm>
-          <a:prstGeom prst="straightConnector1">
-            <a:avLst/>
-          </a:prstGeom>
-          <a:ln>
-            <a:tailEnd type="triangle"/>
-          </a:ln>
-        </p:spPr>
-        <p:style>
-          <a:lnRef idx="1">
-            <a:schemeClr val="accent1"/>
-          </a:lnRef>
-          <a:fillRef idx="0">
-            <a:schemeClr val="accent1"/>
-          </a:fillRef>
-          <a:effectRef idx="0">
-            <a:schemeClr val="accent1"/>
-          </a:effectRef>
-          <a:fontRef idx="minor">
-            <a:schemeClr val="tx1"/>
-          </a:fontRef>
-        </p:style>
-      </p:cxnSp>
-      <p:cxnSp>
-        <p:nvCxnSpPr>
-          <p:cNvPr id="17" name="Conector recto de flecha 16">
-            <a:extLst>
-              <a:ext uri="{FF2B5EF4-FFF2-40B4-BE49-F238E27FC236}">
-                <a16:creationId xmlns:a16="http://schemas.microsoft.com/office/drawing/2014/main" id="{F829694F-A290-4943-801D-4F3AECA10411}"/>
-              </a:ext>
-            </a:extLst>
-          </p:cNvPr>
-          <p:cNvCxnSpPr>
-            <a:cxnSpLocks/>
-          </p:cNvCxnSpPr>
-          <p:nvPr/>
-        </p:nvCxnSpPr>
-        <p:spPr>
-          <a:xfrm>
-            <a:off x="2985477" y="4657254"/>
-            <a:ext cx="1592391" cy="508166"/>
-          </a:xfrm>
-          <a:prstGeom prst="straightConnector1">
-            <a:avLst/>
-          </a:prstGeom>
-          <a:ln>
-            <a:tailEnd type="triangle"/>
-          </a:ln>
-        </p:spPr>
-        <p:style>
-          <a:lnRef idx="1">
-            <a:schemeClr val="accent1"/>
-          </a:lnRef>
-          <a:fillRef idx="0">
-            <a:schemeClr val="accent1"/>
-          </a:fillRef>
-          <a:effectRef idx="0">
-            <a:schemeClr val="accent1"/>
-          </a:effectRef>
-          <a:fontRef idx="minor">
-            <a:schemeClr val="tx1"/>
-          </a:fontRef>
-        </p:style>
-      </p:cxnSp>
+            <a:off x="1842594" y="1825625"/>
+            <a:ext cx="8789387" cy="4351338"/>
+          </a:xfrm>
+        </p:spPr>
+      </p:pic>
     </p:spTree>
     <p:extLst>
       <p:ext uri="{BB962C8B-B14F-4D97-AF65-F5344CB8AC3E}">
-        <p14:creationId xmlns:p14="http://schemas.microsoft.com/office/powerpoint/2010/main" val="1496997890"/>
+        <p14:creationId xmlns:p14="http://schemas.microsoft.com/office/powerpoint/2010/main" val="3842421502"/>
       </p:ext>
     </p:extLst>
   </p:cSld>
@@ -12594,7 +12576,7 @@
           <p:cNvPr id="2" name="Título 1">
             <a:extLst>
               <a:ext uri="{FF2B5EF4-FFF2-40B4-BE49-F238E27FC236}">
-                <a16:creationId xmlns:a16="http://schemas.microsoft.com/office/drawing/2014/main" id="{BE724B33-2887-4DD4-80EB-4C26E555222B}"/>
+                <a16:creationId xmlns:a16="http://schemas.microsoft.com/office/drawing/2014/main" id="{868B766E-2C2D-4D4A-AB68-08370C082C32}"/>
               </a:ext>
             </a:extLst>
           </p:cNvPr>
@@ -12607,577 +12589,46 @@
         </p:nvSpPr>
         <p:spPr/>
         <p:txBody>
-          <a:bodyPr>
-            <a:normAutofit/>
-          </a:bodyPr>
+          <a:bodyPr/>
           <a:lstStyle/>
           <a:p>
-            <a:pPr algn="ctr"/>
-            <a:r>
-              <a:rPr lang="es-MX" dirty="0"/>
-              <a:t>Índice de demografía</a:t>
-            </a:r>
-          </a:p>
-        </p:txBody>
-      </p:sp>
-      <p:sp>
-        <p:nvSpPr>
-          <p:cNvPr id="4" name="Elipse 3">
+            <a:endParaRPr lang="es-MX"/>
+          </a:p>
+        </p:txBody>
+      </p:sp>
+      <p:pic>
+        <p:nvPicPr>
+          <p:cNvPr id="5" name="Marcador de contenido 4">
             <a:extLst>
               <a:ext uri="{FF2B5EF4-FFF2-40B4-BE49-F238E27FC236}">
-                <a16:creationId xmlns:a16="http://schemas.microsoft.com/office/drawing/2014/main" id="{EAAB73CC-E24D-401D-B7F0-52F394212DEE}"/>
+                <a16:creationId xmlns:a16="http://schemas.microsoft.com/office/drawing/2014/main" id="{2015CA03-87BD-402C-AE37-613B8665CDA5}"/>
               </a:ext>
             </a:extLst>
           </p:cNvPr>
-          <p:cNvSpPr/>
-          <p:nvPr/>
-        </p:nvSpPr>
+          <p:cNvPicPr>
+            <a:picLocks noGrp="1" noChangeAspect="1"/>
+          </p:cNvPicPr>
+          <p:nvPr>
+            <p:ph idx="1"/>
+          </p:nvPr>
+        </p:nvPicPr>
+        <p:blipFill>
+          <a:blip r:embed="rId2"/>
+          <a:stretch>
+            <a:fillRect/>
+          </a:stretch>
+        </p:blipFill>
         <p:spPr>
           <a:xfrm>
-            <a:off x="969113" y="2645506"/>
-            <a:ext cx="2305539" cy="2305539"/>
-          </a:xfrm>
-          <a:prstGeom prst="ellipse">
-            <a:avLst/>
-          </a:prstGeom>
-        </p:spPr>
-        <p:style>
-          <a:lnRef idx="2">
-            <a:schemeClr val="accent1">
-              <a:shade val="50000"/>
-            </a:schemeClr>
-          </a:lnRef>
-          <a:fillRef idx="1">
-            <a:schemeClr val="accent1"/>
-          </a:fillRef>
-          <a:effectRef idx="0">
-            <a:schemeClr val="accent1"/>
-          </a:effectRef>
-          <a:fontRef idx="minor">
-            <a:schemeClr val="lt1"/>
-          </a:fontRef>
-        </p:style>
-        <p:txBody>
-          <a:bodyPr rtlCol="0" anchor="ctr"/>
-          <a:lstStyle/>
-          <a:p>
-            <a:pPr marL="0" marR="0" lvl="0" indent="0" algn="ctr" defTabSz="457200" rtl="0" eaLnBrk="1" fontAlgn="auto" latinLnBrk="0" hangingPunct="1">
-              <a:lnSpc>
-                <a:spcPct val="100000"/>
-              </a:lnSpc>
-              <a:spcBef>
-                <a:spcPts val="0"/>
-              </a:spcBef>
-              <a:spcAft>
-                <a:spcPts val="0"/>
-              </a:spcAft>
-              <a:buClrTx/>
-              <a:buSzTx/>
-              <a:buFontTx/>
-              <a:buNone/>
-              <a:tabLst/>
-              <a:defRPr/>
-            </a:pPr>
-            <a:r>
-              <a:rPr kumimoji="0" lang="es-MX" sz="1800" b="0" i="0" u="none" strike="noStrike" kern="1200" cap="none" spc="0" normalizeH="0" baseline="0" noProof="0" dirty="0">
-                <a:ln>
-                  <a:noFill/>
-                </a:ln>
-                <a:solidFill>
-                  <a:prstClr val="white"/>
-                </a:solidFill>
-                <a:effectLst/>
-                <a:uLnTx/>
-                <a:uFillTx/>
-                <a:latin typeface="Corbel" panose="020B0503020204020204"/>
-                <a:ea typeface="+mn-ea"/>
-                <a:cs typeface="+mn-cs"/>
-              </a:rPr>
-              <a:t>Índice de demografía</a:t>
-            </a:r>
-          </a:p>
-        </p:txBody>
-      </p:sp>
-      <p:sp>
-        <p:nvSpPr>
-          <p:cNvPr id="5" name="Elipse 4">
-            <a:extLst>
-              <a:ext uri="{FF2B5EF4-FFF2-40B4-BE49-F238E27FC236}">
-                <a16:creationId xmlns:a16="http://schemas.microsoft.com/office/drawing/2014/main" id="{040F4DD5-CADB-4FE1-969B-0F108408A608}"/>
-              </a:ext>
-            </a:extLst>
-          </p:cNvPr>
-          <p:cNvSpPr/>
-          <p:nvPr/>
-        </p:nvSpPr>
-        <p:spPr>
-          <a:xfrm>
-            <a:off x="4577868" y="1434167"/>
-            <a:ext cx="2041046" cy="1211386"/>
-          </a:xfrm>
-          <a:prstGeom prst="ellipse">
-            <a:avLst/>
-          </a:prstGeom>
-        </p:spPr>
-        <p:style>
-          <a:lnRef idx="2">
-            <a:schemeClr val="accent1">
-              <a:shade val="50000"/>
-            </a:schemeClr>
-          </a:lnRef>
-          <a:fillRef idx="1">
-            <a:schemeClr val="accent1"/>
-          </a:fillRef>
-          <a:effectRef idx="0">
-            <a:schemeClr val="accent1"/>
-          </a:effectRef>
-          <a:fontRef idx="minor">
-            <a:schemeClr val="lt1"/>
-          </a:fontRef>
-        </p:style>
-        <p:txBody>
-          <a:bodyPr rtlCol="0" anchor="ctr"/>
-          <a:lstStyle/>
-          <a:p>
-            <a:pPr marL="0" marR="0" lvl="0" indent="0" algn="ctr" defTabSz="457200" rtl="0" eaLnBrk="1" fontAlgn="auto" latinLnBrk="0" hangingPunct="1">
-              <a:lnSpc>
-                <a:spcPct val="100000"/>
-              </a:lnSpc>
-              <a:spcBef>
-                <a:spcPts val="0"/>
-              </a:spcBef>
-              <a:spcAft>
-                <a:spcPts val="0"/>
-              </a:spcAft>
-              <a:buClrTx/>
-              <a:buSzTx/>
-              <a:buFontTx/>
-              <a:buNone/>
-              <a:tabLst/>
-              <a:defRPr/>
-            </a:pPr>
-            <a:r>
-              <a:rPr kumimoji="0" lang="es-MX" sz="1400" b="0" i="0" u="none" strike="noStrike" kern="1200" cap="none" spc="0" normalizeH="0" baseline="0" noProof="0" dirty="0">
-                <a:ln>
-                  <a:noFill/>
-                </a:ln>
-                <a:solidFill>
-                  <a:prstClr val="white"/>
-                </a:solidFill>
-                <a:effectLst/>
-                <a:uLnTx/>
-                <a:uFillTx/>
-                <a:latin typeface="Corbel" panose="020B0503020204020204"/>
-                <a:ea typeface="+mn-ea"/>
-                <a:cs typeface="+mn-cs"/>
-              </a:rPr>
-              <a:t>Total hijos/as nacidos vivos</a:t>
-            </a:r>
-          </a:p>
-        </p:txBody>
-      </p:sp>
-      <p:sp>
-        <p:nvSpPr>
-          <p:cNvPr id="6" name="Elipse 5">
-            <a:extLst>
-              <a:ext uri="{FF2B5EF4-FFF2-40B4-BE49-F238E27FC236}">
-                <a16:creationId xmlns:a16="http://schemas.microsoft.com/office/drawing/2014/main" id="{0BF3179E-2F79-4A3E-ABDF-C59B1F7485B2}"/>
-              </a:ext>
-            </a:extLst>
-          </p:cNvPr>
-          <p:cNvSpPr/>
-          <p:nvPr/>
-        </p:nvSpPr>
-        <p:spPr>
-          <a:xfrm>
-            <a:off x="5892436" y="2547980"/>
-            <a:ext cx="1691212" cy="1211386"/>
-          </a:xfrm>
-          <a:prstGeom prst="ellipse">
-            <a:avLst/>
-          </a:prstGeom>
-        </p:spPr>
-        <p:style>
-          <a:lnRef idx="2">
-            <a:schemeClr val="accent1">
-              <a:shade val="50000"/>
-            </a:schemeClr>
-          </a:lnRef>
-          <a:fillRef idx="1">
-            <a:schemeClr val="accent1"/>
-          </a:fillRef>
-          <a:effectRef idx="0">
-            <a:schemeClr val="accent1"/>
-          </a:effectRef>
-          <a:fontRef idx="minor">
-            <a:schemeClr val="lt1"/>
-          </a:fontRef>
-        </p:style>
-        <p:txBody>
-          <a:bodyPr rtlCol="0" anchor="ctr"/>
-          <a:lstStyle/>
-          <a:p>
-            <a:pPr marL="0" marR="0" lvl="0" indent="0" algn="ctr" defTabSz="457200" rtl="0" eaLnBrk="1" fontAlgn="auto" latinLnBrk="0" hangingPunct="1">
-              <a:lnSpc>
-                <a:spcPct val="100000"/>
-              </a:lnSpc>
-              <a:spcBef>
-                <a:spcPts val="0"/>
-              </a:spcBef>
-              <a:spcAft>
-                <a:spcPts val="0"/>
-              </a:spcAft>
-              <a:buClrTx/>
-              <a:buSzTx/>
-              <a:buFontTx/>
-              <a:buNone/>
-              <a:tabLst/>
-              <a:defRPr/>
-            </a:pPr>
-            <a:r>
-              <a:rPr kumimoji="0" lang="es-MX" sz="1400" b="0" i="0" u="none" strike="noStrike" kern="1200" cap="none" spc="0" normalizeH="0" baseline="0" noProof="0" dirty="0">
-                <a:ln>
-                  <a:noFill/>
-                </a:ln>
-                <a:solidFill>
-                  <a:prstClr val="white"/>
-                </a:solidFill>
-                <a:effectLst/>
-                <a:uLnTx/>
-                <a:uFillTx/>
-                <a:latin typeface="Corbel" panose="020B0503020204020204"/>
-                <a:ea typeface="+mn-ea"/>
-                <a:cs typeface="+mn-cs"/>
-              </a:rPr>
-              <a:t>Total hijos/as actualmente vivos</a:t>
-            </a:r>
-          </a:p>
-        </p:txBody>
-      </p:sp>
-      <p:sp>
-        <p:nvSpPr>
-          <p:cNvPr id="7" name="Elipse 6">
-            <a:extLst>
-              <a:ext uri="{FF2B5EF4-FFF2-40B4-BE49-F238E27FC236}">
-                <a16:creationId xmlns:a16="http://schemas.microsoft.com/office/drawing/2014/main" id="{D04D739B-AC5C-4028-AC54-FF929D25D064}"/>
-              </a:ext>
-            </a:extLst>
-          </p:cNvPr>
-          <p:cNvSpPr/>
-          <p:nvPr/>
-        </p:nvSpPr>
-        <p:spPr>
-          <a:xfrm>
-            <a:off x="5988538" y="3814802"/>
-            <a:ext cx="1818007" cy="1211386"/>
-          </a:xfrm>
-          <a:prstGeom prst="ellipse">
-            <a:avLst/>
-          </a:prstGeom>
-        </p:spPr>
-        <p:style>
-          <a:lnRef idx="2">
-            <a:schemeClr val="accent1">
-              <a:shade val="50000"/>
-            </a:schemeClr>
-          </a:lnRef>
-          <a:fillRef idx="1">
-            <a:schemeClr val="accent1"/>
-          </a:fillRef>
-          <a:effectRef idx="0">
-            <a:schemeClr val="accent1"/>
-          </a:effectRef>
-          <a:fontRef idx="minor">
-            <a:schemeClr val="lt1"/>
-          </a:fontRef>
-        </p:style>
-        <p:txBody>
-          <a:bodyPr rtlCol="0" anchor="ctr"/>
-          <a:lstStyle/>
-          <a:p>
-            <a:pPr marL="0" marR="0" lvl="0" indent="0" algn="ctr" defTabSz="457200" rtl="0" eaLnBrk="1" fontAlgn="auto" latinLnBrk="0" hangingPunct="1">
-              <a:lnSpc>
-                <a:spcPct val="100000"/>
-              </a:lnSpc>
-              <a:spcBef>
-                <a:spcPts val="0"/>
-              </a:spcBef>
-              <a:spcAft>
-                <a:spcPts val="0"/>
-              </a:spcAft>
-              <a:buClrTx/>
-              <a:buSzTx/>
-              <a:buFontTx/>
-              <a:buNone/>
-              <a:tabLst/>
-              <a:defRPr/>
-            </a:pPr>
-            <a:r>
-              <a:rPr kumimoji="0" lang="es-MX" sz="1400" b="0" i="0" u="none" strike="noStrike" kern="1200" cap="none" spc="0" normalizeH="0" baseline="0" noProof="0" dirty="0">
-                <a:ln>
-                  <a:noFill/>
-                </a:ln>
-                <a:solidFill>
-                  <a:prstClr val="white"/>
-                </a:solidFill>
-                <a:effectLst/>
-                <a:uLnTx/>
-                <a:uFillTx/>
-                <a:latin typeface="Corbel" panose="020B0503020204020204"/>
-                <a:ea typeface="+mn-ea"/>
-                <a:cs typeface="+mn-cs"/>
-              </a:rPr>
-              <a:t>Mes de nacimiento del último/a hijo/a</a:t>
-            </a:r>
-          </a:p>
-        </p:txBody>
-      </p:sp>
-      <p:sp>
-        <p:nvSpPr>
-          <p:cNvPr id="8" name="Elipse 7">
-            <a:extLst>
-              <a:ext uri="{FF2B5EF4-FFF2-40B4-BE49-F238E27FC236}">
-                <a16:creationId xmlns:a16="http://schemas.microsoft.com/office/drawing/2014/main" id="{F7421560-B65E-41A2-BAB4-EEC2D7E6EBD2}"/>
-              </a:ext>
-            </a:extLst>
-          </p:cNvPr>
-          <p:cNvSpPr/>
-          <p:nvPr/>
-        </p:nvSpPr>
-        <p:spPr>
-          <a:xfrm>
-            <a:off x="4577868" y="4861179"/>
-            <a:ext cx="2041046" cy="1211386"/>
-          </a:xfrm>
-          <a:prstGeom prst="ellipse">
-            <a:avLst/>
-          </a:prstGeom>
-        </p:spPr>
-        <p:style>
-          <a:lnRef idx="2">
-            <a:schemeClr val="accent1">
-              <a:shade val="50000"/>
-            </a:schemeClr>
-          </a:lnRef>
-          <a:fillRef idx="1">
-            <a:schemeClr val="accent1"/>
-          </a:fillRef>
-          <a:effectRef idx="0">
-            <a:schemeClr val="accent1"/>
-          </a:effectRef>
-          <a:fontRef idx="minor">
-            <a:schemeClr val="lt1"/>
-          </a:fontRef>
-        </p:style>
-        <p:txBody>
-          <a:bodyPr rtlCol="0" anchor="ctr"/>
-          <a:lstStyle/>
-          <a:p>
-            <a:pPr marL="0" marR="0" lvl="0" indent="0" algn="ctr" defTabSz="457200" rtl="0" eaLnBrk="1" fontAlgn="auto" latinLnBrk="0" hangingPunct="1">
-              <a:lnSpc>
-                <a:spcPct val="100000"/>
-              </a:lnSpc>
-              <a:spcBef>
-                <a:spcPts val="0"/>
-              </a:spcBef>
-              <a:spcAft>
-                <a:spcPts val="0"/>
-              </a:spcAft>
-              <a:buClrTx/>
-              <a:buSzTx/>
-              <a:buFontTx/>
-              <a:buNone/>
-              <a:tabLst/>
-              <a:defRPr/>
-            </a:pPr>
-            <a:r>
-              <a:rPr kumimoji="0" lang="es-MX" sz="1800" b="0" i="0" u="none" strike="noStrike" kern="1200" cap="none" spc="0" normalizeH="0" baseline="0" noProof="0" dirty="0">
-                <a:ln>
-                  <a:noFill/>
-                </a:ln>
-                <a:solidFill>
-                  <a:prstClr val="white"/>
-                </a:solidFill>
-                <a:effectLst/>
-                <a:uLnTx/>
-                <a:uFillTx/>
-                <a:latin typeface="Corbel" panose="020B0503020204020204"/>
-                <a:ea typeface="+mn-ea"/>
-                <a:cs typeface="+mn-cs"/>
-              </a:rPr>
-              <a:t>Año de nacimiento del último/a hijo/a</a:t>
-            </a:r>
-          </a:p>
-        </p:txBody>
-      </p:sp>
-      <p:cxnSp>
-        <p:nvCxnSpPr>
-          <p:cNvPr id="10" name="Conector recto de flecha 9">
-            <a:extLst>
-              <a:ext uri="{FF2B5EF4-FFF2-40B4-BE49-F238E27FC236}">
-                <a16:creationId xmlns:a16="http://schemas.microsoft.com/office/drawing/2014/main" id="{8B3AFD82-1A08-4FF9-8156-A6FDEED50138}"/>
-              </a:ext>
-            </a:extLst>
-          </p:cNvPr>
-          <p:cNvCxnSpPr>
-            <a:cxnSpLocks/>
-          </p:cNvCxnSpPr>
-          <p:nvPr/>
-        </p:nvCxnSpPr>
-        <p:spPr>
-          <a:xfrm flipV="1">
-            <a:off x="2967908" y="2465784"/>
-            <a:ext cx="1775670" cy="575530"/>
-          </a:xfrm>
-          <a:prstGeom prst="straightConnector1">
-            <a:avLst/>
-          </a:prstGeom>
-          <a:ln>
-            <a:tailEnd type="triangle"/>
-          </a:ln>
-        </p:spPr>
-        <p:style>
-          <a:lnRef idx="1">
-            <a:schemeClr val="accent1"/>
-          </a:lnRef>
-          <a:fillRef idx="0">
-            <a:schemeClr val="accent1"/>
-          </a:fillRef>
-          <a:effectRef idx="0">
-            <a:schemeClr val="accent1"/>
-          </a:effectRef>
-          <a:fontRef idx="minor">
-            <a:schemeClr val="tx1"/>
-          </a:fontRef>
-        </p:style>
-      </p:cxnSp>
-      <p:cxnSp>
-        <p:nvCxnSpPr>
-          <p:cNvPr id="13" name="Conector recto de flecha 12">
-            <a:extLst>
-              <a:ext uri="{FF2B5EF4-FFF2-40B4-BE49-F238E27FC236}">
-                <a16:creationId xmlns:a16="http://schemas.microsoft.com/office/drawing/2014/main" id="{0EE83C32-7D60-4D90-8BF6-23DF904C243C}"/>
-              </a:ext>
-            </a:extLst>
-          </p:cNvPr>
-          <p:cNvCxnSpPr>
-            <a:cxnSpLocks/>
-          </p:cNvCxnSpPr>
-          <p:nvPr/>
-        </p:nvCxnSpPr>
-        <p:spPr>
-          <a:xfrm flipV="1">
-            <a:off x="3304744" y="3226535"/>
-            <a:ext cx="2546248" cy="483270"/>
-          </a:xfrm>
-          <a:prstGeom prst="straightConnector1">
-            <a:avLst/>
-          </a:prstGeom>
-          <a:ln>
-            <a:tailEnd type="triangle"/>
-          </a:ln>
-        </p:spPr>
-        <p:style>
-          <a:lnRef idx="1">
-            <a:schemeClr val="accent1"/>
-          </a:lnRef>
-          <a:fillRef idx="0">
-            <a:schemeClr val="accent1"/>
-          </a:fillRef>
-          <a:effectRef idx="0">
-            <a:schemeClr val="accent1"/>
-          </a:effectRef>
-          <a:fontRef idx="minor">
-            <a:schemeClr val="tx1"/>
-          </a:fontRef>
-        </p:style>
-      </p:cxnSp>
-      <p:cxnSp>
-        <p:nvCxnSpPr>
-          <p:cNvPr id="15" name="Conector recto de flecha 14">
-            <a:extLst>
-              <a:ext uri="{FF2B5EF4-FFF2-40B4-BE49-F238E27FC236}">
-                <a16:creationId xmlns:a16="http://schemas.microsoft.com/office/drawing/2014/main" id="{CC49F2D5-3227-4645-B26D-C90DBF561421}"/>
-              </a:ext>
-            </a:extLst>
-          </p:cNvPr>
-          <p:cNvCxnSpPr>
-            <a:cxnSpLocks/>
-          </p:cNvCxnSpPr>
-          <p:nvPr/>
-        </p:nvCxnSpPr>
-        <p:spPr>
-          <a:xfrm>
-            <a:off x="3304744" y="4012651"/>
-            <a:ext cx="2606433" cy="391318"/>
-          </a:xfrm>
-          <a:prstGeom prst="straightConnector1">
-            <a:avLst/>
-          </a:prstGeom>
-          <a:ln>
-            <a:tailEnd type="triangle"/>
-          </a:ln>
-        </p:spPr>
-        <p:style>
-          <a:lnRef idx="1">
-            <a:schemeClr val="accent1"/>
-          </a:lnRef>
-          <a:fillRef idx="0">
-            <a:schemeClr val="accent1"/>
-          </a:fillRef>
-          <a:effectRef idx="0">
-            <a:schemeClr val="accent1"/>
-          </a:effectRef>
-          <a:fontRef idx="minor">
-            <a:schemeClr val="tx1"/>
-          </a:fontRef>
-        </p:style>
-      </p:cxnSp>
-      <p:cxnSp>
-        <p:nvCxnSpPr>
-          <p:cNvPr id="17" name="Conector recto de flecha 16">
-            <a:extLst>
-              <a:ext uri="{FF2B5EF4-FFF2-40B4-BE49-F238E27FC236}">
-                <a16:creationId xmlns:a16="http://schemas.microsoft.com/office/drawing/2014/main" id="{F829694F-A290-4943-801D-4F3AECA10411}"/>
-              </a:ext>
-            </a:extLst>
-          </p:cNvPr>
-          <p:cNvCxnSpPr>
-            <a:cxnSpLocks/>
-          </p:cNvCxnSpPr>
-          <p:nvPr/>
-        </p:nvCxnSpPr>
-        <p:spPr>
-          <a:xfrm>
-            <a:off x="2985477" y="4657254"/>
-            <a:ext cx="1592391" cy="508166"/>
-          </a:xfrm>
-          <a:prstGeom prst="straightConnector1">
-            <a:avLst/>
-          </a:prstGeom>
-          <a:ln>
-            <a:tailEnd type="triangle"/>
-          </a:ln>
-        </p:spPr>
-        <p:style>
-          <a:lnRef idx="1">
-            <a:schemeClr val="accent1"/>
-          </a:lnRef>
-          <a:fillRef idx="0">
-            <a:schemeClr val="accent1"/>
-          </a:fillRef>
-          <a:effectRef idx="0">
-            <a:schemeClr val="accent1"/>
-          </a:effectRef>
-          <a:fontRef idx="minor">
-            <a:schemeClr val="tx1"/>
-          </a:fontRef>
-        </p:style>
-      </p:cxnSp>
+            <a:off x="2894012" y="1896269"/>
+            <a:ext cx="6686550" cy="4210050"/>
+          </a:xfrm>
+        </p:spPr>
+      </p:pic>
     </p:spTree>
     <p:extLst>
       <p:ext uri="{BB962C8B-B14F-4D97-AF65-F5344CB8AC3E}">
-        <p14:creationId xmlns:p14="http://schemas.microsoft.com/office/powerpoint/2010/main" val="2191476218"/>
+        <p14:creationId xmlns:p14="http://schemas.microsoft.com/office/powerpoint/2010/main" val="682101906"/>
       </p:ext>
     </p:extLst>
   </p:cSld>
@@ -13222,15 +12673,13 @@
         </p:nvSpPr>
         <p:spPr/>
         <p:txBody>
-          <a:bodyPr>
-            <a:normAutofit/>
-          </a:bodyPr>
+          <a:bodyPr/>
           <a:lstStyle/>
           <a:p>
             <a:pPr algn="ctr"/>
             <a:r>
               <a:rPr lang="es-MX" dirty="0"/>
-              <a:t>Índice de tipo de vivienda</a:t>
+              <a:t>Índice de bienestar en vivienda </a:t>
             </a:r>
           </a:p>
         </p:txBody>
@@ -13308,7 +12757,7 @@
                 <a:ea typeface="+mn-ea"/>
                 <a:cs typeface="+mn-cs"/>
               </a:rPr>
-              <a:t>Índice de tipo de vivienda</a:t>
+              <a:t>Índice de bienestar en vivienda </a:t>
             </a:r>
           </a:p>
         </p:txBody>
@@ -13386,7 +12835,7 @@
                 <a:ea typeface="+mn-ea"/>
                 <a:cs typeface="+mn-cs"/>
               </a:rPr>
-              <a:t>Número de piezas usadas exclusivamente como dormitorio</a:t>
+              <a:t>Carencia como pobreza referida a la vivienda</a:t>
             </a:r>
           </a:p>
         </p:txBody>
@@ -13450,7 +12899,7 @@
               <a:defRPr/>
             </a:pPr>
             <a:r>
-              <a:rPr kumimoji="0" lang="es-MX" sz="1400" b="0" i="0" u="none" strike="noStrike" kern="1200" cap="none" spc="0" normalizeH="0" baseline="0" noProof="0" dirty="0">
+              <a:rPr kumimoji="0" lang="es-MX" sz="1800" b="0" i="0" u="none" strike="noStrike" kern="1200" cap="none" spc="0" normalizeH="0" baseline="0" noProof="0" dirty="0">
                 <a:ln>
                   <a:noFill/>
                 </a:ln>
@@ -13464,7 +12913,7 @@
                 <a:ea typeface="+mn-ea"/>
                 <a:cs typeface="+mn-cs"/>
               </a:rPr>
-              <a:t>Cantidad de hogares</a:t>
+              <a:t>Calidad del techo</a:t>
             </a:r>
           </a:p>
         </p:txBody>
@@ -13484,7 +12933,7 @@
         <p:spPr>
           <a:xfrm>
             <a:off x="5988538" y="3814802"/>
-            <a:ext cx="1818007" cy="1211386"/>
+            <a:ext cx="1710553" cy="1211386"/>
           </a:xfrm>
           <a:prstGeom prst="ellipse">
             <a:avLst/>
@@ -13528,7 +12977,7 @@
               <a:defRPr/>
             </a:pPr>
             <a:r>
-              <a:rPr kumimoji="0" lang="es-MX" sz="1400" b="0" i="0" u="none" strike="noStrike" kern="1200" cap="none" spc="0" normalizeH="0" baseline="0" noProof="0" dirty="0">
+              <a:rPr kumimoji="0" lang="es-HN" sz="1800" b="0" i="0" u="none" strike="noStrike" kern="1200" cap="none" spc="0" normalizeH="0" baseline="0" noProof="0" dirty="0">
                 <a:ln>
                   <a:noFill/>
                 </a:ln>
@@ -13542,8 +12991,22 @@
                 <a:ea typeface="+mn-ea"/>
                 <a:cs typeface="+mn-cs"/>
               </a:rPr>
-              <a:t>Cantidad de personas</a:t>
-            </a:r>
+              <a:t>Calidad de paredes</a:t>
+            </a:r>
+            <a:endParaRPr kumimoji="0" lang="es-MX" sz="1800" b="0" i="0" u="none" strike="noStrike" kern="1200" cap="none" spc="0" normalizeH="0" baseline="0" noProof="0" dirty="0">
+              <a:ln>
+                <a:noFill/>
+              </a:ln>
+              <a:solidFill>
+                <a:prstClr val="white"/>
+              </a:solidFill>
+              <a:effectLst/>
+              <a:uLnTx/>
+              <a:uFillTx/>
+              <a:latin typeface="Corbel" panose="020B0503020204020204"/>
+              <a:ea typeface="+mn-ea"/>
+              <a:cs typeface="+mn-cs"/>
+            </a:endParaRPr>
           </a:p>
         </p:txBody>
       </p:sp>
@@ -13562,7 +13025,7 @@
         <p:spPr>
           <a:xfrm>
             <a:off x="4577868" y="4861179"/>
-            <a:ext cx="2041046" cy="1211386"/>
+            <a:ext cx="1818007" cy="1211386"/>
           </a:xfrm>
           <a:prstGeom prst="ellipse">
             <a:avLst/>
@@ -13606,7 +13069,7 @@
               <a:defRPr/>
             </a:pPr>
             <a:r>
-              <a:rPr kumimoji="0" lang="es-MX" sz="1800" b="0" i="0" u="none" strike="noStrike" kern="1200" cap="none" spc="0" normalizeH="0" baseline="0" noProof="0" dirty="0">
+              <a:rPr kumimoji="0" lang="es-HN" sz="1800" b="0" i="0" u="none" strike="noStrike" kern="1200" cap="none" spc="0" normalizeH="0" baseline="0" noProof="0" dirty="0">
                 <a:ln>
                   <a:noFill/>
                 </a:ln>
@@ -13620,8 +13083,22 @@
                 <a:ea typeface="+mn-ea"/>
                 <a:cs typeface="+mn-cs"/>
               </a:rPr>
-              <a:t>Año de nacimiento del último/a hijo/a</a:t>
-            </a:r>
+              <a:t>Tipo de piso</a:t>
+            </a:r>
+            <a:endParaRPr kumimoji="0" lang="es-MX" sz="1800" b="0" i="0" u="none" strike="noStrike" kern="1200" cap="none" spc="0" normalizeH="0" baseline="0" noProof="0" dirty="0">
+              <a:ln>
+                <a:noFill/>
+              </a:ln>
+              <a:solidFill>
+                <a:prstClr val="white"/>
+              </a:solidFill>
+              <a:effectLst/>
+              <a:uLnTx/>
+              <a:uFillTx/>
+              <a:latin typeface="Corbel" panose="020B0503020204020204"/>
+              <a:ea typeface="+mn-ea"/>
+              <a:cs typeface="+mn-cs"/>
+            </a:endParaRPr>
           </a:p>
         </p:txBody>
       </p:sp>
@@ -13792,7 +13269,1251 @@
     </p:spTree>
     <p:extLst>
       <p:ext uri="{BB962C8B-B14F-4D97-AF65-F5344CB8AC3E}">
-        <p14:creationId xmlns:p14="http://schemas.microsoft.com/office/powerpoint/2010/main" val="394846682"/>
+        <p14:creationId xmlns:p14="http://schemas.microsoft.com/office/powerpoint/2010/main" val="2573459024"/>
+      </p:ext>
+    </p:extLst>
+  </p:cSld>
+  <p:clrMapOvr>
+    <a:masterClrMapping/>
+  </p:clrMapOvr>
+</p:sld>
+</file>
+
+<file path=ppt/slides/slide28.xml><?xml version="1.0" encoding="utf-8"?>
+<p:sld xmlns:a="http://schemas.openxmlformats.org/drawingml/2006/main" xmlns:r="http://schemas.openxmlformats.org/officeDocument/2006/relationships" xmlns:p="http://schemas.openxmlformats.org/presentationml/2006/main">
+  <p:cSld>
+    <p:spTree>
+      <p:nvGrpSpPr>
+        <p:cNvPr id="1" name=""/>
+        <p:cNvGrpSpPr/>
+        <p:nvPr/>
+      </p:nvGrpSpPr>
+      <p:grpSpPr>
+        <a:xfrm>
+          <a:off x="0" y="0"/>
+          <a:ext cx="0" cy="0"/>
+          <a:chOff x="0" y="0"/>
+          <a:chExt cx="0" cy="0"/>
+        </a:xfrm>
+      </p:grpSpPr>
+      <p:sp>
+        <p:nvSpPr>
+          <p:cNvPr id="2" name="Título 1">
+            <a:extLst>
+              <a:ext uri="{FF2B5EF4-FFF2-40B4-BE49-F238E27FC236}">
+                <a16:creationId xmlns:a16="http://schemas.microsoft.com/office/drawing/2014/main" id="{BE724B33-2887-4DD4-80EB-4C26E555222B}"/>
+              </a:ext>
+            </a:extLst>
+          </p:cNvPr>
+          <p:cNvSpPr>
+            <a:spLocks noGrp="1"/>
+          </p:cNvSpPr>
+          <p:nvPr>
+            <p:ph type="title"/>
+          </p:nvPr>
+        </p:nvSpPr>
+        <p:spPr/>
+        <p:txBody>
+          <a:bodyPr>
+            <a:normAutofit fontScale="90000"/>
+          </a:bodyPr>
+          <a:lstStyle/>
+          <a:p>
+            <a:pPr algn="ctr"/>
+            <a:r>
+              <a:rPr lang="es-MX" dirty="0"/>
+              <a:t>Índice de accesibilidad a la educación</a:t>
+            </a:r>
+          </a:p>
+        </p:txBody>
+      </p:sp>
+      <p:sp>
+        <p:nvSpPr>
+          <p:cNvPr id="4" name="Elipse 3">
+            <a:extLst>
+              <a:ext uri="{FF2B5EF4-FFF2-40B4-BE49-F238E27FC236}">
+                <a16:creationId xmlns:a16="http://schemas.microsoft.com/office/drawing/2014/main" id="{EAAB73CC-E24D-401D-B7F0-52F394212DEE}"/>
+              </a:ext>
+            </a:extLst>
+          </p:cNvPr>
+          <p:cNvSpPr/>
+          <p:nvPr/>
+        </p:nvSpPr>
+        <p:spPr>
+          <a:xfrm>
+            <a:off x="969113" y="2645506"/>
+            <a:ext cx="2305539" cy="2305539"/>
+          </a:xfrm>
+          <a:prstGeom prst="ellipse">
+            <a:avLst/>
+          </a:prstGeom>
+        </p:spPr>
+        <p:style>
+          <a:lnRef idx="2">
+            <a:schemeClr val="accent1">
+              <a:shade val="50000"/>
+            </a:schemeClr>
+          </a:lnRef>
+          <a:fillRef idx="1">
+            <a:schemeClr val="accent1"/>
+          </a:fillRef>
+          <a:effectRef idx="0">
+            <a:schemeClr val="accent1"/>
+          </a:effectRef>
+          <a:fontRef idx="minor">
+            <a:schemeClr val="lt1"/>
+          </a:fontRef>
+        </p:style>
+        <p:txBody>
+          <a:bodyPr rtlCol="0" anchor="ctr"/>
+          <a:lstStyle/>
+          <a:p>
+            <a:pPr marL="0" marR="0" lvl="0" indent="0" algn="ctr" defTabSz="457200" rtl="0" eaLnBrk="1" fontAlgn="auto" latinLnBrk="0" hangingPunct="1">
+              <a:lnSpc>
+                <a:spcPct val="100000"/>
+              </a:lnSpc>
+              <a:spcBef>
+                <a:spcPts val="0"/>
+              </a:spcBef>
+              <a:spcAft>
+                <a:spcPts val="0"/>
+              </a:spcAft>
+              <a:buClrTx/>
+              <a:buSzTx/>
+              <a:buFontTx/>
+              <a:buNone/>
+              <a:tabLst/>
+              <a:defRPr/>
+            </a:pPr>
+            <a:r>
+              <a:rPr kumimoji="0" lang="es-MX" sz="1800" b="0" i="0" u="none" strike="noStrike" kern="1200" cap="none" spc="0" normalizeH="0" baseline="0" noProof="0" dirty="0">
+                <a:ln>
+                  <a:noFill/>
+                </a:ln>
+                <a:solidFill>
+                  <a:prstClr val="white"/>
+                </a:solidFill>
+                <a:effectLst/>
+                <a:uLnTx/>
+                <a:uFillTx/>
+                <a:latin typeface="Corbel" panose="020B0503020204020204"/>
+                <a:ea typeface="+mn-ea"/>
+                <a:cs typeface="+mn-cs"/>
+              </a:rPr>
+              <a:t>Índice de accesibilidad a la educación</a:t>
+            </a:r>
+          </a:p>
+        </p:txBody>
+      </p:sp>
+      <p:sp>
+        <p:nvSpPr>
+          <p:cNvPr id="5" name="Elipse 4">
+            <a:extLst>
+              <a:ext uri="{FF2B5EF4-FFF2-40B4-BE49-F238E27FC236}">
+                <a16:creationId xmlns:a16="http://schemas.microsoft.com/office/drawing/2014/main" id="{040F4DD5-CADB-4FE1-969B-0F108408A608}"/>
+              </a:ext>
+            </a:extLst>
+          </p:cNvPr>
+          <p:cNvSpPr/>
+          <p:nvPr/>
+        </p:nvSpPr>
+        <p:spPr>
+          <a:xfrm>
+            <a:off x="4577868" y="1434167"/>
+            <a:ext cx="2041046" cy="1211386"/>
+          </a:xfrm>
+          <a:prstGeom prst="ellipse">
+            <a:avLst/>
+          </a:prstGeom>
+        </p:spPr>
+        <p:style>
+          <a:lnRef idx="2">
+            <a:schemeClr val="accent1">
+              <a:shade val="50000"/>
+            </a:schemeClr>
+          </a:lnRef>
+          <a:fillRef idx="1">
+            <a:schemeClr val="accent1"/>
+          </a:fillRef>
+          <a:effectRef idx="0">
+            <a:schemeClr val="accent1"/>
+          </a:effectRef>
+          <a:fontRef idx="minor">
+            <a:schemeClr val="lt1"/>
+          </a:fontRef>
+        </p:style>
+        <p:txBody>
+          <a:bodyPr rtlCol="0" anchor="ctr"/>
+          <a:lstStyle/>
+          <a:p>
+            <a:pPr marL="0" marR="0" lvl="0" indent="0" algn="ctr" defTabSz="457200" rtl="0" eaLnBrk="1" fontAlgn="auto" latinLnBrk="0" hangingPunct="1">
+              <a:lnSpc>
+                <a:spcPct val="100000"/>
+              </a:lnSpc>
+              <a:spcBef>
+                <a:spcPts val="0"/>
+              </a:spcBef>
+              <a:spcAft>
+                <a:spcPts val="0"/>
+              </a:spcAft>
+              <a:buClrTx/>
+              <a:buSzTx/>
+              <a:buFontTx/>
+              <a:buNone/>
+              <a:tabLst/>
+              <a:defRPr/>
+            </a:pPr>
+            <a:r>
+              <a:rPr kumimoji="0" lang="es-MX" sz="1400" b="0" i="0" u="none" strike="noStrike" kern="1200" cap="none" spc="0" normalizeH="0" baseline="0" noProof="0" dirty="0">
+                <a:ln>
+                  <a:noFill/>
+                </a:ln>
+                <a:solidFill>
+                  <a:prstClr val="white"/>
+                </a:solidFill>
+                <a:effectLst/>
+                <a:uLnTx/>
+                <a:uFillTx/>
+                <a:latin typeface="Corbel" panose="020B0503020204020204"/>
+                <a:ea typeface="+mn-ea"/>
+                <a:cs typeface="+mn-cs"/>
+              </a:rPr>
+              <a:t>¿Asiste actualmente a la educación formal?</a:t>
+            </a:r>
+          </a:p>
+        </p:txBody>
+      </p:sp>
+      <p:sp>
+        <p:nvSpPr>
+          <p:cNvPr id="6" name="Elipse 5">
+            <a:extLst>
+              <a:ext uri="{FF2B5EF4-FFF2-40B4-BE49-F238E27FC236}">
+                <a16:creationId xmlns:a16="http://schemas.microsoft.com/office/drawing/2014/main" id="{0BF3179E-2F79-4A3E-ABDF-C59B1F7485B2}"/>
+              </a:ext>
+            </a:extLst>
+          </p:cNvPr>
+          <p:cNvSpPr/>
+          <p:nvPr/>
+        </p:nvSpPr>
+        <p:spPr>
+          <a:xfrm>
+            <a:off x="5892436" y="2547980"/>
+            <a:ext cx="1691212" cy="1211386"/>
+          </a:xfrm>
+          <a:prstGeom prst="ellipse">
+            <a:avLst/>
+          </a:prstGeom>
+        </p:spPr>
+        <p:style>
+          <a:lnRef idx="2">
+            <a:schemeClr val="accent1">
+              <a:shade val="50000"/>
+            </a:schemeClr>
+          </a:lnRef>
+          <a:fillRef idx="1">
+            <a:schemeClr val="accent1"/>
+          </a:fillRef>
+          <a:effectRef idx="0">
+            <a:schemeClr val="accent1"/>
+          </a:effectRef>
+          <a:fontRef idx="minor">
+            <a:schemeClr val="lt1"/>
+          </a:fontRef>
+        </p:style>
+        <p:txBody>
+          <a:bodyPr rtlCol="0" anchor="ctr"/>
+          <a:lstStyle/>
+          <a:p>
+            <a:pPr marL="0" marR="0" lvl="0" indent="0" algn="ctr" defTabSz="457200" rtl="0" eaLnBrk="1" fontAlgn="auto" latinLnBrk="0" hangingPunct="1">
+              <a:lnSpc>
+                <a:spcPct val="100000"/>
+              </a:lnSpc>
+              <a:spcBef>
+                <a:spcPts val="0"/>
+              </a:spcBef>
+              <a:spcAft>
+                <a:spcPts val="0"/>
+              </a:spcAft>
+              <a:buClrTx/>
+              <a:buSzTx/>
+              <a:buFontTx/>
+              <a:buNone/>
+              <a:tabLst/>
+              <a:defRPr/>
+            </a:pPr>
+            <a:r>
+              <a:rPr kumimoji="0" lang="es-MX" sz="1400" b="0" i="0" u="none" strike="noStrike" kern="1200" cap="none" spc="0" normalizeH="0" baseline="0" noProof="0" dirty="0">
+                <a:ln>
+                  <a:noFill/>
+                </a:ln>
+                <a:solidFill>
+                  <a:prstClr val="white"/>
+                </a:solidFill>
+                <a:effectLst/>
+                <a:uLnTx/>
+                <a:uFillTx/>
+                <a:latin typeface="Corbel" panose="020B0503020204020204"/>
+                <a:ea typeface="+mn-ea"/>
+                <a:cs typeface="+mn-cs"/>
+              </a:rPr>
+              <a:t>Curso o año más alto aprobado</a:t>
+            </a:r>
+          </a:p>
+        </p:txBody>
+      </p:sp>
+      <p:sp>
+        <p:nvSpPr>
+          <p:cNvPr id="7" name="Elipse 6">
+            <a:extLst>
+              <a:ext uri="{FF2B5EF4-FFF2-40B4-BE49-F238E27FC236}">
+                <a16:creationId xmlns:a16="http://schemas.microsoft.com/office/drawing/2014/main" id="{D04D739B-AC5C-4028-AC54-FF929D25D064}"/>
+              </a:ext>
+            </a:extLst>
+          </p:cNvPr>
+          <p:cNvSpPr/>
+          <p:nvPr/>
+        </p:nvSpPr>
+        <p:spPr>
+          <a:xfrm>
+            <a:off x="5988538" y="3814802"/>
+            <a:ext cx="1818007" cy="1211386"/>
+          </a:xfrm>
+          <a:prstGeom prst="ellipse">
+            <a:avLst/>
+          </a:prstGeom>
+        </p:spPr>
+        <p:style>
+          <a:lnRef idx="2">
+            <a:schemeClr val="accent1">
+              <a:shade val="50000"/>
+            </a:schemeClr>
+          </a:lnRef>
+          <a:fillRef idx="1">
+            <a:schemeClr val="accent1"/>
+          </a:fillRef>
+          <a:effectRef idx="0">
+            <a:schemeClr val="accent1"/>
+          </a:effectRef>
+          <a:fontRef idx="minor">
+            <a:schemeClr val="lt1"/>
+          </a:fontRef>
+        </p:style>
+        <p:txBody>
+          <a:bodyPr rtlCol="0" anchor="ctr"/>
+          <a:lstStyle/>
+          <a:p>
+            <a:pPr marL="0" marR="0" lvl="0" indent="0" algn="ctr" defTabSz="457200" rtl="0" eaLnBrk="1" fontAlgn="auto" latinLnBrk="0" hangingPunct="1">
+              <a:lnSpc>
+                <a:spcPct val="100000"/>
+              </a:lnSpc>
+              <a:spcBef>
+                <a:spcPts val="0"/>
+              </a:spcBef>
+              <a:spcAft>
+                <a:spcPts val="0"/>
+              </a:spcAft>
+              <a:buClrTx/>
+              <a:buSzTx/>
+              <a:buFontTx/>
+              <a:buNone/>
+              <a:tabLst/>
+              <a:defRPr/>
+            </a:pPr>
+            <a:r>
+              <a:rPr kumimoji="0" lang="es-MX" sz="1400" b="0" i="0" u="none" strike="noStrike" kern="1200" cap="none" spc="0" normalizeH="0" baseline="0" noProof="0" dirty="0">
+                <a:ln>
+                  <a:noFill/>
+                </a:ln>
+                <a:solidFill>
+                  <a:prstClr val="white"/>
+                </a:solidFill>
+                <a:effectLst/>
+                <a:uLnTx/>
+                <a:uFillTx/>
+                <a:latin typeface="Corbel" panose="020B0503020204020204"/>
+                <a:ea typeface="+mn-ea"/>
+                <a:cs typeface="+mn-cs"/>
+              </a:rPr>
+              <a:t>Nivel del curso más alto aprobado</a:t>
+            </a:r>
+          </a:p>
+        </p:txBody>
+      </p:sp>
+      <p:sp>
+        <p:nvSpPr>
+          <p:cNvPr id="8" name="Elipse 7">
+            <a:extLst>
+              <a:ext uri="{FF2B5EF4-FFF2-40B4-BE49-F238E27FC236}">
+                <a16:creationId xmlns:a16="http://schemas.microsoft.com/office/drawing/2014/main" id="{F7421560-B65E-41A2-BAB4-EEC2D7E6EBD2}"/>
+              </a:ext>
+            </a:extLst>
+          </p:cNvPr>
+          <p:cNvSpPr/>
+          <p:nvPr/>
+        </p:nvSpPr>
+        <p:spPr>
+          <a:xfrm>
+            <a:off x="4577868" y="4861179"/>
+            <a:ext cx="2041046" cy="1211386"/>
+          </a:xfrm>
+          <a:prstGeom prst="ellipse">
+            <a:avLst/>
+          </a:prstGeom>
+        </p:spPr>
+        <p:style>
+          <a:lnRef idx="2">
+            <a:schemeClr val="accent1">
+              <a:shade val="50000"/>
+            </a:schemeClr>
+          </a:lnRef>
+          <a:fillRef idx="1">
+            <a:schemeClr val="accent1"/>
+          </a:fillRef>
+          <a:effectRef idx="0">
+            <a:schemeClr val="accent1"/>
+          </a:effectRef>
+          <a:fontRef idx="minor">
+            <a:schemeClr val="lt1"/>
+          </a:fontRef>
+        </p:style>
+        <p:txBody>
+          <a:bodyPr rtlCol="0" anchor="ctr"/>
+          <a:lstStyle/>
+          <a:p>
+            <a:pPr marL="0" marR="0" lvl="0" indent="0" algn="ctr" defTabSz="457200" rtl="0" eaLnBrk="1" fontAlgn="auto" latinLnBrk="0" hangingPunct="1">
+              <a:lnSpc>
+                <a:spcPct val="100000"/>
+              </a:lnSpc>
+              <a:spcBef>
+                <a:spcPts val="0"/>
+              </a:spcBef>
+              <a:spcAft>
+                <a:spcPts val="0"/>
+              </a:spcAft>
+              <a:buClrTx/>
+              <a:buSzTx/>
+              <a:buFontTx/>
+              <a:buNone/>
+              <a:tabLst/>
+              <a:defRPr/>
+            </a:pPr>
+            <a:r>
+              <a:rPr kumimoji="0" lang="es-HN" sz="1800" b="0" i="0" u="none" strike="noStrike" kern="1200" cap="none" spc="0" normalizeH="0" baseline="0" noProof="0" dirty="0">
+                <a:ln>
+                  <a:noFill/>
+                </a:ln>
+                <a:solidFill>
+                  <a:prstClr val="white"/>
+                </a:solidFill>
+                <a:effectLst/>
+                <a:uLnTx/>
+                <a:uFillTx/>
+                <a:latin typeface="Corbel" panose="020B0503020204020204"/>
+                <a:ea typeface="+mn-ea"/>
+                <a:cs typeface="+mn-cs"/>
+              </a:rPr>
+              <a:t>Completó el nivel especificado</a:t>
+            </a:r>
+            <a:endParaRPr kumimoji="0" lang="es-MX" sz="1800" b="0" i="0" u="none" strike="noStrike" kern="1200" cap="none" spc="0" normalizeH="0" baseline="0" noProof="0" dirty="0">
+              <a:ln>
+                <a:noFill/>
+              </a:ln>
+              <a:solidFill>
+                <a:prstClr val="white"/>
+              </a:solidFill>
+              <a:effectLst/>
+              <a:uLnTx/>
+              <a:uFillTx/>
+              <a:latin typeface="Corbel" panose="020B0503020204020204"/>
+              <a:ea typeface="+mn-ea"/>
+              <a:cs typeface="+mn-cs"/>
+            </a:endParaRPr>
+          </a:p>
+        </p:txBody>
+      </p:sp>
+      <p:cxnSp>
+        <p:nvCxnSpPr>
+          <p:cNvPr id="10" name="Conector recto de flecha 9">
+            <a:extLst>
+              <a:ext uri="{FF2B5EF4-FFF2-40B4-BE49-F238E27FC236}">
+                <a16:creationId xmlns:a16="http://schemas.microsoft.com/office/drawing/2014/main" id="{8B3AFD82-1A08-4FF9-8156-A6FDEED50138}"/>
+              </a:ext>
+            </a:extLst>
+          </p:cNvPr>
+          <p:cNvCxnSpPr>
+            <a:cxnSpLocks/>
+          </p:cNvCxnSpPr>
+          <p:nvPr/>
+        </p:nvCxnSpPr>
+        <p:spPr>
+          <a:xfrm flipV="1">
+            <a:off x="2967908" y="2465784"/>
+            <a:ext cx="1775670" cy="575530"/>
+          </a:xfrm>
+          <a:prstGeom prst="straightConnector1">
+            <a:avLst/>
+          </a:prstGeom>
+          <a:ln>
+            <a:tailEnd type="triangle"/>
+          </a:ln>
+        </p:spPr>
+        <p:style>
+          <a:lnRef idx="1">
+            <a:schemeClr val="accent1"/>
+          </a:lnRef>
+          <a:fillRef idx="0">
+            <a:schemeClr val="accent1"/>
+          </a:fillRef>
+          <a:effectRef idx="0">
+            <a:schemeClr val="accent1"/>
+          </a:effectRef>
+          <a:fontRef idx="minor">
+            <a:schemeClr val="tx1"/>
+          </a:fontRef>
+        </p:style>
+      </p:cxnSp>
+      <p:cxnSp>
+        <p:nvCxnSpPr>
+          <p:cNvPr id="13" name="Conector recto de flecha 12">
+            <a:extLst>
+              <a:ext uri="{FF2B5EF4-FFF2-40B4-BE49-F238E27FC236}">
+                <a16:creationId xmlns:a16="http://schemas.microsoft.com/office/drawing/2014/main" id="{0EE83C32-7D60-4D90-8BF6-23DF904C243C}"/>
+              </a:ext>
+            </a:extLst>
+          </p:cNvPr>
+          <p:cNvCxnSpPr>
+            <a:cxnSpLocks/>
+          </p:cNvCxnSpPr>
+          <p:nvPr/>
+        </p:nvCxnSpPr>
+        <p:spPr>
+          <a:xfrm flipV="1">
+            <a:off x="3304744" y="3226535"/>
+            <a:ext cx="2546248" cy="483270"/>
+          </a:xfrm>
+          <a:prstGeom prst="straightConnector1">
+            <a:avLst/>
+          </a:prstGeom>
+          <a:ln>
+            <a:tailEnd type="triangle"/>
+          </a:ln>
+        </p:spPr>
+        <p:style>
+          <a:lnRef idx="1">
+            <a:schemeClr val="accent1"/>
+          </a:lnRef>
+          <a:fillRef idx="0">
+            <a:schemeClr val="accent1"/>
+          </a:fillRef>
+          <a:effectRef idx="0">
+            <a:schemeClr val="accent1"/>
+          </a:effectRef>
+          <a:fontRef idx="minor">
+            <a:schemeClr val="tx1"/>
+          </a:fontRef>
+        </p:style>
+      </p:cxnSp>
+      <p:cxnSp>
+        <p:nvCxnSpPr>
+          <p:cNvPr id="15" name="Conector recto de flecha 14">
+            <a:extLst>
+              <a:ext uri="{FF2B5EF4-FFF2-40B4-BE49-F238E27FC236}">
+                <a16:creationId xmlns:a16="http://schemas.microsoft.com/office/drawing/2014/main" id="{CC49F2D5-3227-4645-B26D-C90DBF561421}"/>
+              </a:ext>
+            </a:extLst>
+          </p:cNvPr>
+          <p:cNvCxnSpPr>
+            <a:cxnSpLocks/>
+          </p:cNvCxnSpPr>
+          <p:nvPr/>
+        </p:nvCxnSpPr>
+        <p:spPr>
+          <a:xfrm>
+            <a:off x="3304744" y="4012651"/>
+            <a:ext cx="2606433" cy="391318"/>
+          </a:xfrm>
+          <a:prstGeom prst="straightConnector1">
+            <a:avLst/>
+          </a:prstGeom>
+          <a:ln>
+            <a:tailEnd type="triangle"/>
+          </a:ln>
+        </p:spPr>
+        <p:style>
+          <a:lnRef idx="1">
+            <a:schemeClr val="accent1"/>
+          </a:lnRef>
+          <a:fillRef idx="0">
+            <a:schemeClr val="accent1"/>
+          </a:fillRef>
+          <a:effectRef idx="0">
+            <a:schemeClr val="accent1"/>
+          </a:effectRef>
+          <a:fontRef idx="minor">
+            <a:schemeClr val="tx1"/>
+          </a:fontRef>
+        </p:style>
+      </p:cxnSp>
+      <p:cxnSp>
+        <p:nvCxnSpPr>
+          <p:cNvPr id="17" name="Conector recto de flecha 16">
+            <a:extLst>
+              <a:ext uri="{FF2B5EF4-FFF2-40B4-BE49-F238E27FC236}">
+                <a16:creationId xmlns:a16="http://schemas.microsoft.com/office/drawing/2014/main" id="{F829694F-A290-4943-801D-4F3AECA10411}"/>
+              </a:ext>
+            </a:extLst>
+          </p:cNvPr>
+          <p:cNvCxnSpPr>
+            <a:cxnSpLocks/>
+          </p:cNvCxnSpPr>
+          <p:nvPr/>
+        </p:nvCxnSpPr>
+        <p:spPr>
+          <a:xfrm>
+            <a:off x="2985477" y="4657254"/>
+            <a:ext cx="1592391" cy="508166"/>
+          </a:xfrm>
+          <a:prstGeom prst="straightConnector1">
+            <a:avLst/>
+          </a:prstGeom>
+          <a:ln>
+            <a:tailEnd type="triangle"/>
+          </a:ln>
+        </p:spPr>
+        <p:style>
+          <a:lnRef idx="1">
+            <a:schemeClr val="accent1"/>
+          </a:lnRef>
+          <a:fillRef idx="0">
+            <a:schemeClr val="accent1"/>
+          </a:fillRef>
+          <a:effectRef idx="0">
+            <a:schemeClr val="accent1"/>
+          </a:effectRef>
+          <a:fontRef idx="minor">
+            <a:schemeClr val="tx1"/>
+          </a:fontRef>
+        </p:style>
+      </p:cxnSp>
+    </p:spTree>
+    <p:extLst>
+      <p:ext uri="{BB962C8B-B14F-4D97-AF65-F5344CB8AC3E}">
+        <p14:creationId xmlns:p14="http://schemas.microsoft.com/office/powerpoint/2010/main" val="1496997890"/>
+      </p:ext>
+    </p:extLst>
+  </p:cSld>
+  <p:clrMapOvr>
+    <a:masterClrMapping/>
+  </p:clrMapOvr>
+</p:sld>
+</file>
+
+<file path=ppt/slides/slide29.xml><?xml version="1.0" encoding="utf-8"?>
+<p:sld xmlns:a="http://schemas.openxmlformats.org/drawingml/2006/main" xmlns:r="http://schemas.openxmlformats.org/officeDocument/2006/relationships" xmlns:p="http://schemas.openxmlformats.org/presentationml/2006/main">
+  <p:cSld>
+    <p:spTree>
+      <p:nvGrpSpPr>
+        <p:cNvPr id="1" name=""/>
+        <p:cNvGrpSpPr/>
+        <p:nvPr/>
+      </p:nvGrpSpPr>
+      <p:grpSpPr>
+        <a:xfrm>
+          <a:off x="0" y="0"/>
+          <a:ext cx="0" cy="0"/>
+          <a:chOff x="0" y="0"/>
+          <a:chExt cx="0" cy="0"/>
+        </a:xfrm>
+      </p:grpSpPr>
+      <p:sp>
+        <p:nvSpPr>
+          <p:cNvPr id="2" name="Título 1">
+            <a:extLst>
+              <a:ext uri="{FF2B5EF4-FFF2-40B4-BE49-F238E27FC236}">
+                <a16:creationId xmlns:a16="http://schemas.microsoft.com/office/drawing/2014/main" id="{BE724B33-2887-4DD4-80EB-4C26E555222B}"/>
+              </a:ext>
+            </a:extLst>
+          </p:cNvPr>
+          <p:cNvSpPr>
+            <a:spLocks noGrp="1"/>
+          </p:cNvSpPr>
+          <p:nvPr>
+            <p:ph type="title"/>
+          </p:nvPr>
+        </p:nvSpPr>
+        <p:spPr/>
+        <p:txBody>
+          <a:bodyPr>
+            <a:normAutofit/>
+          </a:bodyPr>
+          <a:lstStyle/>
+          <a:p>
+            <a:pPr algn="ctr"/>
+            <a:r>
+              <a:rPr lang="es-MX" dirty="0"/>
+              <a:t>Índice de demografía</a:t>
+            </a:r>
+          </a:p>
+        </p:txBody>
+      </p:sp>
+      <p:sp>
+        <p:nvSpPr>
+          <p:cNvPr id="4" name="Elipse 3">
+            <a:extLst>
+              <a:ext uri="{FF2B5EF4-FFF2-40B4-BE49-F238E27FC236}">
+                <a16:creationId xmlns:a16="http://schemas.microsoft.com/office/drawing/2014/main" id="{EAAB73CC-E24D-401D-B7F0-52F394212DEE}"/>
+              </a:ext>
+            </a:extLst>
+          </p:cNvPr>
+          <p:cNvSpPr/>
+          <p:nvPr/>
+        </p:nvSpPr>
+        <p:spPr>
+          <a:xfrm>
+            <a:off x="969113" y="2645506"/>
+            <a:ext cx="2305539" cy="2305539"/>
+          </a:xfrm>
+          <a:prstGeom prst="ellipse">
+            <a:avLst/>
+          </a:prstGeom>
+        </p:spPr>
+        <p:style>
+          <a:lnRef idx="2">
+            <a:schemeClr val="accent1">
+              <a:shade val="50000"/>
+            </a:schemeClr>
+          </a:lnRef>
+          <a:fillRef idx="1">
+            <a:schemeClr val="accent1"/>
+          </a:fillRef>
+          <a:effectRef idx="0">
+            <a:schemeClr val="accent1"/>
+          </a:effectRef>
+          <a:fontRef idx="minor">
+            <a:schemeClr val="lt1"/>
+          </a:fontRef>
+        </p:style>
+        <p:txBody>
+          <a:bodyPr rtlCol="0" anchor="ctr"/>
+          <a:lstStyle/>
+          <a:p>
+            <a:pPr marL="0" marR="0" lvl="0" indent="0" algn="ctr" defTabSz="457200" rtl="0" eaLnBrk="1" fontAlgn="auto" latinLnBrk="0" hangingPunct="1">
+              <a:lnSpc>
+                <a:spcPct val="100000"/>
+              </a:lnSpc>
+              <a:spcBef>
+                <a:spcPts val="0"/>
+              </a:spcBef>
+              <a:spcAft>
+                <a:spcPts val="0"/>
+              </a:spcAft>
+              <a:buClrTx/>
+              <a:buSzTx/>
+              <a:buFontTx/>
+              <a:buNone/>
+              <a:tabLst/>
+              <a:defRPr/>
+            </a:pPr>
+            <a:r>
+              <a:rPr kumimoji="0" lang="es-MX" sz="1800" b="0" i="0" u="none" strike="noStrike" kern="1200" cap="none" spc="0" normalizeH="0" baseline="0" noProof="0" dirty="0">
+                <a:ln>
+                  <a:noFill/>
+                </a:ln>
+                <a:solidFill>
+                  <a:prstClr val="white"/>
+                </a:solidFill>
+                <a:effectLst/>
+                <a:uLnTx/>
+                <a:uFillTx/>
+                <a:latin typeface="Corbel" panose="020B0503020204020204"/>
+                <a:ea typeface="+mn-ea"/>
+                <a:cs typeface="+mn-cs"/>
+              </a:rPr>
+              <a:t>Índice de demografía</a:t>
+            </a:r>
+          </a:p>
+        </p:txBody>
+      </p:sp>
+      <p:sp>
+        <p:nvSpPr>
+          <p:cNvPr id="5" name="Elipse 4">
+            <a:extLst>
+              <a:ext uri="{FF2B5EF4-FFF2-40B4-BE49-F238E27FC236}">
+                <a16:creationId xmlns:a16="http://schemas.microsoft.com/office/drawing/2014/main" id="{040F4DD5-CADB-4FE1-969B-0F108408A608}"/>
+              </a:ext>
+            </a:extLst>
+          </p:cNvPr>
+          <p:cNvSpPr/>
+          <p:nvPr/>
+        </p:nvSpPr>
+        <p:spPr>
+          <a:xfrm>
+            <a:off x="4577868" y="1434167"/>
+            <a:ext cx="2041046" cy="1211386"/>
+          </a:xfrm>
+          <a:prstGeom prst="ellipse">
+            <a:avLst/>
+          </a:prstGeom>
+        </p:spPr>
+        <p:style>
+          <a:lnRef idx="2">
+            <a:schemeClr val="accent1">
+              <a:shade val="50000"/>
+            </a:schemeClr>
+          </a:lnRef>
+          <a:fillRef idx="1">
+            <a:schemeClr val="accent1"/>
+          </a:fillRef>
+          <a:effectRef idx="0">
+            <a:schemeClr val="accent1"/>
+          </a:effectRef>
+          <a:fontRef idx="minor">
+            <a:schemeClr val="lt1"/>
+          </a:fontRef>
+        </p:style>
+        <p:txBody>
+          <a:bodyPr rtlCol="0" anchor="ctr"/>
+          <a:lstStyle/>
+          <a:p>
+            <a:pPr marL="0" marR="0" lvl="0" indent="0" algn="ctr" defTabSz="457200" rtl="0" eaLnBrk="1" fontAlgn="auto" latinLnBrk="0" hangingPunct="1">
+              <a:lnSpc>
+                <a:spcPct val="100000"/>
+              </a:lnSpc>
+              <a:spcBef>
+                <a:spcPts val="0"/>
+              </a:spcBef>
+              <a:spcAft>
+                <a:spcPts val="0"/>
+              </a:spcAft>
+              <a:buClrTx/>
+              <a:buSzTx/>
+              <a:buFontTx/>
+              <a:buNone/>
+              <a:tabLst/>
+              <a:defRPr/>
+            </a:pPr>
+            <a:r>
+              <a:rPr kumimoji="0" lang="es-MX" sz="1400" b="0" i="0" u="none" strike="noStrike" kern="1200" cap="none" spc="0" normalizeH="0" baseline="0" noProof="0" dirty="0">
+                <a:ln>
+                  <a:noFill/>
+                </a:ln>
+                <a:solidFill>
+                  <a:prstClr val="white"/>
+                </a:solidFill>
+                <a:effectLst/>
+                <a:uLnTx/>
+                <a:uFillTx/>
+                <a:latin typeface="Corbel" panose="020B0503020204020204"/>
+                <a:ea typeface="+mn-ea"/>
+                <a:cs typeface="+mn-cs"/>
+              </a:rPr>
+              <a:t>Total hijos/as nacidos vivos</a:t>
+            </a:r>
+          </a:p>
+        </p:txBody>
+      </p:sp>
+      <p:sp>
+        <p:nvSpPr>
+          <p:cNvPr id="6" name="Elipse 5">
+            <a:extLst>
+              <a:ext uri="{FF2B5EF4-FFF2-40B4-BE49-F238E27FC236}">
+                <a16:creationId xmlns:a16="http://schemas.microsoft.com/office/drawing/2014/main" id="{0BF3179E-2F79-4A3E-ABDF-C59B1F7485B2}"/>
+              </a:ext>
+            </a:extLst>
+          </p:cNvPr>
+          <p:cNvSpPr/>
+          <p:nvPr/>
+        </p:nvSpPr>
+        <p:spPr>
+          <a:xfrm>
+            <a:off x="5892436" y="2547980"/>
+            <a:ext cx="1691212" cy="1211386"/>
+          </a:xfrm>
+          <a:prstGeom prst="ellipse">
+            <a:avLst/>
+          </a:prstGeom>
+        </p:spPr>
+        <p:style>
+          <a:lnRef idx="2">
+            <a:schemeClr val="accent1">
+              <a:shade val="50000"/>
+            </a:schemeClr>
+          </a:lnRef>
+          <a:fillRef idx="1">
+            <a:schemeClr val="accent1"/>
+          </a:fillRef>
+          <a:effectRef idx="0">
+            <a:schemeClr val="accent1"/>
+          </a:effectRef>
+          <a:fontRef idx="minor">
+            <a:schemeClr val="lt1"/>
+          </a:fontRef>
+        </p:style>
+        <p:txBody>
+          <a:bodyPr rtlCol="0" anchor="ctr"/>
+          <a:lstStyle/>
+          <a:p>
+            <a:pPr marL="0" marR="0" lvl="0" indent="0" algn="ctr" defTabSz="457200" rtl="0" eaLnBrk="1" fontAlgn="auto" latinLnBrk="0" hangingPunct="1">
+              <a:lnSpc>
+                <a:spcPct val="100000"/>
+              </a:lnSpc>
+              <a:spcBef>
+                <a:spcPts val="0"/>
+              </a:spcBef>
+              <a:spcAft>
+                <a:spcPts val="0"/>
+              </a:spcAft>
+              <a:buClrTx/>
+              <a:buSzTx/>
+              <a:buFontTx/>
+              <a:buNone/>
+              <a:tabLst/>
+              <a:defRPr/>
+            </a:pPr>
+            <a:r>
+              <a:rPr kumimoji="0" lang="es-MX" sz="1400" b="0" i="0" u="none" strike="noStrike" kern="1200" cap="none" spc="0" normalizeH="0" baseline="0" noProof="0" dirty="0">
+                <a:ln>
+                  <a:noFill/>
+                </a:ln>
+                <a:solidFill>
+                  <a:prstClr val="white"/>
+                </a:solidFill>
+                <a:effectLst/>
+                <a:uLnTx/>
+                <a:uFillTx/>
+                <a:latin typeface="Corbel" panose="020B0503020204020204"/>
+                <a:ea typeface="+mn-ea"/>
+                <a:cs typeface="+mn-cs"/>
+              </a:rPr>
+              <a:t>Total hijos/as actualmente vivos</a:t>
+            </a:r>
+          </a:p>
+        </p:txBody>
+      </p:sp>
+      <p:sp>
+        <p:nvSpPr>
+          <p:cNvPr id="7" name="Elipse 6">
+            <a:extLst>
+              <a:ext uri="{FF2B5EF4-FFF2-40B4-BE49-F238E27FC236}">
+                <a16:creationId xmlns:a16="http://schemas.microsoft.com/office/drawing/2014/main" id="{D04D739B-AC5C-4028-AC54-FF929D25D064}"/>
+              </a:ext>
+            </a:extLst>
+          </p:cNvPr>
+          <p:cNvSpPr/>
+          <p:nvPr/>
+        </p:nvSpPr>
+        <p:spPr>
+          <a:xfrm>
+            <a:off x="5988538" y="3814802"/>
+            <a:ext cx="1818007" cy="1211386"/>
+          </a:xfrm>
+          <a:prstGeom prst="ellipse">
+            <a:avLst/>
+          </a:prstGeom>
+        </p:spPr>
+        <p:style>
+          <a:lnRef idx="2">
+            <a:schemeClr val="accent1">
+              <a:shade val="50000"/>
+            </a:schemeClr>
+          </a:lnRef>
+          <a:fillRef idx="1">
+            <a:schemeClr val="accent1"/>
+          </a:fillRef>
+          <a:effectRef idx="0">
+            <a:schemeClr val="accent1"/>
+          </a:effectRef>
+          <a:fontRef idx="minor">
+            <a:schemeClr val="lt1"/>
+          </a:fontRef>
+        </p:style>
+        <p:txBody>
+          <a:bodyPr rtlCol="0" anchor="ctr"/>
+          <a:lstStyle/>
+          <a:p>
+            <a:pPr marL="0" marR="0" lvl="0" indent="0" algn="ctr" defTabSz="457200" rtl="0" eaLnBrk="1" fontAlgn="auto" latinLnBrk="0" hangingPunct="1">
+              <a:lnSpc>
+                <a:spcPct val="100000"/>
+              </a:lnSpc>
+              <a:spcBef>
+                <a:spcPts val="0"/>
+              </a:spcBef>
+              <a:spcAft>
+                <a:spcPts val="0"/>
+              </a:spcAft>
+              <a:buClrTx/>
+              <a:buSzTx/>
+              <a:buFontTx/>
+              <a:buNone/>
+              <a:tabLst/>
+              <a:defRPr/>
+            </a:pPr>
+            <a:r>
+              <a:rPr kumimoji="0" lang="es-MX" sz="1400" b="0" i="0" u="none" strike="noStrike" kern="1200" cap="none" spc="0" normalizeH="0" baseline="0" noProof="0" dirty="0">
+                <a:ln>
+                  <a:noFill/>
+                </a:ln>
+                <a:solidFill>
+                  <a:prstClr val="white"/>
+                </a:solidFill>
+                <a:effectLst/>
+                <a:uLnTx/>
+                <a:uFillTx/>
+                <a:latin typeface="Corbel" panose="020B0503020204020204"/>
+                <a:ea typeface="+mn-ea"/>
+                <a:cs typeface="+mn-cs"/>
+              </a:rPr>
+              <a:t>Mes de nacimiento del último/a hijo/a</a:t>
+            </a:r>
+          </a:p>
+        </p:txBody>
+      </p:sp>
+      <p:sp>
+        <p:nvSpPr>
+          <p:cNvPr id="8" name="Elipse 7">
+            <a:extLst>
+              <a:ext uri="{FF2B5EF4-FFF2-40B4-BE49-F238E27FC236}">
+                <a16:creationId xmlns:a16="http://schemas.microsoft.com/office/drawing/2014/main" id="{F7421560-B65E-41A2-BAB4-EEC2D7E6EBD2}"/>
+              </a:ext>
+            </a:extLst>
+          </p:cNvPr>
+          <p:cNvSpPr/>
+          <p:nvPr/>
+        </p:nvSpPr>
+        <p:spPr>
+          <a:xfrm>
+            <a:off x="4577868" y="4861179"/>
+            <a:ext cx="2041046" cy="1211386"/>
+          </a:xfrm>
+          <a:prstGeom prst="ellipse">
+            <a:avLst/>
+          </a:prstGeom>
+        </p:spPr>
+        <p:style>
+          <a:lnRef idx="2">
+            <a:schemeClr val="accent1">
+              <a:shade val="50000"/>
+            </a:schemeClr>
+          </a:lnRef>
+          <a:fillRef idx="1">
+            <a:schemeClr val="accent1"/>
+          </a:fillRef>
+          <a:effectRef idx="0">
+            <a:schemeClr val="accent1"/>
+          </a:effectRef>
+          <a:fontRef idx="minor">
+            <a:schemeClr val="lt1"/>
+          </a:fontRef>
+        </p:style>
+        <p:txBody>
+          <a:bodyPr rtlCol="0" anchor="ctr"/>
+          <a:lstStyle/>
+          <a:p>
+            <a:pPr marL="0" marR="0" lvl="0" indent="0" algn="ctr" defTabSz="457200" rtl="0" eaLnBrk="1" fontAlgn="auto" latinLnBrk="0" hangingPunct="1">
+              <a:lnSpc>
+                <a:spcPct val="100000"/>
+              </a:lnSpc>
+              <a:spcBef>
+                <a:spcPts val="0"/>
+              </a:spcBef>
+              <a:spcAft>
+                <a:spcPts val="0"/>
+              </a:spcAft>
+              <a:buClrTx/>
+              <a:buSzTx/>
+              <a:buFontTx/>
+              <a:buNone/>
+              <a:tabLst/>
+              <a:defRPr/>
+            </a:pPr>
+            <a:r>
+              <a:rPr kumimoji="0" lang="es-MX" sz="1800" b="0" i="0" u="none" strike="noStrike" kern="1200" cap="none" spc="0" normalizeH="0" baseline="0" noProof="0" dirty="0">
+                <a:ln>
+                  <a:noFill/>
+                </a:ln>
+                <a:solidFill>
+                  <a:prstClr val="white"/>
+                </a:solidFill>
+                <a:effectLst/>
+                <a:uLnTx/>
+                <a:uFillTx/>
+                <a:latin typeface="Corbel" panose="020B0503020204020204"/>
+                <a:ea typeface="+mn-ea"/>
+                <a:cs typeface="+mn-cs"/>
+              </a:rPr>
+              <a:t>Año de nacimiento del último/a hijo/a</a:t>
+            </a:r>
+          </a:p>
+        </p:txBody>
+      </p:sp>
+      <p:cxnSp>
+        <p:nvCxnSpPr>
+          <p:cNvPr id="10" name="Conector recto de flecha 9">
+            <a:extLst>
+              <a:ext uri="{FF2B5EF4-FFF2-40B4-BE49-F238E27FC236}">
+                <a16:creationId xmlns:a16="http://schemas.microsoft.com/office/drawing/2014/main" id="{8B3AFD82-1A08-4FF9-8156-A6FDEED50138}"/>
+              </a:ext>
+            </a:extLst>
+          </p:cNvPr>
+          <p:cNvCxnSpPr>
+            <a:cxnSpLocks/>
+          </p:cNvCxnSpPr>
+          <p:nvPr/>
+        </p:nvCxnSpPr>
+        <p:spPr>
+          <a:xfrm flipV="1">
+            <a:off x="2967908" y="2465784"/>
+            <a:ext cx="1775670" cy="575530"/>
+          </a:xfrm>
+          <a:prstGeom prst="straightConnector1">
+            <a:avLst/>
+          </a:prstGeom>
+          <a:ln>
+            <a:tailEnd type="triangle"/>
+          </a:ln>
+        </p:spPr>
+        <p:style>
+          <a:lnRef idx="1">
+            <a:schemeClr val="accent1"/>
+          </a:lnRef>
+          <a:fillRef idx="0">
+            <a:schemeClr val="accent1"/>
+          </a:fillRef>
+          <a:effectRef idx="0">
+            <a:schemeClr val="accent1"/>
+          </a:effectRef>
+          <a:fontRef idx="minor">
+            <a:schemeClr val="tx1"/>
+          </a:fontRef>
+        </p:style>
+      </p:cxnSp>
+      <p:cxnSp>
+        <p:nvCxnSpPr>
+          <p:cNvPr id="13" name="Conector recto de flecha 12">
+            <a:extLst>
+              <a:ext uri="{FF2B5EF4-FFF2-40B4-BE49-F238E27FC236}">
+                <a16:creationId xmlns:a16="http://schemas.microsoft.com/office/drawing/2014/main" id="{0EE83C32-7D60-4D90-8BF6-23DF904C243C}"/>
+              </a:ext>
+            </a:extLst>
+          </p:cNvPr>
+          <p:cNvCxnSpPr>
+            <a:cxnSpLocks/>
+          </p:cNvCxnSpPr>
+          <p:nvPr/>
+        </p:nvCxnSpPr>
+        <p:spPr>
+          <a:xfrm flipV="1">
+            <a:off x="3304744" y="3226535"/>
+            <a:ext cx="2546248" cy="483270"/>
+          </a:xfrm>
+          <a:prstGeom prst="straightConnector1">
+            <a:avLst/>
+          </a:prstGeom>
+          <a:ln>
+            <a:tailEnd type="triangle"/>
+          </a:ln>
+        </p:spPr>
+        <p:style>
+          <a:lnRef idx="1">
+            <a:schemeClr val="accent1"/>
+          </a:lnRef>
+          <a:fillRef idx="0">
+            <a:schemeClr val="accent1"/>
+          </a:fillRef>
+          <a:effectRef idx="0">
+            <a:schemeClr val="accent1"/>
+          </a:effectRef>
+          <a:fontRef idx="minor">
+            <a:schemeClr val="tx1"/>
+          </a:fontRef>
+        </p:style>
+      </p:cxnSp>
+      <p:cxnSp>
+        <p:nvCxnSpPr>
+          <p:cNvPr id="15" name="Conector recto de flecha 14">
+            <a:extLst>
+              <a:ext uri="{FF2B5EF4-FFF2-40B4-BE49-F238E27FC236}">
+                <a16:creationId xmlns:a16="http://schemas.microsoft.com/office/drawing/2014/main" id="{CC49F2D5-3227-4645-B26D-C90DBF561421}"/>
+              </a:ext>
+            </a:extLst>
+          </p:cNvPr>
+          <p:cNvCxnSpPr>
+            <a:cxnSpLocks/>
+          </p:cNvCxnSpPr>
+          <p:nvPr/>
+        </p:nvCxnSpPr>
+        <p:spPr>
+          <a:xfrm>
+            <a:off x="3304744" y="4012651"/>
+            <a:ext cx="2606433" cy="391318"/>
+          </a:xfrm>
+          <a:prstGeom prst="straightConnector1">
+            <a:avLst/>
+          </a:prstGeom>
+          <a:ln>
+            <a:tailEnd type="triangle"/>
+          </a:ln>
+        </p:spPr>
+        <p:style>
+          <a:lnRef idx="1">
+            <a:schemeClr val="accent1"/>
+          </a:lnRef>
+          <a:fillRef idx="0">
+            <a:schemeClr val="accent1"/>
+          </a:fillRef>
+          <a:effectRef idx="0">
+            <a:schemeClr val="accent1"/>
+          </a:effectRef>
+          <a:fontRef idx="minor">
+            <a:schemeClr val="tx1"/>
+          </a:fontRef>
+        </p:style>
+      </p:cxnSp>
+      <p:cxnSp>
+        <p:nvCxnSpPr>
+          <p:cNvPr id="17" name="Conector recto de flecha 16">
+            <a:extLst>
+              <a:ext uri="{FF2B5EF4-FFF2-40B4-BE49-F238E27FC236}">
+                <a16:creationId xmlns:a16="http://schemas.microsoft.com/office/drawing/2014/main" id="{F829694F-A290-4943-801D-4F3AECA10411}"/>
+              </a:ext>
+            </a:extLst>
+          </p:cNvPr>
+          <p:cNvCxnSpPr>
+            <a:cxnSpLocks/>
+          </p:cNvCxnSpPr>
+          <p:nvPr/>
+        </p:nvCxnSpPr>
+        <p:spPr>
+          <a:xfrm>
+            <a:off x="2985477" y="4657254"/>
+            <a:ext cx="1592391" cy="508166"/>
+          </a:xfrm>
+          <a:prstGeom prst="straightConnector1">
+            <a:avLst/>
+          </a:prstGeom>
+          <a:ln>
+            <a:tailEnd type="triangle"/>
+          </a:ln>
+        </p:spPr>
+        <p:style>
+          <a:lnRef idx="1">
+            <a:schemeClr val="accent1"/>
+          </a:lnRef>
+          <a:fillRef idx="0">
+            <a:schemeClr val="accent1"/>
+          </a:fillRef>
+          <a:effectRef idx="0">
+            <a:schemeClr val="accent1"/>
+          </a:effectRef>
+          <a:fontRef idx="minor">
+            <a:schemeClr val="tx1"/>
+          </a:fontRef>
+        </p:style>
+      </p:cxnSp>
+    </p:spTree>
+    <p:extLst>
+      <p:ext uri="{BB962C8B-B14F-4D97-AF65-F5344CB8AC3E}">
+        <p14:creationId xmlns:p14="http://schemas.microsoft.com/office/powerpoint/2010/main" val="2191476218"/>
       </p:ext>
     </p:extLst>
   </p:cSld>
@@ -14159,6 +14880,621 @@
 </p:sld>
 </file>
 
+<file path=ppt/slides/slide30.xml><?xml version="1.0" encoding="utf-8"?>
+<p:sld xmlns:a="http://schemas.openxmlformats.org/drawingml/2006/main" xmlns:r="http://schemas.openxmlformats.org/officeDocument/2006/relationships" xmlns:p="http://schemas.openxmlformats.org/presentationml/2006/main">
+  <p:cSld>
+    <p:spTree>
+      <p:nvGrpSpPr>
+        <p:cNvPr id="1" name=""/>
+        <p:cNvGrpSpPr/>
+        <p:nvPr/>
+      </p:nvGrpSpPr>
+      <p:grpSpPr>
+        <a:xfrm>
+          <a:off x="0" y="0"/>
+          <a:ext cx="0" cy="0"/>
+          <a:chOff x="0" y="0"/>
+          <a:chExt cx="0" cy="0"/>
+        </a:xfrm>
+      </p:grpSpPr>
+      <p:sp>
+        <p:nvSpPr>
+          <p:cNvPr id="2" name="Título 1">
+            <a:extLst>
+              <a:ext uri="{FF2B5EF4-FFF2-40B4-BE49-F238E27FC236}">
+                <a16:creationId xmlns:a16="http://schemas.microsoft.com/office/drawing/2014/main" id="{BE724B33-2887-4DD4-80EB-4C26E555222B}"/>
+              </a:ext>
+            </a:extLst>
+          </p:cNvPr>
+          <p:cNvSpPr>
+            <a:spLocks noGrp="1"/>
+          </p:cNvSpPr>
+          <p:nvPr>
+            <p:ph type="title"/>
+          </p:nvPr>
+        </p:nvSpPr>
+        <p:spPr/>
+        <p:txBody>
+          <a:bodyPr>
+            <a:normAutofit/>
+          </a:bodyPr>
+          <a:lstStyle/>
+          <a:p>
+            <a:pPr algn="ctr"/>
+            <a:r>
+              <a:rPr lang="es-MX" dirty="0"/>
+              <a:t>Índice de tipo de vivienda</a:t>
+            </a:r>
+          </a:p>
+        </p:txBody>
+      </p:sp>
+      <p:sp>
+        <p:nvSpPr>
+          <p:cNvPr id="4" name="Elipse 3">
+            <a:extLst>
+              <a:ext uri="{FF2B5EF4-FFF2-40B4-BE49-F238E27FC236}">
+                <a16:creationId xmlns:a16="http://schemas.microsoft.com/office/drawing/2014/main" id="{EAAB73CC-E24D-401D-B7F0-52F394212DEE}"/>
+              </a:ext>
+            </a:extLst>
+          </p:cNvPr>
+          <p:cNvSpPr/>
+          <p:nvPr/>
+        </p:nvSpPr>
+        <p:spPr>
+          <a:xfrm>
+            <a:off x="969113" y="2645506"/>
+            <a:ext cx="2305539" cy="2305539"/>
+          </a:xfrm>
+          <a:prstGeom prst="ellipse">
+            <a:avLst/>
+          </a:prstGeom>
+        </p:spPr>
+        <p:style>
+          <a:lnRef idx="2">
+            <a:schemeClr val="accent1">
+              <a:shade val="50000"/>
+            </a:schemeClr>
+          </a:lnRef>
+          <a:fillRef idx="1">
+            <a:schemeClr val="accent1"/>
+          </a:fillRef>
+          <a:effectRef idx="0">
+            <a:schemeClr val="accent1"/>
+          </a:effectRef>
+          <a:fontRef idx="minor">
+            <a:schemeClr val="lt1"/>
+          </a:fontRef>
+        </p:style>
+        <p:txBody>
+          <a:bodyPr rtlCol="0" anchor="ctr"/>
+          <a:lstStyle/>
+          <a:p>
+            <a:pPr marL="0" marR="0" lvl="0" indent="0" algn="ctr" defTabSz="457200" rtl="0" eaLnBrk="1" fontAlgn="auto" latinLnBrk="0" hangingPunct="1">
+              <a:lnSpc>
+                <a:spcPct val="100000"/>
+              </a:lnSpc>
+              <a:spcBef>
+                <a:spcPts val="0"/>
+              </a:spcBef>
+              <a:spcAft>
+                <a:spcPts val="0"/>
+              </a:spcAft>
+              <a:buClrTx/>
+              <a:buSzTx/>
+              <a:buFontTx/>
+              <a:buNone/>
+              <a:tabLst/>
+              <a:defRPr/>
+            </a:pPr>
+            <a:r>
+              <a:rPr kumimoji="0" lang="es-MX" sz="1800" b="0" i="0" u="none" strike="noStrike" kern="1200" cap="none" spc="0" normalizeH="0" baseline="0" noProof="0" dirty="0">
+                <a:ln>
+                  <a:noFill/>
+                </a:ln>
+                <a:solidFill>
+                  <a:prstClr val="white"/>
+                </a:solidFill>
+                <a:effectLst/>
+                <a:uLnTx/>
+                <a:uFillTx/>
+                <a:latin typeface="Corbel" panose="020B0503020204020204"/>
+                <a:ea typeface="+mn-ea"/>
+                <a:cs typeface="+mn-cs"/>
+              </a:rPr>
+              <a:t>Índice de tipo de vivienda</a:t>
+            </a:r>
+          </a:p>
+        </p:txBody>
+      </p:sp>
+      <p:sp>
+        <p:nvSpPr>
+          <p:cNvPr id="5" name="Elipse 4">
+            <a:extLst>
+              <a:ext uri="{FF2B5EF4-FFF2-40B4-BE49-F238E27FC236}">
+                <a16:creationId xmlns:a16="http://schemas.microsoft.com/office/drawing/2014/main" id="{040F4DD5-CADB-4FE1-969B-0F108408A608}"/>
+              </a:ext>
+            </a:extLst>
+          </p:cNvPr>
+          <p:cNvSpPr/>
+          <p:nvPr/>
+        </p:nvSpPr>
+        <p:spPr>
+          <a:xfrm>
+            <a:off x="4577868" y="1434167"/>
+            <a:ext cx="2041046" cy="1211386"/>
+          </a:xfrm>
+          <a:prstGeom prst="ellipse">
+            <a:avLst/>
+          </a:prstGeom>
+        </p:spPr>
+        <p:style>
+          <a:lnRef idx="2">
+            <a:schemeClr val="accent1">
+              <a:shade val="50000"/>
+            </a:schemeClr>
+          </a:lnRef>
+          <a:fillRef idx="1">
+            <a:schemeClr val="accent1"/>
+          </a:fillRef>
+          <a:effectRef idx="0">
+            <a:schemeClr val="accent1"/>
+          </a:effectRef>
+          <a:fontRef idx="minor">
+            <a:schemeClr val="lt1"/>
+          </a:fontRef>
+        </p:style>
+        <p:txBody>
+          <a:bodyPr rtlCol="0" anchor="ctr"/>
+          <a:lstStyle/>
+          <a:p>
+            <a:pPr marL="0" marR="0" lvl="0" indent="0" algn="ctr" defTabSz="457200" rtl="0" eaLnBrk="1" fontAlgn="auto" latinLnBrk="0" hangingPunct="1">
+              <a:lnSpc>
+                <a:spcPct val="100000"/>
+              </a:lnSpc>
+              <a:spcBef>
+                <a:spcPts val="0"/>
+              </a:spcBef>
+              <a:spcAft>
+                <a:spcPts val="0"/>
+              </a:spcAft>
+              <a:buClrTx/>
+              <a:buSzTx/>
+              <a:buFontTx/>
+              <a:buNone/>
+              <a:tabLst/>
+              <a:defRPr/>
+            </a:pPr>
+            <a:r>
+              <a:rPr kumimoji="0" lang="es-MX" sz="1400" b="0" i="0" u="none" strike="noStrike" kern="1200" cap="none" spc="0" normalizeH="0" baseline="0" noProof="0" dirty="0">
+                <a:ln>
+                  <a:noFill/>
+                </a:ln>
+                <a:solidFill>
+                  <a:prstClr val="white"/>
+                </a:solidFill>
+                <a:effectLst/>
+                <a:uLnTx/>
+                <a:uFillTx/>
+                <a:latin typeface="Corbel" panose="020B0503020204020204"/>
+                <a:ea typeface="+mn-ea"/>
+                <a:cs typeface="+mn-cs"/>
+              </a:rPr>
+              <a:t>Número de piezas usadas exclusivamente como dormitorio</a:t>
+            </a:r>
+          </a:p>
+        </p:txBody>
+      </p:sp>
+      <p:sp>
+        <p:nvSpPr>
+          <p:cNvPr id="6" name="Elipse 5">
+            <a:extLst>
+              <a:ext uri="{FF2B5EF4-FFF2-40B4-BE49-F238E27FC236}">
+                <a16:creationId xmlns:a16="http://schemas.microsoft.com/office/drawing/2014/main" id="{0BF3179E-2F79-4A3E-ABDF-C59B1F7485B2}"/>
+              </a:ext>
+            </a:extLst>
+          </p:cNvPr>
+          <p:cNvSpPr/>
+          <p:nvPr/>
+        </p:nvSpPr>
+        <p:spPr>
+          <a:xfrm>
+            <a:off x="5892436" y="2547980"/>
+            <a:ext cx="1691212" cy="1211386"/>
+          </a:xfrm>
+          <a:prstGeom prst="ellipse">
+            <a:avLst/>
+          </a:prstGeom>
+        </p:spPr>
+        <p:style>
+          <a:lnRef idx="2">
+            <a:schemeClr val="accent1">
+              <a:shade val="50000"/>
+            </a:schemeClr>
+          </a:lnRef>
+          <a:fillRef idx="1">
+            <a:schemeClr val="accent1"/>
+          </a:fillRef>
+          <a:effectRef idx="0">
+            <a:schemeClr val="accent1"/>
+          </a:effectRef>
+          <a:fontRef idx="minor">
+            <a:schemeClr val="lt1"/>
+          </a:fontRef>
+        </p:style>
+        <p:txBody>
+          <a:bodyPr rtlCol="0" anchor="ctr"/>
+          <a:lstStyle/>
+          <a:p>
+            <a:pPr marL="0" marR="0" lvl="0" indent="0" algn="ctr" defTabSz="457200" rtl="0" eaLnBrk="1" fontAlgn="auto" latinLnBrk="0" hangingPunct="1">
+              <a:lnSpc>
+                <a:spcPct val="100000"/>
+              </a:lnSpc>
+              <a:spcBef>
+                <a:spcPts val="0"/>
+              </a:spcBef>
+              <a:spcAft>
+                <a:spcPts val="0"/>
+              </a:spcAft>
+              <a:buClrTx/>
+              <a:buSzTx/>
+              <a:buFontTx/>
+              <a:buNone/>
+              <a:tabLst/>
+              <a:defRPr/>
+            </a:pPr>
+            <a:r>
+              <a:rPr kumimoji="0" lang="es-MX" sz="1400" b="0" i="0" u="none" strike="noStrike" kern="1200" cap="none" spc="0" normalizeH="0" baseline="0" noProof="0" dirty="0">
+                <a:ln>
+                  <a:noFill/>
+                </a:ln>
+                <a:solidFill>
+                  <a:prstClr val="white"/>
+                </a:solidFill>
+                <a:effectLst/>
+                <a:uLnTx/>
+                <a:uFillTx/>
+                <a:latin typeface="Corbel" panose="020B0503020204020204"/>
+                <a:ea typeface="+mn-ea"/>
+                <a:cs typeface="+mn-cs"/>
+              </a:rPr>
+              <a:t>Cantidad de hogares</a:t>
+            </a:r>
+          </a:p>
+        </p:txBody>
+      </p:sp>
+      <p:sp>
+        <p:nvSpPr>
+          <p:cNvPr id="7" name="Elipse 6">
+            <a:extLst>
+              <a:ext uri="{FF2B5EF4-FFF2-40B4-BE49-F238E27FC236}">
+                <a16:creationId xmlns:a16="http://schemas.microsoft.com/office/drawing/2014/main" id="{D04D739B-AC5C-4028-AC54-FF929D25D064}"/>
+              </a:ext>
+            </a:extLst>
+          </p:cNvPr>
+          <p:cNvSpPr/>
+          <p:nvPr/>
+        </p:nvSpPr>
+        <p:spPr>
+          <a:xfrm>
+            <a:off x="5988538" y="3814802"/>
+            <a:ext cx="1818007" cy="1211386"/>
+          </a:xfrm>
+          <a:prstGeom prst="ellipse">
+            <a:avLst/>
+          </a:prstGeom>
+        </p:spPr>
+        <p:style>
+          <a:lnRef idx="2">
+            <a:schemeClr val="accent1">
+              <a:shade val="50000"/>
+            </a:schemeClr>
+          </a:lnRef>
+          <a:fillRef idx="1">
+            <a:schemeClr val="accent1"/>
+          </a:fillRef>
+          <a:effectRef idx="0">
+            <a:schemeClr val="accent1"/>
+          </a:effectRef>
+          <a:fontRef idx="minor">
+            <a:schemeClr val="lt1"/>
+          </a:fontRef>
+        </p:style>
+        <p:txBody>
+          <a:bodyPr rtlCol="0" anchor="ctr"/>
+          <a:lstStyle/>
+          <a:p>
+            <a:pPr marL="0" marR="0" lvl="0" indent="0" algn="ctr" defTabSz="457200" rtl="0" eaLnBrk="1" fontAlgn="auto" latinLnBrk="0" hangingPunct="1">
+              <a:lnSpc>
+                <a:spcPct val="100000"/>
+              </a:lnSpc>
+              <a:spcBef>
+                <a:spcPts val="0"/>
+              </a:spcBef>
+              <a:spcAft>
+                <a:spcPts val="0"/>
+              </a:spcAft>
+              <a:buClrTx/>
+              <a:buSzTx/>
+              <a:buFontTx/>
+              <a:buNone/>
+              <a:tabLst/>
+              <a:defRPr/>
+            </a:pPr>
+            <a:r>
+              <a:rPr kumimoji="0" lang="es-MX" sz="1400" b="0" i="0" u="none" strike="noStrike" kern="1200" cap="none" spc="0" normalizeH="0" baseline="0" noProof="0" dirty="0">
+                <a:ln>
+                  <a:noFill/>
+                </a:ln>
+                <a:solidFill>
+                  <a:prstClr val="white"/>
+                </a:solidFill>
+                <a:effectLst/>
+                <a:uLnTx/>
+                <a:uFillTx/>
+                <a:latin typeface="Corbel" panose="020B0503020204020204"/>
+                <a:ea typeface="+mn-ea"/>
+                <a:cs typeface="+mn-cs"/>
+              </a:rPr>
+              <a:t>Cantidad de personas</a:t>
+            </a:r>
+          </a:p>
+        </p:txBody>
+      </p:sp>
+      <p:sp>
+        <p:nvSpPr>
+          <p:cNvPr id="8" name="Elipse 7">
+            <a:extLst>
+              <a:ext uri="{FF2B5EF4-FFF2-40B4-BE49-F238E27FC236}">
+                <a16:creationId xmlns:a16="http://schemas.microsoft.com/office/drawing/2014/main" id="{F7421560-B65E-41A2-BAB4-EEC2D7E6EBD2}"/>
+              </a:ext>
+            </a:extLst>
+          </p:cNvPr>
+          <p:cNvSpPr/>
+          <p:nvPr/>
+        </p:nvSpPr>
+        <p:spPr>
+          <a:xfrm>
+            <a:off x="4577868" y="4861179"/>
+            <a:ext cx="2041046" cy="1211386"/>
+          </a:xfrm>
+          <a:prstGeom prst="ellipse">
+            <a:avLst/>
+          </a:prstGeom>
+        </p:spPr>
+        <p:style>
+          <a:lnRef idx="2">
+            <a:schemeClr val="accent1">
+              <a:shade val="50000"/>
+            </a:schemeClr>
+          </a:lnRef>
+          <a:fillRef idx="1">
+            <a:schemeClr val="accent1"/>
+          </a:fillRef>
+          <a:effectRef idx="0">
+            <a:schemeClr val="accent1"/>
+          </a:effectRef>
+          <a:fontRef idx="minor">
+            <a:schemeClr val="lt1"/>
+          </a:fontRef>
+        </p:style>
+        <p:txBody>
+          <a:bodyPr rtlCol="0" anchor="ctr"/>
+          <a:lstStyle/>
+          <a:p>
+            <a:pPr marL="0" marR="0" lvl="0" indent="0" algn="ctr" defTabSz="457200" rtl="0" eaLnBrk="1" fontAlgn="auto" latinLnBrk="0" hangingPunct="1">
+              <a:lnSpc>
+                <a:spcPct val="100000"/>
+              </a:lnSpc>
+              <a:spcBef>
+                <a:spcPts val="0"/>
+              </a:spcBef>
+              <a:spcAft>
+                <a:spcPts val="0"/>
+              </a:spcAft>
+              <a:buClrTx/>
+              <a:buSzTx/>
+              <a:buFontTx/>
+              <a:buNone/>
+              <a:tabLst/>
+              <a:defRPr/>
+            </a:pPr>
+            <a:r>
+              <a:rPr kumimoji="0" lang="es-MX" sz="1800" b="0" i="0" u="none" strike="noStrike" kern="1200" cap="none" spc="0" normalizeH="0" baseline="0" noProof="0" dirty="0">
+                <a:ln>
+                  <a:noFill/>
+                </a:ln>
+                <a:solidFill>
+                  <a:prstClr val="white"/>
+                </a:solidFill>
+                <a:effectLst/>
+                <a:uLnTx/>
+                <a:uFillTx/>
+                <a:latin typeface="Corbel" panose="020B0503020204020204"/>
+                <a:ea typeface="+mn-ea"/>
+                <a:cs typeface="+mn-cs"/>
+              </a:rPr>
+              <a:t>Año de nacimiento del último/a hijo/a</a:t>
+            </a:r>
+          </a:p>
+        </p:txBody>
+      </p:sp>
+      <p:cxnSp>
+        <p:nvCxnSpPr>
+          <p:cNvPr id="10" name="Conector recto de flecha 9">
+            <a:extLst>
+              <a:ext uri="{FF2B5EF4-FFF2-40B4-BE49-F238E27FC236}">
+                <a16:creationId xmlns:a16="http://schemas.microsoft.com/office/drawing/2014/main" id="{8B3AFD82-1A08-4FF9-8156-A6FDEED50138}"/>
+              </a:ext>
+            </a:extLst>
+          </p:cNvPr>
+          <p:cNvCxnSpPr>
+            <a:cxnSpLocks/>
+          </p:cNvCxnSpPr>
+          <p:nvPr/>
+        </p:nvCxnSpPr>
+        <p:spPr>
+          <a:xfrm flipV="1">
+            <a:off x="2967908" y="2465784"/>
+            <a:ext cx="1775670" cy="575530"/>
+          </a:xfrm>
+          <a:prstGeom prst="straightConnector1">
+            <a:avLst/>
+          </a:prstGeom>
+          <a:ln>
+            <a:tailEnd type="triangle"/>
+          </a:ln>
+        </p:spPr>
+        <p:style>
+          <a:lnRef idx="1">
+            <a:schemeClr val="accent1"/>
+          </a:lnRef>
+          <a:fillRef idx="0">
+            <a:schemeClr val="accent1"/>
+          </a:fillRef>
+          <a:effectRef idx="0">
+            <a:schemeClr val="accent1"/>
+          </a:effectRef>
+          <a:fontRef idx="minor">
+            <a:schemeClr val="tx1"/>
+          </a:fontRef>
+        </p:style>
+      </p:cxnSp>
+      <p:cxnSp>
+        <p:nvCxnSpPr>
+          <p:cNvPr id="13" name="Conector recto de flecha 12">
+            <a:extLst>
+              <a:ext uri="{FF2B5EF4-FFF2-40B4-BE49-F238E27FC236}">
+                <a16:creationId xmlns:a16="http://schemas.microsoft.com/office/drawing/2014/main" id="{0EE83C32-7D60-4D90-8BF6-23DF904C243C}"/>
+              </a:ext>
+            </a:extLst>
+          </p:cNvPr>
+          <p:cNvCxnSpPr>
+            <a:cxnSpLocks/>
+          </p:cNvCxnSpPr>
+          <p:nvPr/>
+        </p:nvCxnSpPr>
+        <p:spPr>
+          <a:xfrm flipV="1">
+            <a:off x="3304744" y="3226535"/>
+            <a:ext cx="2546248" cy="483270"/>
+          </a:xfrm>
+          <a:prstGeom prst="straightConnector1">
+            <a:avLst/>
+          </a:prstGeom>
+          <a:ln>
+            <a:tailEnd type="triangle"/>
+          </a:ln>
+        </p:spPr>
+        <p:style>
+          <a:lnRef idx="1">
+            <a:schemeClr val="accent1"/>
+          </a:lnRef>
+          <a:fillRef idx="0">
+            <a:schemeClr val="accent1"/>
+          </a:fillRef>
+          <a:effectRef idx="0">
+            <a:schemeClr val="accent1"/>
+          </a:effectRef>
+          <a:fontRef idx="minor">
+            <a:schemeClr val="tx1"/>
+          </a:fontRef>
+        </p:style>
+      </p:cxnSp>
+      <p:cxnSp>
+        <p:nvCxnSpPr>
+          <p:cNvPr id="15" name="Conector recto de flecha 14">
+            <a:extLst>
+              <a:ext uri="{FF2B5EF4-FFF2-40B4-BE49-F238E27FC236}">
+                <a16:creationId xmlns:a16="http://schemas.microsoft.com/office/drawing/2014/main" id="{CC49F2D5-3227-4645-B26D-C90DBF561421}"/>
+              </a:ext>
+            </a:extLst>
+          </p:cNvPr>
+          <p:cNvCxnSpPr>
+            <a:cxnSpLocks/>
+          </p:cNvCxnSpPr>
+          <p:nvPr/>
+        </p:nvCxnSpPr>
+        <p:spPr>
+          <a:xfrm>
+            <a:off x="3304744" y="4012651"/>
+            <a:ext cx="2606433" cy="391318"/>
+          </a:xfrm>
+          <a:prstGeom prst="straightConnector1">
+            <a:avLst/>
+          </a:prstGeom>
+          <a:ln>
+            <a:tailEnd type="triangle"/>
+          </a:ln>
+        </p:spPr>
+        <p:style>
+          <a:lnRef idx="1">
+            <a:schemeClr val="accent1"/>
+          </a:lnRef>
+          <a:fillRef idx="0">
+            <a:schemeClr val="accent1"/>
+          </a:fillRef>
+          <a:effectRef idx="0">
+            <a:schemeClr val="accent1"/>
+          </a:effectRef>
+          <a:fontRef idx="minor">
+            <a:schemeClr val="tx1"/>
+          </a:fontRef>
+        </p:style>
+      </p:cxnSp>
+      <p:cxnSp>
+        <p:nvCxnSpPr>
+          <p:cNvPr id="17" name="Conector recto de flecha 16">
+            <a:extLst>
+              <a:ext uri="{FF2B5EF4-FFF2-40B4-BE49-F238E27FC236}">
+                <a16:creationId xmlns:a16="http://schemas.microsoft.com/office/drawing/2014/main" id="{F829694F-A290-4943-801D-4F3AECA10411}"/>
+              </a:ext>
+            </a:extLst>
+          </p:cNvPr>
+          <p:cNvCxnSpPr>
+            <a:cxnSpLocks/>
+          </p:cNvCxnSpPr>
+          <p:nvPr/>
+        </p:nvCxnSpPr>
+        <p:spPr>
+          <a:xfrm>
+            <a:off x="2985477" y="4657254"/>
+            <a:ext cx="1592391" cy="508166"/>
+          </a:xfrm>
+          <a:prstGeom prst="straightConnector1">
+            <a:avLst/>
+          </a:prstGeom>
+          <a:ln>
+            <a:tailEnd type="triangle"/>
+          </a:ln>
+        </p:spPr>
+        <p:style>
+          <a:lnRef idx="1">
+            <a:schemeClr val="accent1"/>
+          </a:lnRef>
+          <a:fillRef idx="0">
+            <a:schemeClr val="accent1"/>
+          </a:fillRef>
+          <a:effectRef idx="0">
+            <a:schemeClr val="accent1"/>
+          </a:effectRef>
+          <a:fontRef idx="minor">
+            <a:schemeClr val="tx1"/>
+          </a:fontRef>
+        </p:style>
+      </p:cxnSp>
+    </p:spTree>
+    <p:extLst>
+      <p:ext uri="{BB962C8B-B14F-4D97-AF65-F5344CB8AC3E}">
+        <p14:creationId xmlns:p14="http://schemas.microsoft.com/office/powerpoint/2010/main" val="394846682"/>
+      </p:ext>
+    </p:extLst>
+  </p:cSld>
+  <p:clrMapOvr>
+    <a:masterClrMapping/>
+  </p:clrMapOvr>
+</p:sld>
+</file>
+
 <file path=ppt/slides/slide4.xml><?xml version="1.0" encoding="utf-8"?>
 <p:sld xmlns:a="http://schemas.openxmlformats.org/drawingml/2006/main" xmlns:r="http://schemas.openxmlformats.org/officeDocument/2006/relationships" xmlns:p="http://schemas.openxmlformats.org/presentationml/2006/main">
   <p:cSld>
@@ -15621,8 +16957,8 @@
         </p:nvSpPr>
         <p:spPr>
           <a:xfrm>
-            <a:off x="791307" y="546801"/>
-            <a:ext cx="10849708" cy="389325"/>
+            <a:off x="603738" y="335560"/>
+            <a:ext cx="10984523" cy="6165908"/>
           </a:xfrm>
         </p:spPr>
         <p:txBody>
@@ -15633,7 +16969,7 @@
           <a:p>
             <a:pPr algn="l"/>
             <a:r>
-              <a:rPr lang="es-CL" sz="2700" dirty="0">
+              <a:rPr lang="ang-Latn-001" sz="2800" b="1" dirty="0">
                 <a:effectLst>
                   <a:outerShdw blurRad="38100" dist="38100" dir="2700000" algn="tl">
                     <a:srgbClr val="000000">
@@ -15645,10 +16981,10 @@
                 <a:ea typeface="Batang" panose="02030600000101010101" pitchFamily="18" charset="-127"/>
                 <a:cs typeface="Quire Sans" panose="020B0502040204020203" pitchFamily="34" charset="0"/>
               </a:rPr>
-              <a:t>Construcció</a:t>
-            </a:r>
-            <a:r>
-              <a:rPr lang="ang-Latn-001" sz="2700" dirty="0">
+              <a:t>Definiciones de nuestros indicadores de base.</a:t>
+            </a:r>
+            <a:br>
+              <a:rPr lang="ang-Latn-001" sz="2800" b="1" dirty="0">
                 <a:effectLst>
                   <a:outerShdw blurRad="38100" dist="38100" dir="2700000" algn="tl">
                     <a:srgbClr val="000000">
@@ -15660,10 +16996,9 @@
                 <a:ea typeface="Batang" panose="02030600000101010101" pitchFamily="18" charset="-127"/>
                 <a:cs typeface="Quire Sans" panose="020B0502040204020203" pitchFamily="34" charset="0"/>
               </a:rPr>
-              <a:t>n de </a:t>
-            </a:r>
-            <a:r>
-              <a:rPr lang="es-CL" sz="2700" dirty="0">
+            </a:br>
+            <a:br>
+              <a:rPr lang="ang-Latn-001" sz="2800" b="1" dirty="0">
                 <a:effectLst>
                   <a:outerShdw blurRad="38100" dist="38100" dir="2700000" algn="tl">
                     <a:srgbClr val="000000">
@@ -15675,10 +17010,9 @@
                 <a:ea typeface="Batang" panose="02030600000101010101" pitchFamily="18" charset="-127"/>
                 <a:cs typeface="Quire Sans" panose="020B0502040204020203" pitchFamily="34" charset="0"/>
               </a:rPr>
-              <a:t>í</a:t>
-            </a:r>
-            <a:r>
-              <a:rPr lang="ang-Latn-001" sz="2700" dirty="0">
+            </a:br>
+            <a:br>
+              <a:rPr lang="ang-Latn-001" sz="2800" b="1" dirty="0">
                 <a:effectLst>
                   <a:outerShdw blurRad="38100" dist="38100" dir="2700000" algn="tl">
                     <a:srgbClr val="000000">
@@ -15690,526 +17024,232 @@
                 <a:ea typeface="Batang" panose="02030600000101010101" pitchFamily="18" charset="-127"/>
                 <a:cs typeface="Quire Sans" panose="020B0502040204020203" pitchFamily="34" charset="0"/>
               </a:rPr>
-              <a:t>ndices</a:t>
-            </a:r>
-            <a:endParaRPr lang="es-CL" sz="3100" dirty="0"/>
-          </a:p>
-        </p:txBody>
-      </p:sp>
-      <p:sp>
-        <p:nvSpPr>
-          <p:cNvPr id="8" name="CuadroTexto 7">
-            <a:extLst>
-              <a:ext uri="{FF2B5EF4-FFF2-40B4-BE49-F238E27FC236}">
-                <a16:creationId xmlns:a16="http://schemas.microsoft.com/office/drawing/2014/main" id="{DBB73518-D2F2-45A1-A13C-34921D558A7E}"/>
-              </a:ext>
-            </a:extLst>
-          </p:cNvPr>
-          <p:cNvSpPr txBox="1"/>
-          <p:nvPr/>
-        </p:nvSpPr>
-        <p:spPr>
-          <a:xfrm>
-            <a:off x="791307" y="1085747"/>
-            <a:ext cx="6189785" cy="584775"/>
-          </a:xfrm>
-          <a:prstGeom prst="rect">
-            <a:avLst/>
-          </a:prstGeom>
-          <a:noFill/>
-        </p:spPr>
-        <p:txBody>
-          <a:bodyPr wrap="square" rtlCol="0">
-            <a:spAutoFit/>
-          </a:bodyPr>
-          <a:lstStyle/>
-          <a:p>
-            <a:pPr marL="0" marR="0" lvl="0" indent="0" algn="l" defTabSz="457200" rtl="0" eaLnBrk="1" fontAlgn="auto" latinLnBrk="0" hangingPunct="1">
-              <a:lnSpc>
-                <a:spcPct val="100000"/>
-              </a:lnSpc>
-              <a:spcBef>
-                <a:spcPts val="0"/>
-              </a:spcBef>
-              <a:spcAft>
-                <a:spcPts val="0"/>
-              </a:spcAft>
-              <a:buClrTx/>
-              <a:buSzTx/>
-              <a:buFontTx/>
-              <a:buNone/>
-              <a:tabLst/>
-              <a:defRPr/>
-            </a:pPr>
-            <a:r>
-              <a:rPr kumimoji="0" lang="es-CL" sz="3200" b="0" i="0" u="none" strike="noStrike" kern="1200" cap="none" spc="0" normalizeH="0" baseline="0" noProof="0" dirty="0">
-                <a:ln>
-                  <a:noFill/>
-                </a:ln>
-                <a:solidFill>
-                  <a:srgbClr val="73CBB2">
-                    <a:lumMod val="75000"/>
-                  </a:srgbClr>
-                </a:solidFill>
-                <a:effectLst/>
-                <a:uLnTx/>
-                <a:uFillTx/>
-                <a:latin typeface="Corbel" panose="020B0503020204020204"/>
-                <a:ea typeface="+mn-ea"/>
-                <a:cs typeface="+mn-cs"/>
-              </a:rPr>
-              <a:t>Índice de bienestar humano</a:t>
-            </a:r>
-          </a:p>
-        </p:txBody>
-      </p:sp>
-      <p:sp>
-        <p:nvSpPr>
-          <p:cNvPr id="3" name="Elipse 2">
-            <a:extLst>
-              <a:ext uri="{FF2B5EF4-FFF2-40B4-BE49-F238E27FC236}">
-                <a16:creationId xmlns:a16="http://schemas.microsoft.com/office/drawing/2014/main" id="{67693FCA-4F4D-487B-AA4F-AD23B901676C}"/>
-              </a:ext>
-            </a:extLst>
-          </p:cNvPr>
-          <p:cNvSpPr/>
-          <p:nvPr/>
-        </p:nvSpPr>
-        <p:spPr>
-          <a:xfrm>
-            <a:off x="1417739" y="2625754"/>
-            <a:ext cx="2961314" cy="2114026"/>
-          </a:xfrm>
-          <a:prstGeom prst="ellipse">
-            <a:avLst/>
-          </a:prstGeom>
-        </p:spPr>
-        <p:style>
-          <a:lnRef idx="2">
-            <a:schemeClr val="accent1">
-              <a:shade val="50000"/>
-            </a:schemeClr>
-          </a:lnRef>
-          <a:fillRef idx="1">
-            <a:schemeClr val="accent1"/>
-          </a:fillRef>
-          <a:effectRef idx="0">
-            <a:schemeClr val="accent1"/>
-          </a:effectRef>
-          <a:fontRef idx="minor">
-            <a:schemeClr val="lt1"/>
-          </a:fontRef>
-        </p:style>
-        <p:txBody>
-          <a:bodyPr rtlCol="0" anchor="ctr"/>
-          <a:lstStyle/>
-          <a:p>
-            <a:pPr algn="ctr"/>
-            <a:r>
-              <a:rPr lang="es-CL" sz="2400" dirty="0">
-                <a:solidFill>
-                  <a:srgbClr val="FFFF00"/>
-                </a:solidFill>
-              </a:rPr>
-              <a:t>Índice de bienestar humano</a:t>
-            </a:r>
-          </a:p>
-        </p:txBody>
-      </p:sp>
-      <p:sp>
-        <p:nvSpPr>
-          <p:cNvPr id="6" name="Elipse 5">
-            <a:extLst>
-              <a:ext uri="{FF2B5EF4-FFF2-40B4-BE49-F238E27FC236}">
-                <a16:creationId xmlns:a16="http://schemas.microsoft.com/office/drawing/2014/main" id="{9E0B73BF-7FDF-4A48-9E52-840817B99971}"/>
-              </a:ext>
-            </a:extLst>
-          </p:cNvPr>
-          <p:cNvSpPr/>
-          <p:nvPr/>
-        </p:nvSpPr>
-        <p:spPr>
-          <a:xfrm>
-            <a:off x="6920916" y="2540669"/>
-            <a:ext cx="2004969" cy="1040235"/>
-          </a:xfrm>
-          <a:prstGeom prst="ellipse">
-            <a:avLst/>
-          </a:prstGeom>
-        </p:spPr>
-        <p:style>
-          <a:lnRef idx="2">
-            <a:schemeClr val="accent1">
-              <a:shade val="50000"/>
-            </a:schemeClr>
-          </a:lnRef>
-          <a:fillRef idx="1">
-            <a:schemeClr val="accent1"/>
-          </a:fillRef>
-          <a:effectRef idx="0">
-            <a:schemeClr val="accent1"/>
-          </a:effectRef>
-          <a:fontRef idx="minor">
-            <a:schemeClr val="lt1"/>
-          </a:fontRef>
-        </p:style>
-        <p:txBody>
-          <a:bodyPr rtlCol="0" anchor="ctr"/>
-          <a:lstStyle/>
-          <a:p>
-            <a:pPr algn="ctr"/>
-            <a:r>
-              <a:rPr lang="ang-Latn-001" sz="1400" dirty="0">
-                <a:solidFill>
-                  <a:srgbClr val="FFFF00"/>
-                </a:solidFill>
-              </a:rPr>
-              <a:t>Pobreza</a:t>
-            </a:r>
-          </a:p>
-        </p:txBody>
-      </p:sp>
-      <p:sp>
-        <p:nvSpPr>
-          <p:cNvPr id="13" name="Elipse 12">
-            <a:extLst>
-              <a:ext uri="{FF2B5EF4-FFF2-40B4-BE49-F238E27FC236}">
-                <a16:creationId xmlns:a16="http://schemas.microsoft.com/office/drawing/2014/main" id="{975AE5A5-489C-4EE9-9407-9F564668ECC9}"/>
-              </a:ext>
-            </a:extLst>
-          </p:cNvPr>
-          <p:cNvSpPr/>
-          <p:nvPr/>
-        </p:nvSpPr>
-        <p:spPr>
-          <a:xfrm>
-            <a:off x="5882053" y="1366852"/>
-            <a:ext cx="2004969" cy="1040235"/>
-          </a:xfrm>
-          <a:prstGeom prst="ellipse">
-            <a:avLst/>
-          </a:prstGeom>
-        </p:spPr>
-        <p:style>
-          <a:lnRef idx="2">
-            <a:schemeClr val="accent1">
-              <a:shade val="50000"/>
-            </a:schemeClr>
-          </a:lnRef>
-          <a:fillRef idx="1">
-            <a:schemeClr val="accent1"/>
-          </a:fillRef>
-          <a:effectRef idx="0">
-            <a:schemeClr val="accent1"/>
-          </a:effectRef>
-          <a:fontRef idx="minor">
-            <a:schemeClr val="lt1"/>
-          </a:fontRef>
-        </p:style>
-        <p:txBody>
-          <a:bodyPr rtlCol="0" anchor="ctr"/>
-          <a:lstStyle/>
-          <a:p>
-            <a:pPr algn="ctr"/>
-            <a:r>
-              <a:rPr lang="ang-Latn-001" sz="1400" dirty="0">
-                <a:solidFill>
-                  <a:srgbClr val="FFFF00"/>
-                </a:solidFill>
-              </a:rPr>
-              <a:t>Cobertura en seguridad social</a:t>
-            </a:r>
-            <a:endParaRPr lang="es-CL" sz="1400" dirty="0">
-              <a:solidFill>
-                <a:srgbClr val="FFFF00"/>
-              </a:solidFill>
-            </a:endParaRPr>
-          </a:p>
-        </p:txBody>
-      </p:sp>
-      <p:sp>
-        <p:nvSpPr>
-          <p:cNvPr id="14" name="Elipse 13">
-            <a:extLst>
-              <a:ext uri="{FF2B5EF4-FFF2-40B4-BE49-F238E27FC236}">
-                <a16:creationId xmlns:a16="http://schemas.microsoft.com/office/drawing/2014/main" id="{AAA96983-365F-4382-BCF7-7A2C25A9847C}"/>
-              </a:ext>
-            </a:extLst>
-          </p:cNvPr>
-          <p:cNvSpPr/>
-          <p:nvPr/>
-        </p:nvSpPr>
-        <p:spPr>
-          <a:xfrm>
-            <a:off x="6920916" y="3840103"/>
-            <a:ext cx="2004969" cy="1040235"/>
-          </a:xfrm>
-          <a:prstGeom prst="ellipse">
-            <a:avLst/>
-          </a:prstGeom>
-        </p:spPr>
-        <p:style>
-          <a:lnRef idx="2">
-            <a:schemeClr val="accent1">
-              <a:shade val="50000"/>
-            </a:schemeClr>
-          </a:lnRef>
-          <a:fillRef idx="1">
-            <a:schemeClr val="accent1"/>
-          </a:fillRef>
-          <a:effectRef idx="0">
-            <a:schemeClr val="accent1"/>
-          </a:effectRef>
-          <a:fontRef idx="minor">
-            <a:schemeClr val="lt1"/>
-          </a:fontRef>
-        </p:style>
-        <p:txBody>
-          <a:bodyPr rtlCol="0" anchor="ctr"/>
-          <a:lstStyle/>
-          <a:p>
-            <a:pPr algn="ctr"/>
-            <a:r>
-              <a:rPr lang="ang-Latn-001" sz="1400" dirty="0">
-                <a:solidFill>
-                  <a:srgbClr val="FFFF00"/>
-                </a:solidFill>
-              </a:rPr>
-              <a:t>Coeficiente de Gini</a:t>
-            </a:r>
-            <a:endParaRPr lang="es-CL" sz="1400" dirty="0">
-              <a:solidFill>
-                <a:srgbClr val="FFFF00"/>
-              </a:solidFill>
-            </a:endParaRPr>
-          </a:p>
-        </p:txBody>
-      </p:sp>
-      <p:sp>
-        <p:nvSpPr>
-          <p:cNvPr id="15" name="Elipse 14">
-            <a:extLst>
-              <a:ext uri="{FF2B5EF4-FFF2-40B4-BE49-F238E27FC236}">
-                <a16:creationId xmlns:a16="http://schemas.microsoft.com/office/drawing/2014/main" id="{C8B4029D-0A65-4ECA-AAA0-BA035544D223}"/>
-              </a:ext>
-            </a:extLst>
-          </p:cNvPr>
-          <p:cNvSpPr/>
-          <p:nvPr/>
-        </p:nvSpPr>
-        <p:spPr>
-          <a:xfrm>
-            <a:off x="5775819" y="4935405"/>
-            <a:ext cx="2004969" cy="1040235"/>
-          </a:xfrm>
-          <a:prstGeom prst="ellipse">
-            <a:avLst/>
-          </a:prstGeom>
-        </p:spPr>
-        <p:style>
-          <a:lnRef idx="2">
-            <a:schemeClr val="accent1">
-              <a:shade val="50000"/>
-            </a:schemeClr>
-          </a:lnRef>
-          <a:fillRef idx="1">
-            <a:schemeClr val="accent1"/>
-          </a:fillRef>
-          <a:effectRef idx="0">
-            <a:schemeClr val="accent1"/>
-          </a:effectRef>
-          <a:fontRef idx="minor">
-            <a:schemeClr val="lt1"/>
-          </a:fontRef>
-        </p:style>
-        <p:txBody>
-          <a:bodyPr rtlCol="0" anchor="ctr"/>
-          <a:lstStyle/>
-          <a:p>
-            <a:pPr algn="ctr"/>
-            <a:r>
-              <a:rPr lang="es-CL" sz="1400" dirty="0">
-                <a:solidFill>
-                  <a:srgbClr val="FFFF00"/>
-                </a:solidFill>
-              </a:rPr>
-              <a:t>Índice de desarrollo comunal</a:t>
-            </a:r>
-          </a:p>
-        </p:txBody>
-      </p:sp>
-      <p:cxnSp>
-        <p:nvCxnSpPr>
-          <p:cNvPr id="16" name="Conector recto de flecha 15">
-            <a:extLst>
-              <a:ext uri="{FF2B5EF4-FFF2-40B4-BE49-F238E27FC236}">
-                <a16:creationId xmlns:a16="http://schemas.microsoft.com/office/drawing/2014/main" id="{E20B0834-F7DC-4B5E-848F-F51442AB4681}"/>
-              </a:ext>
-            </a:extLst>
-          </p:cNvPr>
-          <p:cNvCxnSpPr>
-            <a:stCxn id="3" idx="7"/>
-            <a:endCxn id="13" idx="2"/>
-          </p:cNvCxnSpPr>
-          <p:nvPr/>
-        </p:nvCxnSpPr>
-        <p:spPr>
-          <a:xfrm flipV="1">
-            <a:off x="3945379" y="1886970"/>
-            <a:ext cx="1936674" cy="1048376"/>
-          </a:xfrm>
-          <a:prstGeom prst="straightConnector1">
-            <a:avLst/>
-          </a:prstGeom>
-          <a:ln>
-            <a:tailEnd type="triangle"/>
-          </a:ln>
-        </p:spPr>
-        <p:style>
-          <a:lnRef idx="1">
-            <a:schemeClr val="accent1"/>
-          </a:lnRef>
-          <a:fillRef idx="0">
-            <a:schemeClr val="accent1"/>
-          </a:fillRef>
-          <a:effectRef idx="0">
-            <a:schemeClr val="accent1"/>
-          </a:effectRef>
-          <a:fontRef idx="minor">
-            <a:schemeClr val="tx1"/>
-          </a:fontRef>
-        </p:style>
-      </p:cxnSp>
-      <p:cxnSp>
-        <p:nvCxnSpPr>
-          <p:cNvPr id="18" name="Conector recto de flecha 17">
-            <a:extLst>
-              <a:ext uri="{FF2B5EF4-FFF2-40B4-BE49-F238E27FC236}">
-                <a16:creationId xmlns:a16="http://schemas.microsoft.com/office/drawing/2014/main" id="{B33F955C-3240-4CF9-BD04-53C91797A764}"/>
-              </a:ext>
-            </a:extLst>
-          </p:cNvPr>
-          <p:cNvCxnSpPr>
-            <a:stCxn id="3" idx="6"/>
-            <a:endCxn id="6" idx="2"/>
-          </p:cNvCxnSpPr>
-          <p:nvPr/>
-        </p:nvCxnSpPr>
-        <p:spPr>
-          <a:xfrm flipV="1">
-            <a:off x="4379053" y="3060787"/>
-            <a:ext cx="2541863" cy="621980"/>
-          </a:xfrm>
-          <a:prstGeom prst="straightConnector1">
-            <a:avLst/>
-          </a:prstGeom>
-          <a:ln>
-            <a:tailEnd type="triangle"/>
-          </a:ln>
-        </p:spPr>
-        <p:style>
-          <a:lnRef idx="1">
-            <a:schemeClr val="accent1"/>
-          </a:lnRef>
-          <a:fillRef idx="0">
-            <a:schemeClr val="accent1"/>
-          </a:fillRef>
-          <a:effectRef idx="0">
-            <a:schemeClr val="accent1"/>
-          </a:effectRef>
-          <a:fontRef idx="minor">
-            <a:schemeClr val="tx1"/>
-          </a:fontRef>
-        </p:style>
-      </p:cxnSp>
-      <p:cxnSp>
-        <p:nvCxnSpPr>
-          <p:cNvPr id="20" name="Conector recto de flecha 19">
-            <a:extLst>
-              <a:ext uri="{FF2B5EF4-FFF2-40B4-BE49-F238E27FC236}">
-                <a16:creationId xmlns:a16="http://schemas.microsoft.com/office/drawing/2014/main" id="{5458EB06-ABC8-454B-93A4-60F6DD6BEB2A}"/>
-              </a:ext>
-            </a:extLst>
-          </p:cNvPr>
-          <p:cNvCxnSpPr>
-            <a:stCxn id="3" idx="6"/>
-            <a:endCxn id="14" idx="2"/>
-          </p:cNvCxnSpPr>
-          <p:nvPr/>
-        </p:nvCxnSpPr>
-        <p:spPr>
-          <a:xfrm>
-            <a:off x="4379053" y="3682767"/>
-            <a:ext cx="2541863" cy="677454"/>
-          </a:xfrm>
-          <a:prstGeom prst="straightConnector1">
-            <a:avLst/>
-          </a:prstGeom>
-          <a:ln>
-            <a:tailEnd type="triangle"/>
-          </a:ln>
-        </p:spPr>
-        <p:style>
-          <a:lnRef idx="1">
-            <a:schemeClr val="accent1"/>
-          </a:lnRef>
-          <a:fillRef idx="0">
-            <a:schemeClr val="accent1"/>
-          </a:fillRef>
-          <a:effectRef idx="0">
-            <a:schemeClr val="accent1"/>
-          </a:effectRef>
-          <a:fontRef idx="minor">
-            <a:schemeClr val="tx1"/>
-          </a:fontRef>
-        </p:style>
-      </p:cxnSp>
-      <p:cxnSp>
-        <p:nvCxnSpPr>
-          <p:cNvPr id="22" name="Conector recto de flecha 21">
-            <a:extLst>
-              <a:ext uri="{FF2B5EF4-FFF2-40B4-BE49-F238E27FC236}">
-                <a16:creationId xmlns:a16="http://schemas.microsoft.com/office/drawing/2014/main" id="{3474A243-BA45-46C8-AA06-E0F5FB8FB4D1}"/>
-              </a:ext>
-            </a:extLst>
-          </p:cNvPr>
-          <p:cNvCxnSpPr>
-            <a:stCxn id="3" idx="5"/>
-            <a:endCxn id="15" idx="2"/>
-          </p:cNvCxnSpPr>
-          <p:nvPr/>
-        </p:nvCxnSpPr>
-        <p:spPr>
-          <a:xfrm>
-            <a:off x="3945379" y="4430188"/>
-            <a:ext cx="1830440" cy="1025335"/>
-          </a:xfrm>
-          <a:prstGeom prst="straightConnector1">
-            <a:avLst/>
-          </a:prstGeom>
-          <a:ln>
-            <a:tailEnd type="triangle"/>
-          </a:ln>
-        </p:spPr>
-        <p:style>
-          <a:lnRef idx="1">
-            <a:schemeClr val="accent1"/>
-          </a:lnRef>
-          <a:fillRef idx="0">
-            <a:schemeClr val="accent1"/>
-          </a:fillRef>
-          <a:effectRef idx="0">
-            <a:schemeClr val="accent1"/>
-          </a:effectRef>
-          <a:fontRef idx="minor">
-            <a:schemeClr val="tx1"/>
-          </a:fontRef>
-        </p:style>
-      </p:cxnSp>
+            </a:br>
+            <a:r>
+              <a:rPr lang="es-CL" sz="2800" b="1" dirty="0">
+                <a:effectLst>
+                  <a:outerShdw blurRad="38100" dist="38100" dir="2700000" algn="tl">
+                    <a:srgbClr val="000000">
+                      <a:alpha val="43137"/>
+                    </a:srgbClr>
+                  </a:outerShdw>
+                </a:effectLst>
+                <a:latin typeface="Batang" panose="02030600000101010101" pitchFamily="18" charset="-127"/>
+                <a:ea typeface="Batang" panose="02030600000101010101" pitchFamily="18" charset="-127"/>
+                <a:cs typeface="Quire Sans" panose="020B0502040204020203" pitchFamily="34" charset="0"/>
+              </a:rPr>
+              <a:t>I</a:t>
+            </a:r>
+            <a:r>
+              <a:rPr lang="ang-Latn-001" sz="2800" b="1">
+                <a:effectLst>
+                  <a:outerShdw blurRad="38100" dist="38100" dir="2700000" algn="tl">
+                    <a:srgbClr val="000000">
+                      <a:alpha val="43137"/>
+                    </a:srgbClr>
+                  </a:outerShdw>
+                </a:effectLst>
+                <a:latin typeface="Batang" panose="02030600000101010101" pitchFamily="18" charset="-127"/>
+                <a:ea typeface="Batang" panose="02030600000101010101" pitchFamily="18" charset="-127"/>
+                <a:cs typeface="Quire Sans" panose="020B0502040204020203" pitchFamily="34" charset="0"/>
+              </a:rPr>
+              <a:t>vhcc:</a:t>
+            </a:r>
+            <a:br>
+              <a:rPr lang="ang-Latn-001" sz="2800" b="1">
+                <a:effectLst>
+                  <a:outerShdw blurRad="38100" dist="38100" dir="2700000" algn="tl">
+                    <a:srgbClr val="000000">
+                      <a:alpha val="43137"/>
+                    </a:srgbClr>
+                  </a:outerShdw>
+                </a:effectLst>
+                <a:latin typeface="Batang" panose="02030600000101010101" pitchFamily="18" charset="-127"/>
+                <a:ea typeface="Batang" panose="02030600000101010101" pitchFamily="18" charset="-127"/>
+                <a:cs typeface="Quire Sans" panose="020B0502040204020203" pitchFamily="34" charset="0"/>
+              </a:rPr>
+            </a:br>
+            <a:br>
+              <a:rPr lang="ang-Latn-001" sz="2800" b="1">
+                <a:effectLst>
+                  <a:outerShdw blurRad="38100" dist="38100" dir="2700000" algn="tl">
+                    <a:srgbClr val="000000">
+                      <a:alpha val="43137"/>
+                    </a:srgbClr>
+                  </a:outerShdw>
+                </a:effectLst>
+                <a:latin typeface="Batang" panose="02030600000101010101" pitchFamily="18" charset="-127"/>
+                <a:ea typeface="Batang" panose="02030600000101010101" pitchFamily="18" charset="-127"/>
+                <a:cs typeface="Quire Sans" panose="020B0502040204020203" pitchFamily="34" charset="0"/>
+              </a:rPr>
+            </a:br>
+            <a:br>
+              <a:rPr lang="ang-Latn-001" sz="2800" b="1" dirty="0">
+                <a:effectLst>
+                  <a:outerShdw blurRad="38100" dist="38100" dir="2700000" algn="tl">
+                    <a:srgbClr val="000000">
+                      <a:alpha val="43137"/>
+                    </a:srgbClr>
+                  </a:outerShdw>
+                </a:effectLst>
+                <a:latin typeface="Batang" panose="02030600000101010101" pitchFamily="18" charset="-127"/>
+                <a:ea typeface="Batang" panose="02030600000101010101" pitchFamily="18" charset="-127"/>
+                <a:cs typeface="Quire Sans" panose="020B0502040204020203" pitchFamily="34" charset="0"/>
+              </a:rPr>
+            </a:br>
+            <a:r>
+              <a:rPr lang="ang-Latn-001" sz="2800" b="1" dirty="0">
+                <a:effectLst>
+                  <a:outerShdw blurRad="38100" dist="38100" dir="2700000" algn="tl">
+                    <a:srgbClr val="000000">
+                      <a:alpha val="43137"/>
+                    </a:srgbClr>
+                  </a:outerShdw>
+                </a:effectLst>
+                <a:latin typeface="Batang" panose="02030600000101010101" pitchFamily="18" charset="-127"/>
+                <a:ea typeface="Batang" panose="02030600000101010101" pitchFamily="18" charset="-127"/>
+                <a:cs typeface="Quire Sans" panose="020B0502040204020203" pitchFamily="34" charset="0"/>
+              </a:rPr>
+              <a:t>ibu indice de bienestar urbano</a:t>
+            </a:r>
+            <a:br>
+              <a:rPr lang="ang-Latn-001" sz="2800" b="1" dirty="0">
+                <a:effectLst>
+                  <a:outerShdw blurRad="38100" dist="38100" dir="2700000" algn="tl">
+                    <a:srgbClr val="000000">
+                      <a:alpha val="43137"/>
+                    </a:srgbClr>
+                  </a:outerShdw>
+                </a:effectLst>
+                <a:latin typeface="Batang" panose="02030600000101010101" pitchFamily="18" charset="-127"/>
+                <a:ea typeface="Batang" panose="02030600000101010101" pitchFamily="18" charset="-127"/>
+                <a:cs typeface="Quire Sans" panose="020B0502040204020203" pitchFamily="34" charset="0"/>
+              </a:rPr>
+            </a:br>
+            <a:r>
+              <a:rPr lang="ang-Latn-001" sz="2800" b="1" dirty="0">
+                <a:effectLst>
+                  <a:outerShdw blurRad="38100" dist="38100" dir="2700000" algn="tl">
+                    <a:srgbClr val="000000">
+                      <a:alpha val="43137"/>
+                    </a:srgbClr>
+                  </a:outerShdw>
+                </a:effectLst>
+                <a:latin typeface="Batang" panose="02030600000101010101" pitchFamily="18" charset="-127"/>
+                <a:ea typeface="Batang" panose="02030600000101010101" pitchFamily="18" charset="-127"/>
+                <a:cs typeface="Quire Sans" panose="020B0502040204020203" pitchFamily="34" charset="0"/>
+              </a:rPr>
+              <a:t>ivh</a:t>
+            </a:r>
+            <a:br>
+              <a:rPr lang="ang-Latn-001" sz="2800" b="1" dirty="0">
+                <a:effectLst>
+                  <a:outerShdw blurRad="38100" dist="38100" dir="2700000" algn="tl">
+                    <a:srgbClr val="000000">
+                      <a:alpha val="43137"/>
+                    </a:srgbClr>
+                  </a:outerShdw>
+                </a:effectLst>
+                <a:latin typeface="Batang" panose="02030600000101010101" pitchFamily="18" charset="-127"/>
+                <a:ea typeface="Batang" panose="02030600000101010101" pitchFamily="18" charset="-127"/>
+                <a:cs typeface="Quire Sans" panose="020B0502040204020203" pitchFamily="34" charset="0"/>
+              </a:rPr>
+            </a:br>
+            <a:br>
+              <a:rPr lang="ang-Latn-001" sz="2800" b="1" dirty="0">
+                <a:effectLst>
+                  <a:outerShdw blurRad="38100" dist="38100" dir="2700000" algn="tl">
+                    <a:srgbClr val="000000">
+                      <a:alpha val="43137"/>
+                    </a:srgbClr>
+                  </a:outerShdw>
+                </a:effectLst>
+                <a:latin typeface="Batang" panose="02030600000101010101" pitchFamily="18" charset="-127"/>
+                <a:ea typeface="Batang" panose="02030600000101010101" pitchFamily="18" charset="-127"/>
+                <a:cs typeface="Quire Sans" panose="020B0502040204020203" pitchFamily="34" charset="0"/>
+              </a:rPr>
+            </a:br>
+            <a:br>
+              <a:rPr lang="ang-Latn-001" sz="2800" b="1" dirty="0">
+                <a:effectLst>
+                  <a:outerShdw blurRad="38100" dist="38100" dir="2700000" algn="tl">
+                    <a:srgbClr val="000000">
+                      <a:alpha val="43137"/>
+                    </a:srgbClr>
+                  </a:outerShdw>
+                </a:effectLst>
+                <a:latin typeface="Batang" panose="02030600000101010101" pitchFamily="18" charset="-127"/>
+                <a:ea typeface="Batang" panose="02030600000101010101" pitchFamily="18" charset="-127"/>
+                <a:cs typeface="Quire Sans" panose="020B0502040204020203" pitchFamily="34" charset="0"/>
+              </a:rPr>
+            </a:br>
+            <a:br>
+              <a:rPr lang="ang-Latn-001" sz="2800" b="1" dirty="0">
+                <a:effectLst>
+                  <a:outerShdw blurRad="38100" dist="38100" dir="2700000" algn="tl">
+                    <a:srgbClr val="000000">
+                      <a:alpha val="43137"/>
+                    </a:srgbClr>
+                  </a:outerShdw>
+                </a:effectLst>
+                <a:latin typeface="Batang" panose="02030600000101010101" pitchFamily="18" charset="-127"/>
+                <a:ea typeface="Batang" panose="02030600000101010101" pitchFamily="18" charset="-127"/>
+                <a:cs typeface="Quire Sans" panose="020B0502040204020203" pitchFamily="34" charset="0"/>
+              </a:rPr>
+            </a:br>
+            <a:br>
+              <a:rPr lang="ang-Latn-001" sz="2800" b="1" dirty="0">
+                <a:effectLst>
+                  <a:outerShdw blurRad="38100" dist="38100" dir="2700000" algn="tl">
+                    <a:srgbClr val="000000">
+                      <a:alpha val="43137"/>
+                    </a:srgbClr>
+                  </a:outerShdw>
+                </a:effectLst>
+                <a:latin typeface="Batang" panose="02030600000101010101" pitchFamily="18" charset="-127"/>
+                <a:ea typeface="Batang" panose="02030600000101010101" pitchFamily="18" charset="-127"/>
+                <a:cs typeface="Quire Sans" panose="020B0502040204020203" pitchFamily="34" charset="0"/>
+              </a:rPr>
+            </a:br>
+            <a:br>
+              <a:rPr lang="ang-Latn-001" sz="2800" b="1" dirty="0">
+                <a:effectLst>
+                  <a:outerShdw blurRad="38100" dist="38100" dir="2700000" algn="tl">
+                    <a:srgbClr val="000000">
+                      <a:alpha val="43137"/>
+                    </a:srgbClr>
+                  </a:outerShdw>
+                </a:effectLst>
+                <a:latin typeface="Batang" panose="02030600000101010101" pitchFamily="18" charset="-127"/>
+                <a:ea typeface="Batang" panose="02030600000101010101" pitchFamily="18" charset="-127"/>
+                <a:cs typeface="Quire Sans" panose="020B0502040204020203" pitchFamily="34" charset="0"/>
+              </a:rPr>
+            </a:br>
+            <a:br>
+              <a:rPr lang="ang-Latn-001" sz="2800" b="1" dirty="0">
+                <a:effectLst>
+                  <a:outerShdw blurRad="38100" dist="38100" dir="2700000" algn="tl">
+                    <a:srgbClr val="000000">
+                      <a:alpha val="43137"/>
+                    </a:srgbClr>
+                  </a:outerShdw>
+                </a:effectLst>
+                <a:latin typeface="Batang" panose="02030600000101010101" pitchFamily="18" charset="-127"/>
+                <a:ea typeface="Batang" panose="02030600000101010101" pitchFamily="18" charset="-127"/>
+                <a:cs typeface="Quire Sans" panose="020B0502040204020203" pitchFamily="34" charset="0"/>
+              </a:rPr>
+            </a:br>
+            <a:br>
+              <a:rPr lang="es-CL" sz="2800" b="1" dirty="0"/>
+            </a:br>
+            <a:endParaRPr lang="es-CL" sz="2800" dirty="0"/>
+          </a:p>
+        </p:txBody>
+      </p:sp>
     </p:spTree>
     <p:extLst>
       <p:ext uri="{BB962C8B-B14F-4D97-AF65-F5344CB8AC3E}">
-        <p14:creationId xmlns:p14="http://schemas.microsoft.com/office/powerpoint/2010/main" val="274383438"/>
+        <p14:creationId xmlns:p14="http://schemas.microsoft.com/office/powerpoint/2010/main" val="396414759"/>
       </p:ext>
     </p:extLst>
   </p:cSld>
@@ -16254,8 +17294,8 @@
         </p:nvSpPr>
         <p:spPr>
           <a:xfrm>
-            <a:off x="791307" y="546801"/>
-            <a:ext cx="10849708" cy="389325"/>
+            <a:off x="603738" y="2631831"/>
+            <a:ext cx="10984523" cy="1594338"/>
           </a:xfrm>
         </p:spPr>
         <p:txBody>
@@ -16264,9 +17304,9 @@
           </a:bodyPr>
           <a:lstStyle/>
           <a:p>
-            <a:pPr algn="l"/>
-            <a:r>
-              <a:rPr lang="es-CL" sz="2700" dirty="0">
+            <a:pPr algn="ctr"/>
+            <a:r>
+              <a:rPr lang="es-CL" sz="8000" dirty="0">
                 <a:effectLst>
                   <a:outerShdw blurRad="38100" dist="38100" dir="2700000" algn="tl">
                     <a:srgbClr val="000000">
@@ -16278,10 +17318,10 @@
                 <a:ea typeface="Batang" panose="02030600000101010101" pitchFamily="18" charset="-127"/>
                 <a:cs typeface="Quire Sans" panose="020B0502040204020203" pitchFamily="34" charset="0"/>
               </a:rPr>
-              <a:t>Construcció</a:t>
-            </a:r>
-            <a:r>
-              <a:rPr lang="ang-Latn-001" sz="2700" dirty="0">
+              <a:t>Í</a:t>
+            </a:r>
+            <a:r>
+              <a:rPr lang="ang-Latn-001" sz="8000" dirty="0">
                 <a:effectLst>
                   <a:outerShdw blurRad="38100" dist="38100" dir="2700000" algn="tl">
                     <a:srgbClr val="000000">
@@ -16293,482 +17333,11 @@
                 <a:ea typeface="Batang" panose="02030600000101010101" pitchFamily="18" charset="-127"/>
                 <a:cs typeface="Quire Sans" panose="020B0502040204020203" pitchFamily="34" charset="0"/>
               </a:rPr>
-              <a:t>n de </a:t>
-            </a:r>
-            <a:r>
-              <a:rPr lang="es-CL" sz="2700" dirty="0">
-                <a:effectLst>
-                  <a:outerShdw blurRad="38100" dist="38100" dir="2700000" algn="tl">
-                    <a:srgbClr val="000000">
-                      <a:alpha val="43137"/>
-                    </a:srgbClr>
-                  </a:outerShdw>
-                </a:effectLst>
-                <a:latin typeface="Batang" panose="02030600000101010101" pitchFamily="18" charset="-127"/>
-                <a:ea typeface="Batang" panose="02030600000101010101" pitchFamily="18" charset="-127"/>
-                <a:cs typeface="Quire Sans" panose="020B0502040204020203" pitchFamily="34" charset="0"/>
-              </a:rPr>
-              <a:t>í</a:t>
-            </a:r>
-            <a:r>
-              <a:rPr lang="ang-Latn-001" sz="2700" dirty="0">
-                <a:effectLst>
-                  <a:outerShdw blurRad="38100" dist="38100" dir="2700000" algn="tl">
-                    <a:srgbClr val="000000">
-                      <a:alpha val="43137"/>
-                    </a:srgbClr>
-                  </a:outerShdw>
-                </a:effectLst>
-                <a:latin typeface="Batang" panose="02030600000101010101" pitchFamily="18" charset="-127"/>
-                <a:ea typeface="Batang" panose="02030600000101010101" pitchFamily="18" charset="-127"/>
-                <a:cs typeface="Quire Sans" panose="020B0502040204020203" pitchFamily="34" charset="0"/>
-              </a:rPr>
               <a:t>ndices</a:t>
             </a:r>
-            <a:endParaRPr lang="es-CL" sz="3100" dirty="0"/>
-          </a:p>
-        </p:txBody>
-      </p:sp>
-      <p:sp>
-        <p:nvSpPr>
-          <p:cNvPr id="7" name="CuadroTexto 6">
-            <a:extLst>
-              <a:ext uri="{FF2B5EF4-FFF2-40B4-BE49-F238E27FC236}">
-                <a16:creationId xmlns:a16="http://schemas.microsoft.com/office/drawing/2014/main" id="{BFF74897-7A2A-4058-BBD5-AE044A36884D}"/>
-              </a:ext>
-            </a:extLst>
-          </p:cNvPr>
-          <p:cNvSpPr txBox="1"/>
-          <p:nvPr/>
-        </p:nvSpPr>
-        <p:spPr>
-          <a:xfrm>
-            <a:off x="650630" y="1670522"/>
-            <a:ext cx="11201401" cy="1538883"/>
-          </a:xfrm>
-          <a:prstGeom prst="rect">
-            <a:avLst/>
-          </a:prstGeom>
-          <a:noFill/>
-        </p:spPr>
-        <p:txBody>
-          <a:bodyPr wrap="square" rtlCol="0">
-            <a:spAutoFit/>
-          </a:bodyPr>
-          <a:lstStyle/>
-          <a:p>
-            <a:pPr marL="0" marR="0" lvl="0" indent="0" algn="l" defTabSz="457200" rtl="0" eaLnBrk="1" fontAlgn="auto" latinLnBrk="0" hangingPunct="1">
-              <a:lnSpc>
-                <a:spcPct val="100000"/>
-              </a:lnSpc>
-              <a:spcBef>
-                <a:spcPts val="0"/>
-              </a:spcBef>
-              <a:spcAft>
-                <a:spcPts val="0"/>
-              </a:spcAft>
-              <a:buClrTx/>
-              <a:buSzTx/>
-              <a:buFontTx/>
-              <a:buNone/>
-              <a:tabLst/>
-              <a:defRPr/>
-            </a:pPr>
             <a:br>
-              <a:rPr kumimoji="0" lang="es-MX" sz="1400" b="0" i="0" u="none" strike="noStrike" kern="1200" cap="none" spc="0" normalizeH="0" baseline="0" noProof="0" dirty="0">
-                <a:ln>
-                  <a:noFill/>
-                </a:ln>
-                <a:solidFill>
-                  <a:prstClr val="white"/>
-                </a:solidFill>
-                <a:effectLst/>
-                <a:uLnTx/>
-                <a:uFillTx/>
-                <a:latin typeface="Quire Sans" panose="020B0502040400020003" pitchFamily="34" charset="0"/>
-                <a:ea typeface="Batang" panose="02030600000101010101" pitchFamily="18" charset="-127"/>
-                <a:cs typeface="Quire Sans" panose="020B0502040400020003" pitchFamily="34" charset="0"/>
-              </a:rPr>
+              <a:rPr lang="es-CL" b="1" dirty="0"/>
             </a:br>
-            <a:r>
-              <a:rPr kumimoji="0" lang="es-CL" sz="1600" b="0" i="0" u="none" strike="noStrike" kern="1200" cap="none" spc="0" normalizeH="0" baseline="0" noProof="0" dirty="0">
-                <a:ln>
-                  <a:noFill/>
-                </a:ln>
-                <a:solidFill>
-                  <a:prstClr val="white"/>
-                </a:solidFill>
-                <a:effectLst/>
-                <a:uLnTx/>
-                <a:uFillTx/>
-                <a:latin typeface="Quire Sans" panose="020B0502040400020003" pitchFamily="34" charset="0"/>
-                <a:ea typeface="Batang" panose="02030600000101010101" pitchFamily="18" charset="-127"/>
-                <a:cs typeface="Quire Sans" panose="020B0502040400020003" pitchFamily="34" charset="0"/>
-              </a:rPr>
-              <a:t>Debemos comenzar por definir lo que entendemos por bienestar </a:t>
-            </a:r>
-            <a:r>
-              <a:rPr lang="ang-Latn-001" sz="1600" dirty="0">
-                <a:solidFill>
-                  <a:prstClr val="white"/>
-                </a:solidFill>
-                <a:latin typeface="Quire Sans" panose="020B0502040400020003" pitchFamily="34" charset="0"/>
-                <a:ea typeface="Batang" panose="02030600000101010101" pitchFamily="18" charset="-127"/>
-                <a:cs typeface="Quire Sans" panose="020B0502040400020003" pitchFamily="34" charset="0"/>
-              </a:rPr>
-              <a:t>sanitario</a:t>
-            </a:r>
-            <a:r>
-              <a:rPr kumimoji="0" lang="es-CL" sz="1600" b="0" i="0" u="none" strike="noStrike" kern="1200" cap="none" spc="0" normalizeH="0" baseline="0" noProof="0" dirty="0">
-                <a:ln>
-                  <a:noFill/>
-                </a:ln>
-                <a:solidFill>
-                  <a:prstClr val="white"/>
-                </a:solidFill>
-                <a:effectLst/>
-                <a:uLnTx/>
-                <a:uFillTx/>
-                <a:latin typeface="Quire Sans" panose="020B0502040400020003" pitchFamily="34" charset="0"/>
-                <a:ea typeface="Batang" panose="02030600000101010101" pitchFamily="18" charset="-127"/>
-                <a:cs typeface="Quire Sans" panose="020B0502040400020003" pitchFamily="34" charset="0"/>
-              </a:rPr>
-              <a:t>.</a:t>
-            </a:r>
-          </a:p>
-          <a:p>
-            <a:pPr marL="0" marR="0" lvl="0" indent="0" algn="l" defTabSz="457200" rtl="0" eaLnBrk="1" fontAlgn="auto" latinLnBrk="0" hangingPunct="1">
-              <a:lnSpc>
-                <a:spcPct val="100000"/>
-              </a:lnSpc>
-              <a:spcBef>
-                <a:spcPts val="0"/>
-              </a:spcBef>
-              <a:spcAft>
-                <a:spcPts val="0"/>
-              </a:spcAft>
-              <a:buClrTx/>
-              <a:buSzTx/>
-              <a:buFontTx/>
-              <a:buNone/>
-              <a:tabLst/>
-              <a:defRPr/>
-            </a:pPr>
-            <a:endParaRPr kumimoji="0" lang="es-CL" sz="1600" b="0" i="0" u="none" strike="noStrike" kern="1200" cap="none" spc="0" normalizeH="0" baseline="0" noProof="0" dirty="0">
-              <a:ln>
-                <a:noFill/>
-              </a:ln>
-              <a:solidFill>
-                <a:prstClr val="white"/>
-              </a:solidFill>
-              <a:effectLst/>
-              <a:uLnTx/>
-              <a:uFillTx/>
-              <a:latin typeface="Quire Sans" panose="020B0502040400020003" pitchFamily="34" charset="0"/>
-              <a:ea typeface="Batang" panose="02030600000101010101" pitchFamily="18" charset="-127"/>
-              <a:cs typeface="Quire Sans" panose="020B0502040400020003" pitchFamily="34" charset="0"/>
-            </a:endParaRPr>
-          </a:p>
-          <a:p>
-            <a:pPr marL="0" marR="0" lvl="0" indent="0" algn="l" defTabSz="457200" rtl="0" eaLnBrk="1" fontAlgn="auto" latinLnBrk="0" hangingPunct="1">
-              <a:lnSpc>
-                <a:spcPct val="100000"/>
-              </a:lnSpc>
-              <a:spcBef>
-                <a:spcPts val="0"/>
-              </a:spcBef>
-              <a:spcAft>
-                <a:spcPts val="0"/>
-              </a:spcAft>
-              <a:buClrTx/>
-              <a:buSzTx/>
-              <a:buFontTx/>
-              <a:buNone/>
-              <a:tabLst/>
-              <a:defRPr/>
-            </a:pPr>
-            <a:endParaRPr kumimoji="0" lang="es-CL" sz="1600" b="0" i="0" u="none" strike="noStrike" kern="1200" cap="none" spc="0" normalizeH="0" baseline="0" noProof="0" dirty="0">
-              <a:ln>
-                <a:noFill/>
-              </a:ln>
-              <a:solidFill>
-                <a:prstClr val="white"/>
-              </a:solidFill>
-              <a:effectLst/>
-              <a:uLnTx/>
-              <a:uFillTx/>
-              <a:latin typeface="Quire Sans" panose="020B0502040400020003" pitchFamily="34" charset="0"/>
-              <a:ea typeface="Batang" panose="02030600000101010101" pitchFamily="18" charset="-127"/>
-              <a:cs typeface="Quire Sans" panose="020B0502040400020003" pitchFamily="34" charset="0"/>
-            </a:endParaRPr>
-          </a:p>
-          <a:p>
-            <a:pPr marL="0" marR="0" lvl="0" indent="0" algn="l" defTabSz="457200" rtl="0" eaLnBrk="1" fontAlgn="auto" latinLnBrk="0" hangingPunct="1">
-              <a:lnSpc>
-                <a:spcPct val="100000"/>
-              </a:lnSpc>
-              <a:spcBef>
-                <a:spcPts val="0"/>
-              </a:spcBef>
-              <a:spcAft>
-                <a:spcPts val="0"/>
-              </a:spcAft>
-              <a:buClrTx/>
-              <a:buSzTx/>
-              <a:buFontTx/>
-              <a:buNone/>
-              <a:tabLst/>
-              <a:defRPr/>
-            </a:pPr>
-            <a:endParaRPr kumimoji="0" lang="es-CL" sz="1600" b="0" i="0" u="none" strike="noStrike" kern="1200" cap="none" spc="0" normalizeH="0" baseline="0" noProof="0" dirty="0">
-              <a:ln>
-                <a:noFill/>
-              </a:ln>
-              <a:solidFill>
-                <a:prstClr val="white"/>
-              </a:solidFill>
-              <a:effectLst/>
-              <a:uLnTx/>
-              <a:uFillTx/>
-              <a:latin typeface="Quire Sans" panose="020B0502040400020003" pitchFamily="34" charset="0"/>
-              <a:ea typeface="Batang" panose="02030600000101010101" pitchFamily="18" charset="-127"/>
-              <a:cs typeface="Quire Sans" panose="020B0502040400020003" pitchFamily="34" charset="0"/>
-            </a:endParaRPr>
-          </a:p>
-          <a:p>
-            <a:pPr marL="0" marR="0" lvl="0" indent="0" algn="l" defTabSz="457200" rtl="0" eaLnBrk="1" fontAlgn="auto" latinLnBrk="0" hangingPunct="1">
-              <a:lnSpc>
-                <a:spcPct val="100000"/>
-              </a:lnSpc>
-              <a:spcBef>
-                <a:spcPts val="0"/>
-              </a:spcBef>
-              <a:spcAft>
-                <a:spcPts val="0"/>
-              </a:spcAft>
-              <a:buClrTx/>
-              <a:buSzTx/>
-              <a:buFontTx/>
-              <a:buNone/>
-              <a:tabLst/>
-              <a:defRPr/>
-            </a:pPr>
-            <a:endParaRPr kumimoji="0" lang="es-CL" sz="1600" b="0" i="0" u="none" strike="noStrike" kern="1200" cap="none" spc="0" normalizeH="0" baseline="0" noProof="0" dirty="0">
-              <a:ln>
-                <a:noFill/>
-              </a:ln>
-              <a:solidFill>
-                <a:prstClr val="white"/>
-              </a:solidFill>
-              <a:effectLst/>
-              <a:uLnTx/>
-              <a:uFillTx/>
-              <a:latin typeface="Quire Sans" panose="020B0502040400020003" pitchFamily="34" charset="0"/>
-              <a:ea typeface="Batang" panose="02030600000101010101" pitchFamily="18" charset="-127"/>
-              <a:cs typeface="Quire Sans" panose="020B0502040400020003" pitchFamily="34" charset="0"/>
-            </a:endParaRPr>
-          </a:p>
-        </p:txBody>
-      </p:sp>
-      <p:sp>
-        <p:nvSpPr>
-          <p:cNvPr id="8" name="CuadroTexto 7">
-            <a:extLst>
-              <a:ext uri="{FF2B5EF4-FFF2-40B4-BE49-F238E27FC236}">
-                <a16:creationId xmlns:a16="http://schemas.microsoft.com/office/drawing/2014/main" id="{DBB73518-D2F2-45A1-A13C-34921D558A7E}"/>
-              </a:ext>
-            </a:extLst>
-          </p:cNvPr>
-          <p:cNvSpPr txBox="1"/>
-          <p:nvPr/>
-        </p:nvSpPr>
-        <p:spPr>
-          <a:xfrm>
-            <a:off x="791307" y="1085747"/>
-            <a:ext cx="6189785" cy="584775"/>
-          </a:xfrm>
-          <a:prstGeom prst="rect">
-            <a:avLst/>
-          </a:prstGeom>
-          <a:noFill/>
-        </p:spPr>
-        <p:txBody>
-          <a:bodyPr wrap="square" rtlCol="0">
-            <a:spAutoFit/>
-          </a:bodyPr>
-          <a:lstStyle/>
-          <a:p>
-            <a:pPr marL="0" marR="0" lvl="0" indent="0" algn="l" defTabSz="457200" rtl="0" eaLnBrk="1" fontAlgn="auto" latinLnBrk="0" hangingPunct="1">
-              <a:lnSpc>
-                <a:spcPct val="100000"/>
-              </a:lnSpc>
-              <a:spcBef>
-                <a:spcPts val="0"/>
-              </a:spcBef>
-              <a:spcAft>
-                <a:spcPts val="0"/>
-              </a:spcAft>
-              <a:buClrTx/>
-              <a:buSzTx/>
-              <a:buFontTx/>
-              <a:buNone/>
-              <a:tabLst/>
-              <a:defRPr/>
-            </a:pPr>
-            <a:r>
-              <a:rPr kumimoji="0" lang="es-CL" sz="3200" b="0" i="0" u="none" strike="noStrike" kern="1200" cap="none" spc="0" normalizeH="0" baseline="0" noProof="0" dirty="0">
-                <a:ln>
-                  <a:noFill/>
-                </a:ln>
-                <a:solidFill>
-                  <a:schemeClr val="accent1">
-                    <a:lumMod val="75000"/>
-                  </a:schemeClr>
-                </a:solidFill>
-                <a:effectLst/>
-                <a:uLnTx/>
-                <a:uFillTx/>
-                <a:latin typeface="Corbel" panose="020B0503020204020204"/>
-                <a:ea typeface="+mn-ea"/>
-                <a:cs typeface="+mn-cs"/>
-              </a:rPr>
-              <a:t>Índice de bienestar </a:t>
-            </a:r>
-            <a:r>
-              <a:rPr lang="ang-Latn-001" sz="3200" dirty="0">
-                <a:solidFill>
-                  <a:schemeClr val="accent1">
-                    <a:lumMod val="75000"/>
-                  </a:schemeClr>
-                </a:solidFill>
-                <a:latin typeface="Corbel" panose="020B0503020204020204"/>
-              </a:rPr>
-              <a:t>f</a:t>
-            </a:r>
-            <a:r>
-              <a:rPr lang="es-CL" sz="3200" dirty="0">
-                <a:solidFill>
-                  <a:schemeClr val="accent1">
-                    <a:lumMod val="75000"/>
-                  </a:schemeClr>
-                </a:solidFill>
-                <a:latin typeface="Corbel" panose="020B0503020204020204"/>
-              </a:rPr>
-              <a:t>í</a:t>
-            </a:r>
-            <a:r>
-              <a:rPr lang="ang-Latn-001" sz="3200" dirty="0">
-                <a:solidFill>
-                  <a:schemeClr val="accent1">
-                    <a:lumMod val="75000"/>
-                  </a:schemeClr>
-                </a:solidFill>
-                <a:latin typeface="Corbel" panose="020B0503020204020204"/>
-              </a:rPr>
-              <a:t>sico</a:t>
-            </a:r>
-            <a:endParaRPr kumimoji="0" lang="es-CL" sz="3200" b="0" i="0" u="none" strike="noStrike" kern="1200" cap="none" spc="0" normalizeH="0" baseline="0" noProof="0" dirty="0">
-              <a:ln>
-                <a:noFill/>
-              </a:ln>
-              <a:solidFill>
-                <a:schemeClr val="accent1">
-                  <a:lumMod val="75000"/>
-                </a:schemeClr>
-              </a:solidFill>
-              <a:effectLst/>
-              <a:uLnTx/>
-              <a:uFillTx/>
-              <a:latin typeface="Corbel" panose="020B0503020204020204"/>
-              <a:ea typeface="+mn-ea"/>
-              <a:cs typeface="+mn-cs"/>
-            </a:endParaRPr>
-          </a:p>
-        </p:txBody>
-      </p:sp>
-      <p:sp>
-        <p:nvSpPr>
-          <p:cNvPr id="3" name="CuadroTexto 2">
-            <a:extLst>
-              <a:ext uri="{FF2B5EF4-FFF2-40B4-BE49-F238E27FC236}">
-                <a16:creationId xmlns:a16="http://schemas.microsoft.com/office/drawing/2014/main" id="{429CBDF1-40BD-4D59-B12B-E732D9CFC6C0}"/>
-              </a:ext>
-            </a:extLst>
-          </p:cNvPr>
-          <p:cNvSpPr txBox="1"/>
-          <p:nvPr/>
-        </p:nvSpPr>
-        <p:spPr>
-          <a:xfrm>
-            <a:off x="650630" y="2465131"/>
-            <a:ext cx="8328478" cy="3785652"/>
-          </a:xfrm>
-          <a:prstGeom prst="rect">
-            <a:avLst/>
-          </a:prstGeom>
-          <a:noFill/>
-        </p:spPr>
-        <p:txBody>
-          <a:bodyPr wrap="square" rtlCol="0">
-            <a:spAutoFit/>
-          </a:bodyPr>
-          <a:lstStyle/>
-          <a:p>
-            <a:r>
-              <a:rPr lang="es-MX" dirty="0"/>
-              <a:t>Limitación en actividades de la vida diaria a causa de enfermedad o problemas de salud</a:t>
-            </a:r>
-          </a:p>
-          <a:p>
-            <a:endParaRPr lang="ang-Latn-001" dirty="0"/>
-          </a:p>
-          <a:p>
-            <a:r>
-              <a:rPr lang="es-MX" dirty="0"/>
-              <a:t>Enfermedad  o  problema  de  salud  con  duración mayor o igual a 6 meses </a:t>
-            </a:r>
-          </a:p>
-          <a:p>
-            <a:r>
-              <a:rPr lang="es-MX" sz="1400" dirty="0"/>
-              <a:t>Porcentaje de personas con problemas de salud (%)</a:t>
-            </a:r>
-          </a:p>
-          <a:p>
-            <a:endParaRPr lang="ang-Latn-001" sz="1400" dirty="0"/>
-          </a:p>
-          <a:p>
-            <a:r>
-              <a:rPr lang="es-MX" dirty="0"/>
-              <a:t>Enfermedades en los últimos 12 meses</a:t>
-            </a:r>
-          </a:p>
-          <a:p>
-            <a:endParaRPr lang="ang-Latn-001" dirty="0"/>
-          </a:p>
-          <a:p>
-            <a:r>
-              <a:rPr lang="es-CL" dirty="0"/>
-              <a:t>Índice de Masa Corporal (IMC) </a:t>
-            </a:r>
-          </a:p>
-          <a:p>
-            <a:r>
-              <a:rPr lang="es-CL" sz="1400" dirty="0"/>
-              <a:t>Porcentaje de personas para cada Índice de Masa Corporal (%)</a:t>
-            </a:r>
-            <a:endParaRPr lang="ang-Latn-001" sz="1400" dirty="0"/>
-          </a:p>
-          <a:p>
-            <a:endParaRPr lang="ang-Latn-001" dirty="0"/>
-          </a:p>
-          <a:p>
-            <a:endParaRPr lang="ang-Latn-001" dirty="0"/>
-          </a:p>
-          <a:p>
-            <a:endParaRPr lang="ang-Latn-001" dirty="0"/>
-          </a:p>
-          <a:p>
             <a:endParaRPr lang="es-CL" dirty="0"/>
           </a:p>
         </p:txBody>
@@ -16776,7 +17345,7 @@
     </p:spTree>
     <p:extLst>
       <p:ext uri="{BB962C8B-B14F-4D97-AF65-F5344CB8AC3E}">
-        <p14:creationId xmlns:p14="http://schemas.microsoft.com/office/powerpoint/2010/main" val="3206195731"/>
+        <p14:creationId xmlns:p14="http://schemas.microsoft.com/office/powerpoint/2010/main" val="395703236"/>
       </p:ext>
     </p:extLst>
   </p:cSld>

--- a/indices.pptx
+++ b/indices.pptx
@@ -185,7 +185,7 @@
   <pc:docChgLst>
     <pc:chgData name="Christian Castro" userId="a9937f86877348e7" providerId="LiveId" clId="{A7F3FE7C-0D60-41F7-8CFD-C454D6F1E9A8}"/>
     <pc:docChg chg="undo custSel addSld delSld modSld sldOrd">
-      <pc:chgData name="Christian Castro" userId="a9937f86877348e7" providerId="LiveId" clId="{A7F3FE7C-0D60-41F7-8CFD-C454D6F1E9A8}" dt="2021-10-27T18:33:14.094" v="3493" actId="20577"/>
+      <pc:chgData name="Christian Castro" userId="a9937f86877348e7" providerId="LiveId" clId="{A7F3FE7C-0D60-41F7-8CFD-C454D6F1E9A8}" dt="2021-10-28T12:52:03.358" v="3499" actId="20577"/>
       <pc:docMkLst>
         <pc:docMk/>
       </pc:docMkLst>
@@ -299,7 +299,7 @@
         </pc:picChg>
       </pc:sldChg>
       <pc:sldChg chg="addSp delSp modSp mod">
-        <pc:chgData name="Christian Castro" userId="a9937f86877348e7" providerId="LiveId" clId="{A7F3FE7C-0D60-41F7-8CFD-C454D6F1E9A8}" dt="2021-10-27T15:17:40.709" v="1206" actId="1076"/>
+        <pc:chgData name="Christian Castro" userId="a9937f86877348e7" providerId="LiveId" clId="{A7F3FE7C-0D60-41F7-8CFD-C454D6F1E9A8}" dt="2021-10-27T23:31:22.765" v="3494" actId="207"/>
         <pc:sldMkLst>
           <pc:docMk/>
           <pc:sldMk cId="4257397833" sldId="259"/>
@@ -321,7 +321,7 @@
           </ac:spMkLst>
         </pc:spChg>
         <pc:spChg chg="mod">
-          <ac:chgData name="Christian Castro" userId="a9937f86877348e7" providerId="LiveId" clId="{A7F3FE7C-0D60-41F7-8CFD-C454D6F1E9A8}" dt="2021-10-27T15:17:40.709" v="1206" actId="1076"/>
+          <ac:chgData name="Christian Castro" userId="a9937f86877348e7" providerId="LiveId" clId="{A7F3FE7C-0D60-41F7-8CFD-C454D6F1E9A8}" dt="2021-10-27T23:31:22.765" v="3494" actId="207"/>
           <ac:spMkLst>
             <pc:docMk/>
             <pc:sldMk cId="4257397833" sldId="259"/>
@@ -633,13 +633,13 @@
         </pc:picChg>
       </pc:sldChg>
       <pc:sldChg chg="addSp delSp modSp mod ord">
-        <pc:chgData name="Christian Castro" userId="a9937f86877348e7" providerId="LiveId" clId="{A7F3FE7C-0D60-41F7-8CFD-C454D6F1E9A8}" dt="2021-10-26T16:42:36.379" v="415" actId="1076"/>
+        <pc:chgData name="Christian Castro" userId="a9937f86877348e7" providerId="LiveId" clId="{A7F3FE7C-0D60-41F7-8CFD-C454D6F1E9A8}" dt="2021-10-28T12:52:03.358" v="3499" actId="20577"/>
         <pc:sldMkLst>
           <pc:docMk/>
           <pc:sldMk cId="396414759" sldId="283"/>
         </pc:sldMkLst>
         <pc:spChg chg="mod">
-          <ac:chgData name="Christian Castro" userId="a9937f86877348e7" providerId="LiveId" clId="{A7F3FE7C-0D60-41F7-8CFD-C454D6F1E9A8}" dt="2021-10-26T16:32:35.251" v="273" actId="207"/>
+          <ac:chgData name="Christian Castro" userId="a9937f86877348e7" providerId="LiveId" clId="{A7F3FE7C-0D60-41F7-8CFD-C454D6F1E9A8}" dt="2021-10-28T12:52:03.358" v="3499" actId="20577"/>
           <ac:spMkLst>
             <pc:docMk/>
             <pc:sldMk cId="396414759" sldId="283"/>
@@ -1456,7 +1456,7 @@
           <a:p>
             <a:fld id="{ECD19FB2-3AAB-4D03-B13A-2960828C78E3}" type="datetimeFigureOut">
               <a:rPr lang="en-US" smtClean="0"/>
-              <a:t>10/27/2021</a:t>
+              <a:t>10/28/2021</a:t>
             </a:fld>
             <a:endParaRPr lang="en-US" dirty="0"/>
           </a:p>
@@ -1738,7 +1738,7 @@
           <a:p>
             <a:fld id="{1B80C674-7DFC-42FE-B9CD-82963CDB1557}" type="datetimeFigureOut">
               <a:rPr lang="en-US" smtClean="0"/>
-              <a:t>10/27/2021</a:t>
+              <a:t>10/28/2021</a:t>
             </a:fld>
             <a:endParaRPr lang="en-US" dirty="0"/>
           </a:p>
@@ -1930,7 +1930,7 @@
           <a:p>
             <a:fld id="{2076456F-F47D-4F25-8053-2A695DA0CA7D}" type="datetimeFigureOut">
               <a:rPr lang="en-US" smtClean="0"/>
-              <a:t>10/27/2021</a:t>
+              <a:t>10/28/2021</a:t>
             </a:fld>
             <a:endParaRPr lang="en-US" dirty="0"/>
           </a:p>
@@ -2191,7 +2191,7 @@
           <a:p>
             <a:fld id="{5D6C7379-69CC-4837-9905-BEBA22830C8A}" type="datetimeFigureOut">
               <a:rPr lang="en-US" smtClean="0"/>
-              <a:t>10/27/2021</a:t>
+              <a:t>10/28/2021</a:t>
             </a:fld>
             <a:endParaRPr lang="en-US" dirty="0"/>
           </a:p>
@@ -2617,7 +2617,7 @@
           <a:p>
             <a:fld id="{49EB8B7E-8AEE-4F10-BFEE-C999AD004D36}" type="datetimeFigureOut">
               <a:rPr lang="en-US" smtClean="0"/>
-              <a:t>10/27/2021</a:t>
+              <a:t>10/28/2021</a:t>
             </a:fld>
             <a:endParaRPr lang="en-US" dirty="0"/>
           </a:p>
@@ -3163,7 +3163,7 @@
           <a:p>
             <a:fld id="{8668F3F9-58BC-440B-B37B-805B9055EF92}" type="datetimeFigureOut">
               <a:rPr lang="en-US" smtClean="0"/>
-              <a:t>10/27/2021</a:t>
+              <a:t>10/28/2021</a:t>
             </a:fld>
             <a:endParaRPr lang="en-US" dirty="0"/>
           </a:p>
@@ -3994,7 +3994,7 @@
           <a:p>
             <a:fld id="{0D5A53AF-48EA-489D-8260-9DCAB666386A}" type="datetimeFigureOut">
               <a:rPr lang="en-US" smtClean="0"/>
-              <a:t>10/27/2021</a:t>
+              <a:t>10/28/2021</a:t>
             </a:fld>
             <a:endParaRPr lang="en-US" dirty="0"/>
           </a:p>
@@ -4164,7 +4164,7 @@
           <a:p>
             <a:fld id="{0DED02AE-B9A4-47BD-AF8E-97E16144138B}" type="datetimeFigureOut">
               <a:rPr lang="en-US" smtClean="0"/>
-              <a:t>10/27/2021</a:t>
+              <a:t>10/28/2021</a:t>
             </a:fld>
             <a:endParaRPr lang="en-US" dirty="0"/>
           </a:p>
@@ -4344,7 +4344,7 @@
           <a:p>
             <a:fld id="{CF0FD78B-DB02-4362-BCDC-98A55456977C}" type="datetimeFigureOut">
               <a:rPr lang="en-US" smtClean="0"/>
-              <a:t>10/27/2021</a:t>
+              <a:t>10/28/2021</a:t>
             </a:fld>
             <a:endParaRPr lang="en-US" dirty="0"/>
           </a:p>
@@ -4514,7 +4514,7 @@
           <a:p>
             <a:fld id="{99916976-5D93-46E4-A98A-FAD63E4D0EA8}" type="datetimeFigureOut">
               <a:rPr lang="en-US" smtClean="0"/>
-              <a:t>10/27/2021</a:t>
+              <a:t>10/28/2021</a:t>
             </a:fld>
             <a:endParaRPr lang="en-US" dirty="0"/>
           </a:p>
@@ -4771,7 +4771,7 @@
           <a:p>
             <a:fld id="{0F39F4F5-F4D2-4D2A-AB60-88D37ADCB869}" type="datetimeFigureOut">
               <a:rPr lang="en-US" smtClean="0"/>
-              <a:t>10/27/2021</a:t>
+              <a:t>10/28/2021</a:t>
             </a:fld>
             <a:endParaRPr lang="en-US" dirty="0"/>
           </a:p>
@@ -5003,7 +5003,7 @@
           <a:p>
             <a:fld id="{D23BC6CE-6D1E-47E5-8859-F31AC5380EB2}" type="datetimeFigureOut">
               <a:rPr lang="en-US" smtClean="0"/>
-              <a:t>10/27/2021</a:t>
+              <a:t>10/28/2021</a:t>
             </a:fld>
             <a:endParaRPr lang="en-US" dirty="0"/>
           </a:p>
@@ -5396,7 +5396,7 @@
           <a:p>
             <a:fld id="{B1B4E7C4-4DA4-404D-9965-B13F2DD7D8BF}" type="datetimeFigureOut">
               <a:rPr lang="en-US" smtClean="0"/>
-              <a:t>10/27/2021</a:t>
+              <a:t>10/28/2021</a:t>
             </a:fld>
             <a:endParaRPr lang="en-US" dirty="0"/>
           </a:p>
@@ -5514,7 +5514,7 @@
           <a:p>
             <a:fld id="{476FB7AA-4A53-424F-AD41-70827B6504BA}" type="datetimeFigureOut">
               <a:rPr lang="en-US" smtClean="0"/>
-              <a:t>10/27/2021</a:t>
+              <a:t>10/28/2021</a:t>
             </a:fld>
             <a:endParaRPr lang="en-US" dirty="0"/>
           </a:p>
@@ -5609,7 +5609,7 @@
           <a:p>
             <a:fld id="{E7884882-FB12-4BC8-9960-9AD8104D7FAE}" type="datetimeFigureOut">
               <a:rPr lang="en-US" smtClean="0"/>
-              <a:t>10/27/2021</a:t>
+              <a:t>10/28/2021</a:t>
             </a:fld>
             <a:endParaRPr lang="en-US" dirty="0"/>
           </a:p>
@@ -5882,7 +5882,7 @@
           <a:p>
             <a:fld id="{F7D1BD23-6E54-4D9D-AD88-A2813C73CC25}" type="datetimeFigureOut">
               <a:rPr lang="en-US" smtClean="0"/>
-              <a:t>10/27/2021</a:t>
+              <a:t>10/28/2021</a:t>
             </a:fld>
             <a:endParaRPr lang="en-US" dirty="0"/>
           </a:p>
@@ -6163,7 +6163,7 @@
           <a:p>
             <a:fld id="{1471A834-4F3C-4AF9-9C74-05EC35A0F292}" type="datetimeFigureOut">
               <a:rPr lang="en-US" smtClean="0"/>
-              <a:t>10/27/2021</a:t>
+              <a:t>10/28/2021</a:t>
             </a:fld>
             <a:endParaRPr lang="en-US" dirty="0"/>
           </a:p>
@@ -6403,7 +6403,7 @@
           <a:p>
             <a:fld id="{51CF1133-3259-4C45-BABA-5B62D9C6F78D}" type="datetimeFigureOut">
               <a:rPr lang="en-US" smtClean="0"/>
-              <a:t>10/27/2021</a:t>
+              <a:t>10/28/2021</a:t>
             </a:fld>
             <a:endParaRPr lang="en-US" dirty="0"/>
           </a:p>
@@ -7064,7 +7064,10 @@
             <a:r>
               <a:rPr lang="ang-Latn-001" dirty="0">
                 <a:solidFill>
-                  <a:schemeClr val="bg1"/>
+                  <a:schemeClr val="tx2">
+                    <a:lumMod val="60000"/>
+                    <a:lumOff val="40000"/>
+                  </a:schemeClr>
                 </a:solidFill>
               </a:rPr>
               <a:t>Victor Enamorado</a:t>
@@ -7074,7 +7077,10 @@
             <a:r>
               <a:rPr lang="es-MX" i="1" dirty="0">
                 <a:solidFill>
-                  <a:schemeClr val="bg1"/>
+                  <a:schemeClr val="tx2">
+                    <a:lumMod val="60000"/>
+                    <a:lumOff val="40000"/>
+                  </a:schemeClr>
                 </a:solidFill>
               </a:rPr>
               <a:t>Ingenier</a:t>
@@ -7082,7 +7088,10 @@
             <a:r>
               <a:rPr lang="ang-Latn-001" i="1" dirty="0">
                 <a:solidFill>
-                  <a:schemeClr val="bg1"/>
+                  <a:schemeClr val="tx2">
+                    <a:lumMod val="60000"/>
+                    <a:lumOff val="40000"/>
+                  </a:schemeClr>
                 </a:solidFill>
               </a:rPr>
               <a:t>o</a:t>
@@ -7090,14 +7099,20 @@
             <a:r>
               <a:rPr lang="es-MX" i="1" dirty="0">
                 <a:solidFill>
-                  <a:schemeClr val="bg1"/>
+                  <a:schemeClr val="tx2">
+                    <a:lumMod val="60000"/>
+                    <a:lumOff val="40000"/>
+                  </a:schemeClr>
                 </a:solidFill>
               </a:rPr>
               <a:t> en ciencias de la computación</a:t>
             </a:r>
             <a:endParaRPr lang="ang-Latn-001" i="1" dirty="0">
               <a:solidFill>
-                <a:schemeClr val="bg1"/>
+                <a:schemeClr val="tx2">
+                  <a:lumMod val="60000"/>
+                  <a:lumOff val="40000"/>
+                </a:schemeClr>
               </a:solidFill>
             </a:endParaRPr>
           </a:p>
@@ -7105,7 +7120,10 @@
             <a:r>
               <a:rPr lang="es-CL" dirty="0">
                 <a:solidFill>
-                  <a:schemeClr val="bg1"/>
+                  <a:schemeClr val="tx2">
+                    <a:lumMod val="60000"/>
+                    <a:lumOff val="40000"/>
+                  </a:schemeClr>
                 </a:solidFill>
               </a:rPr>
               <a:t>Christian Castro</a:t>
@@ -7115,7 +7133,10 @@
             <a:r>
               <a:rPr lang="es-CL" i="1" dirty="0">
                 <a:solidFill>
-                  <a:schemeClr val="bg1"/>
+                  <a:schemeClr val="tx2">
+                    <a:lumMod val="60000"/>
+                    <a:lumOff val="40000"/>
+                  </a:schemeClr>
                 </a:solidFill>
               </a:rPr>
               <a:t>Sociólogo U. de Chile</a:t>
@@ -7125,7 +7146,10 @@
             <a:r>
               <a:rPr lang="es-CL" i="1" dirty="0">
                 <a:solidFill>
-                  <a:schemeClr val="bg1"/>
+                  <a:schemeClr val="tx2">
+                    <a:lumMod val="60000"/>
+                    <a:lumOff val="40000"/>
+                  </a:schemeClr>
                 </a:solidFill>
               </a:rPr>
               <a:t>Analista Programador</a:t>
@@ -10814,7 +10838,7 @@
         </p:blipFill>
         <p:spPr>
           <a:xfrm>
-            <a:off x="7174195" y="1203249"/>
+            <a:off x="6755936" y="1031846"/>
             <a:ext cx="4598226" cy="5214329"/>
           </a:xfrm>
           <a:prstGeom prst="rect">
@@ -11296,7 +11320,7 @@
                 <a:ea typeface="Batang" panose="02030600000101010101" pitchFamily="18" charset="-127"/>
                 <a:cs typeface="Quire Sans" panose="020B0502040400020003" pitchFamily="34" charset="0"/>
               </a:rPr>
-              <a:t>Supongamos que se deseamos estudiar el comportamiento de una variable para la cual, una</a:t>
+              <a:t>Supongamos que se desea estudiar el comportamiento de una variable para la cual, una</a:t>
             </a:r>
             <a:r>
               <a:rPr lang="ang-Latn-001" sz="2000" dirty="0">
@@ -26827,7 +26851,37 @@
                 <a:ea typeface="Batang" panose="02030600000101010101" pitchFamily="18" charset="-127"/>
                 <a:cs typeface="Quire Sans" panose="020B0502040204020203" pitchFamily="34" charset="0"/>
               </a:rPr>
-              <a:t> +IVACC</a:t>
+              <a:t> +</a:t>
+            </a:r>
+            <a:r>
+              <a:rPr lang="es-CL" sz="3100" dirty="0">
+                <a:effectLst>
+                  <a:outerShdw blurRad="38100" dist="38100" dir="2700000" algn="tl">
+                    <a:srgbClr val="000000">
+                      <a:alpha val="43137"/>
+                    </a:srgbClr>
+                  </a:outerShdw>
+                </a:effectLst>
+                <a:latin typeface="Corbel (Cuerpo)"/>
+                <a:ea typeface="Batang" panose="02030600000101010101" pitchFamily="18" charset="-127"/>
+                <a:cs typeface="Quire Sans" panose="020B0502040204020203" pitchFamily="34" charset="0"/>
+              </a:rPr>
+              <a:t> </a:t>
+            </a:r>
+            <a:r>
+              <a:rPr lang="ang-Latn-001" sz="3100" dirty="0">
+                <a:effectLst>
+                  <a:outerShdw blurRad="38100" dist="38100" dir="2700000" algn="tl">
+                    <a:srgbClr val="000000">
+                      <a:alpha val="43137"/>
+                    </a:srgbClr>
+                  </a:outerShdw>
+                </a:effectLst>
+                <a:latin typeface="Corbel (Cuerpo)"/>
+                <a:ea typeface="Batang" panose="02030600000101010101" pitchFamily="18" charset="-127"/>
+                <a:cs typeface="Quire Sans" panose="020B0502040204020203" pitchFamily="34" charset="0"/>
+              </a:rPr>
+              <a:t>IVACC</a:t>
             </a:r>
             <a:br>
               <a:rPr lang="ang-Latn-001" sz="3100" dirty="0">
@@ -27005,7 +27059,7 @@
                 <a:ea typeface="MS UI Gothic" panose="020B0600070205080204" pitchFamily="34" charset="-128"/>
                 <a:cs typeface="Quire Sans" panose="020B0502040204020203" pitchFamily="34" charset="0"/>
               </a:rPr>
-              <a:t>y J </a:t>
+              <a:t>y </a:t>
             </a:r>
             <a:r>
               <a:rPr lang="es-CL" sz="3100" dirty="0" err="1">
